--- a/report/实验4/算法实验04.pptx
+++ b/report/实验4/算法实验04.pptx
@@ -11,6 +11,7 @@
     <p:sldId id="270" r:id="rId5"/>
     <p:sldId id="261" r:id="rId6"/>
     <p:sldId id="269" r:id="rId7"/>
+    <p:sldId id="272" r:id="rId8"/>
   </p:sldIdLst>
   <p:sldSz cx="12192000" cy="6858000"/>
   <p:notesSz cx="6858000" cy="9144000"/>
@@ -264,7 +265,7 @@
           <a:p>
             <a:fld id="{0A5E204F-936A-4981-9D89-FEB571C08560}" type="datetimeFigureOut">
               <a:rPr lang="zh-CN" altLang="en-US" smtClean="0"/>
-              <a:t>2022/5/6</a:t>
+              <a:t>2022/5/7</a:t>
             </a:fld>
             <a:endParaRPr lang="zh-CN" altLang="en-US"/>
           </a:p>
@@ -462,7 +463,7 @@
           <a:p>
             <a:fld id="{0A5E204F-936A-4981-9D89-FEB571C08560}" type="datetimeFigureOut">
               <a:rPr lang="zh-CN" altLang="en-US" smtClean="0"/>
-              <a:t>2022/5/6</a:t>
+              <a:t>2022/5/7</a:t>
             </a:fld>
             <a:endParaRPr lang="zh-CN" altLang="en-US"/>
           </a:p>
@@ -670,7 +671,7 @@
           <a:p>
             <a:fld id="{0A5E204F-936A-4981-9D89-FEB571C08560}" type="datetimeFigureOut">
               <a:rPr lang="zh-CN" altLang="en-US" smtClean="0"/>
-              <a:t>2022/5/6</a:t>
+              <a:t>2022/5/7</a:t>
             </a:fld>
             <a:endParaRPr lang="zh-CN" altLang="en-US"/>
           </a:p>
@@ -868,7 +869,7 @@
           <a:p>
             <a:fld id="{0A5E204F-936A-4981-9D89-FEB571C08560}" type="datetimeFigureOut">
               <a:rPr lang="zh-CN" altLang="en-US" smtClean="0"/>
-              <a:t>2022/5/6</a:t>
+              <a:t>2022/5/7</a:t>
             </a:fld>
             <a:endParaRPr lang="zh-CN" altLang="en-US"/>
           </a:p>
@@ -1143,7 +1144,7 @@
           <a:p>
             <a:fld id="{0A5E204F-936A-4981-9D89-FEB571C08560}" type="datetimeFigureOut">
               <a:rPr lang="zh-CN" altLang="en-US" smtClean="0"/>
-              <a:t>2022/5/6</a:t>
+              <a:t>2022/5/7</a:t>
             </a:fld>
             <a:endParaRPr lang="zh-CN" altLang="en-US"/>
           </a:p>
@@ -1408,7 +1409,7 @@
           <a:p>
             <a:fld id="{0A5E204F-936A-4981-9D89-FEB571C08560}" type="datetimeFigureOut">
               <a:rPr lang="zh-CN" altLang="en-US" smtClean="0"/>
-              <a:t>2022/5/6</a:t>
+              <a:t>2022/5/7</a:t>
             </a:fld>
             <a:endParaRPr lang="zh-CN" altLang="en-US"/>
           </a:p>
@@ -1820,7 +1821,7 @@
           <a:p>
             <a:fld id="{0A5E204F-936A-4981-9D89-FEB571C08560}" type="datetimeFigureOut">
               <a:rPr lang="zh-CN" altLang="en-US" smtClean="0"/>
-              <a:t>2022/5/6</a:t>
+              <a:t>2022/5/7</a:t>
             </a:fld>
             <a:endParaRPr lang="zh-CN" altLang="en-US"/>
           </a:p>
@@ -1961,7 +1962,7 @@
           <a:p>
             <a:fld id="{0A5E204F-936A-4981-9D89-FEB571C08560}" type="datetimeFigureOut">
               <a:rPr lang="zh-CN" altLang="en-US" smtClean="0"/>
-              <a:t>2022/5/6</a:t>
+              <a:t>2022/5/7</a:t>
             </a:fld>
             <a:endParaRPr lang="zh-CN" altLang="en-US"/>
           </a:p>
@@ -2074,7 +2075,7 @@
           <a:p>
             <a:fld id="{0A5E204F-936A-4981-9D89-FEB571C08560}" type="datetimeFigureOut">
               <a:rPr lang="zh-CN" altLang="en-US" smtClean="0"/>
-              <a:t>2022/5/6</a:t>
+              <a:t>2022/5/7</a:t>
             </a:fld>
             <a:endParaRPr lang="zh-CN" altLang="en-US"/>
           </a:p>
@@ -2385,7 +2386,7 @@
           <a:p>
             <a:fld id="{0A5E204F-936A-4981-9D89-FEB571C08560}" type="datetimeFigureOut">
               <a:rPr lang="zh-CN" altLang="en-US" smtClean="0"/>
-              <a:t>2022/5/6</a:t>
+              <a:t>2022/5/7</a:t>
             </a:fld>
             <a:endParaRPr lang="zh-CN" altLang="en-US"/>
           </a:p>
@@ -2673,7 +2674,7 @@
           <a:p>
             <a:fld id="{0A5E204F-936A-4981-9D89-FEB571C08560}" type="datetimeFigureOut">
               <a:rPr lang="zh-CN" altLang="en-US" smtClean="0"/>
-              <a:t>2022/5/6</a:t>
+              <a:t>2022/5/7</a:t>
             </a:fld>
             <a:endParaRPr lang="zh-CN" altLang="en-US"/>
           </a:p>
@@ -2914,7 +2915,7 @@
           <a:p>
             <a:fld id="{0A5E204F-936A-4981-9D89-FEB571C08560}" type="datetimeFigureOut">
               <a:rPr lang="zh-CN" altLang="en-US" smtClean="0"/>
-              <a:t>2022/5/6</a:t>
+              <a:t>2022/5/7</a:t>
             </a:fld>
             <a:endParaRPr lang="zh-CN" altLang="en-US"/>
           </a:p>
@@ -4762,6 +4763,251 @@
 </p:sld>
 </file>
 
+<file path=ppt/slides/slide7.xml><?xml version="1.0" encoding="utf-8"?>
+<p:sld xmlns:a="http://schemas.openxmlformats.org/drawingml/2006/main" xmlns:r="http://schemas.openxmlformats.org/officeDocument/2006/relationships" xmlns:p="http://schemas.openxmlformats.org/presentationml/2006/main">
+  <p:cSld>
+    <p:spTree>
+      <p:nvGrpSpPr>
+        <p:cNvPr id="1" name=""/>
+        <p:cNvGrpSpPr/>
+        <p:nvPr/>
+      </p:nvGrpSpPr>
+      <p:grpSpPr>
+        <a:xfrm>
+          <a:off x="0" y="0"/>
+          <a:ext cx="0" cy="0"/>
+          <a:chOff x="0" y="0"/>
+          <a:chExt cx="0" cy="0"/>
+        </a:xfrm>
+      </p:grpSpPr>
+      <p:sp>
+        <p:nvSpPr>
+          <p:cNvPr id="2" name="标题 1">
+            <a:extLst>
+              <a:ext uri="{FF2B5EF4-FFF2-40B4-BE49-F238E27FC236}">
+                <a16:creationId xmlns:a16="http://schemas.microsoft.com/office/drawing/2014/main" id="{1FD0465E-2763-4FDC-91D9-C81C70994684}"/>
+              </a:ext>
+            </a:extLst>
+          </p:cNvPr>
+          <p:cNvSpPr>
+            <a:spLocks noGrp="1"/>
+          </p:cNvSpPr>
+          <p:nvPr>
+            <p:ph type="title"/>
+          </p:nvPr>
+        </p:nvSpPr>
+        <p:spPr>
+          <a:xfrm>
+            <a:off x="838200" y="365125"/>
+            <a:ext cx="10515600" cy="540397"/>
+          </a:xfrm>
+        </p:spPr>
+        <p:txBody>
+          <a:bodyPr>
+            <a:normAutofit fontScale="90000"/>
+          </a:bodyPr>
+          <a:lstStyle/>
+          <a:p>
+            <a:r>
+              <a:rPr lang="zh-CN" altLang="en-US" dirty="0"/>
+              <a:t>效率分析</a:t>
+            </a:r>
+          </a:p>
+        </p:txBody>
+      </p:sp>
+      <p:sp>
+        <p:nvSpPr>
+          <p:cNvPr id="3" name="内容占位符 2">
+            <a:extLst>
+              <a:ext uri="{FF2B5EF4-FFF2-40B4-BE49-F238E27FC236}">
+                <a16:creationId xmlns:a16="http://schemas.microsoft.com/office/drawing/2014/main" id="{41F59752-9E4B-4E07-A14E-9241504BA68C}"/>
+              </a:ext>
+            </a:extLst>
+          </p:cNvPr>
+          <p:cNvSpPr>
+            <a:spLocks noGrp="1"/>
+          </p:cNvSpPr>
+          <p:nvPr>
+            <p:ph idx="1"/>
+          </p:nvPr>
+        </p:nvSpPr>
+        <p:spPr>
+          <a:xfrm>
+            <a:off x="838200" y="1233996"/>
+            <a:ext cx="10515600" cy="4942967"/>
+          </a:xfrm>
+        </p:spPr>
+        <p:txBody>
+          <a:bodyPr>
+            <a:normAutofit/>
+          </a:bodyPr>
+          <a:lstStyle/>
+          <a:p>
+            <a:pPr marL="0" indent="0">
+              <a:buNone/>
+            </a:pPr>
+            <a:r>
+              <a:rPr lang="zh-CN" altLang="en-US" sz="1800" dirty="0"/>
+              <a:t>完全求解子问题时，因为</a:t>
+            </a:r>
+            <a:r>
+              <a:rPr lang="en-US" altLang="zh-CN" sz="1800" dirty="0"/>
+              <a:t>L&lt;=R</a:t>
+            </a:r>
+            <a:r>
+              <a:rPr lang="zh-CN" altLang="en-US" sz="1800" dirty="0"/>
+              <a:t>，所以一共要求解</a:t>
+            </a:r>
+            <a:r>
+              <a:rPr lang="en-US" altLang="zh-CN" sz="1800" dirty="0"/>
+              <a:t>n(n+1)/2</a:t>
+            </a:r>
+            <a:r>
+              <a:rPr lang="zh-CN" altLang="en-US" sz="1800" dirty="0"/>
+              <a:t>个子问题，单个子问题求解时间可以视为常数，因此时间复杂度为</a:t>
+            </a:r>
+            <a:r>
+              <a:rPr lang="en-US" altLang="zh-CN" sz="1800" dirty="0"/>
+              <a:t>O</a:t>
+            </a:r>
+            <a:r>
+              <a:rPr lang="zh-CN" altLang="en-US" sz="1800" dirty="0"/>
+              <a:t>（</a:t>
+            </a:r>
+            <a:r>
+              <a:rPr lang="en-US" altLang="zh-CN" sz="1800" dirty="0"/>
+              <a:t>n^2</a:t>
+            </a:r>
+            <a:r>
+              <a:rPr lang="zh-CN" altLang="en-US" sz="1800" dirty="0"/>
+              <a:t>）</a:t>
+            </a:r>
+            <a:endParaRPr lang="en-US" altLang="zh-CN" sz="1800" dirty="0"/>
+          </a:p>
+          <a:p>
+            <a:pPr marL="0" indent="0">
+              <a:buNone/>
+            </a:pPr>
+            <a:endParaRPr lang="en-US" altLang="zh-CN" sz="1800" dirty="0"/>
+          </a:p>
+          <a:p>
+            <a:pPr marL="0" indent="0">
+              <a:buNone/>
+            </a:pPr>
+            <a:r>
+              <a:rPr lang="zh-CN" altLang="en-US" sz="1800" dirty="0"/>
+              <a:t>每个罐子包含的金币数量不会影响子问题的数量和子问题的求解成本，因此金币数量不会对运行时间产生影响</a:t>
+            </a:r>
+            <a:endParaRPr lang="en-US" altLang="zh-CN" sz="1800" dirty="0"/>
+          </a:p>
+          <a:p>
+            <a:pPr marL="0" indent="0">
+              <a:buNone/>
+            </a:pPr>
+            <a:endParaRPr lang="en-US" altLang="zh-CN" sz="1800" dirty="0"/>
+          </a:p>
+          <a:p>
+            <a:pPr marL="0" indent="0">
+              <a:buNone/>
+            </a:pPr>
+            <a:r>
+              <a:rPr lang="zh-CN" altLang="en-US" sz="1800" dirty="0"/>
+              <a:t>但实验数据来看，随着样例规模的增长，运行时间</a:t>
+            </a:r>
+            <a:endParaRPr lang="en-US" altLang="zh-CN" sz="1800" dirty="0"/>
+          </a:p>
+          <a:p>
+            <a:pPr marL="0" indent="0">
+              <a:buNone/>
+            </a:pPr>
+            <a:r>
+              <a:rPr lang="zh-CN" altLang="en-US" sz="1800" dirty="0"/>
+              <a:t>相较于</a:t>
+            </a:r>
+            <a:r>
+              <a:rPr lang="en-US" altLang="zh-CN" sz="1800" dirty="0"/>
+              <a:t>n^2</a:t>
+            </a:r>
+            <a:r>
+              <a:rPr lang="zh-CN" altLang="en-US" sz="1800" dirty="0"/>
+              <a:t>的拟合曲线偏高</a:t>
+            </a:r>
+          </a:p>
+        </p:txBody>
+      </p:sp>
+      <p:pic>
+        <p:nvPicPr>
+          <p:cNvPr id="7" name="图片 6">
+            <a:extLst>
+              <a:ext uri="{FF2B5EF4-FFF2-40B4-BE49-F238E27FC236}">
+                <a16:creationId xmlns:a16="http://schemas.microsoft.com/office/drawing/2014/main" id="{74F12065-8F70-4C13-AC6C-57F0374670AE}"/>
+              </a:ext>
+            </a:extLst>
+          </p:cNvPr>
+          <p:cNvPicPr>
+            <a:picLocks noChangeAspect="1"/>
+          </p:cNvPicPr>
+          <p:nvPr/>
+        </p:nvPicPr>
+        <p:blipFill>
+          <a:blip r:embed="rId2"/>
+          <a:stretch>
+            <a:fillRect/>
+          </a:stretch>
+        </p:blipFill>
+        <p:spPr>
+          <a:xfrm>
+            <a:off x="8244980" y="3705479"/>
+            <a:ext cx="3185786" cy="2471484"/>
+          </a:xfrm>
+          <a:prstGeom prst="rect">
+            <a:avLst/>
+          </a:prstGeom>
+        </p:spPr>
+      </p:pic>
+      <p:pic>
+        <p:nvPicPr>
+          <p:cNvPr id="9" name="图片 8">
+            <a:extLst>
+              <a:ext uri="{FF2B5EF4-FFF2-40B4-BE49-F238E27FC236}">
+                <a16:creationId xmlns:a16="http://schemas.microsoft.com/office/drawing/2014/main" id="{113C62CB-58D6-4EAB-A2FE-434B58174E98}"/>
+              </a:ext>
+            </a:extLst>
+          </p:cNvPr>
+          <p:cNvPicPr>
+            <a:picLocks noChangeAspect="1"/>
+          </p:cNvPicPr>
+          <p:nvPr/>
+        </p:nvPicPr>
+        <p:blipFill>
+          <a:blip r:embed="rId3"/>
+          <a:stretch>
+            <a:fillRect/>
+          </a:stretch>
+        </p:blipFill>
+        <p:spPr>
+          <a:xfrm>
+            <a:off x="4910906" y="3566769"/>
+            <a:ext cx="3334074" cy="2610194"/>
+          </a:xfrm>
+          <a:prstGeom prst="rect">
+            <a:avLst/>
+          </a:prstGeom>
+        </p:spPr>
+      </p:pic>
+    </p:spTree>
+    <p:extLst>
+      <p:ext uri="{BB962C8B-B14F-4D97-AF65-F5344CB8AC3E}">
+        <p14:creationId xmlns:p14="http://schemas.microsoft.com/office/powerpoint/2010/main" val="1262093669"/>
+      </p:ext>
+    </p:extLst>
+  </p:cSld>
+  <p:clrMapOvr>
+    <a:masterClrMapping/>
+  </p:clrMapOvr>
+</p:sld>
+</file>
+
 <file path=ppt/theme/theme1.xml><?xml version="1.0" encoding="utf-8"?>
 <a:theme xmlns:a="http://schemas.openxmlformats.org/drawingml/2006/main" name="Office 主题​​">
   <a:themeElements>

--- a/report/实验4/算法实验04.pptx
+++ b/report/实验4/算法实验04.pptx
@@ -4,14 +4,20 @@
   <p:sldMasterIdLst>
     <p:sldMasterId id="2147483648" r:id="rId1"/>
   </p:sldMasterIdLst>
+  <p:notesMasterIdLst>
+    <p:notesMasterId r:id="rId12"/>
+  </p:notesMasterIdLst>
   <p:sldIdLst>
     <p:sldId id="256" r:id="rId2"/>
     <p:sldId id="262" r:id="rId3"/>
-    <p:sldId id="271" r:id="rId4"/>
-    <p:sldId id="270" r:id="rId5"/>
-    <p:sldId id="261" r:id="rId6"/>
-    <p:sldId id="269" r:id="rId7"/>
-    <p:sldId id="272" r:id="rId8"/>
+    <p:sldId id="275" r:id="rId4"/>
+    <p:sldId id="271" r:id="rId5"/>
+    <p:sldId id="270" r:id="rId6"/>
+    <p:sldId id="261" r:id="rId7"/>
+    <p:sldId id="269" r:id="rId8"/>
+    <p:sldId id="272" r:id="rId9"/>
+    <p:sldId id="273" r:id="rId10"/>
+    <p:sldId id="274" r:id="rId11"/>
   </p:sldIdLst>
   <p:sldSz cx="12192000" cy="6858000"/>
   <p:notesSz cx="6858000" cy="9144000"/>
@@ -118,6 +124,439 @@
 </p:presentation>
 </file>
 
+<file path=ppt/notesMasters/notesMaster1.xml><?xml version="1.0" encoding="utf-8"?>
+<p:notesMaster xmlns:a="http://schemas.openxmlformats.org/drawingml/2006/main" xmlns:r="http://schemas.openxmlformats.org/officeDocument/2006/relationships" xmlns:p="http://schemas.openxmlformats.org/presentationml/2006/main">
+  <p:cSld>
+    <p:bg>
+      <p:bgRef idx="1001">
+        <a:schemeClr val="bg1"/>
+      </p:bgRef>
+    </p:bg>
+    <p:spTree>
+      <p:nvGrpSpPr>
+        <p:cNvPr id="1" name=""/>
+        <p:cNvGrpSpPr/>
+        <p:nvPr/>
+      </p:nvGrpSpPr>
+      <p:grpSpPr>
+        <a:xfrm>
+          <a:off x="0" y="0"/>
+          <a:ext cx="0" cy="0"/>
+          <a:chOff x="0" y="0"/>
+          <a:chExt cx="0" cy="0"/>
+        </a:xfrm>
+      </p:grpSpPr>
+      <p:sp>
+        <p:nvSpPr>
+          <p:cNvPr id="2" name="页眉占位符 1"/>
+          <p:cNvSpPr>
+            <a:spLocks noGrp="1"/>
+          </p:cNvSpPr>
+          <p:nvPr>
+            <p:ph type="hdr" sz="quarter"/>
+          </p:nvPr>
+        </p:nvSpPr>
+        <p:spPr>
+          <a:xfrm>
+            <a:off x="0" y="0"/>
+            <a:ext cx="2971800" cy="458788"/>
+          </a:xfrm>
+          <a:prstGeom prst="rect">
+            <a:avLst/>
+          </a:prstGeom>
+        </p:spPr>
+        <p:txBody>
+          <a:bodyPr vert="horz" lIns="91440" tIns="45720" rIns="91440" bIns="45720" rtlCol="0"/>
+          <a:lstStyle>
+            <a:lvl1pPr algn="l">
+              <a:defRPr sz="1200"/>
+            </a:lvl1pPr>
+          </a:lstStyle>
+          <a:p>
+            <a:endParaRPr lang="zh-CN" altLang="en-US"/>
+          </a:p>
+        </p:txBody>
+      </p:sp>
+      <p:sp>
+        <p:nvSpPr>
+          <p:cNvPr id="3" name="日期占位符 2"/>
+          <p:cNvSpPr>
+            <a:spLocks noGrp="1"/>
+          </p:cNvSpPr>
+          <p:nvPr>
+            <p:ph type="dt" idx="1"/>
+          </p:nvPr>
+        </p:nvSpPr>
+        <p:spPr>
+          <a:xfrm>
+            <a:off x="3884613" y="0"/>
+            <a:ext cx="2971800" cy="458788"/>
+          </a:xfrm>
+          <a:prstGeom prst="rect">
+            <a:avLst/>
+          </a:prstGeom>
+        </p:spPr>
+        <p:txBody>
+          <a:bodyPr vert="horz" lIns="91440" tIns="45720" rIns="91440" bIns="45720" rtlCol="0"/>
+          <a:lstStyle>
+            <a:lvl1pPr algn="r">
+              <a:defRPr sz="1200"/>
+            </a:lvl1pPr>
+          </a:lstStyle>
+          <a:p>
+            <a:fld id="{F58E760A-513A-4FE9-992A-6186B1C5668C}" type="datetimeFigureOut">
+              <a:rPr lang="zh-CN" altLang="en-US" smtClean="0"/>
+              <a:t>2022/5/13</a:t>
+            </a:fld>
+            <a:endParaRPr lang="zh-CN" altLang="en-US"/>
+          </a:p>
+        </p:txBody>
+      </p:sp>
+      <p:sp>
+        <p:nvSpPr>
+          <p:cNvPr id="4" name="幻灯片图像占位符 3"/>
+          <p:cNvSpPr>
+            <a:spLocks noGrp="1" noRot="1" noChangeAspect="1"/>
+          </p:cNvSpPr>
+          <p:nvPr>
+            <p:ph type="sldImg" idx="2"/>
+          </p:nvPr>
+        </p:nvSpPr>
+        <p:spPr>
+          <a:xfrm>
+            <a:off x="685800" y="1143000"/>
+            <a:ext cx="5486400" cy="3086100"/>
+          </a:xfrm>
+          <a:prstGeom prst="rect">
+            <a:avLst/>
+          </a:prstGeom>
+          <a:noFill/>
+          <a:ln w="12700">
+            <a:solidFill>
+              <a:prstClr val="black"/>
+            </a:solidFill>
+          </a:ln>
+        </p:spPr>
+        <p:txBody>
+          <a:bodyPr vert="horz" lIns="91440" tIns="45720" rIns="91440" bIns="45720" rtlCol="0" anchor="ctr"/>
+          <a:lstStyle/>
+          <a:p>
+            <a:endParaRPr lang="zh-CN" altLang="en-US"/>
+          </a:p>
+        </p:txBody>
+      </p:sp>
+      <p:sp>
+        <p:nvSpPr>
+          <p:cNvPr id="5" name="备注占位符 4"/>
+          <p:cNvSpPr>
+            <a:spLocks noGrp="1"/>
+          </p:cNvSpPr>
+          <p:nvPr>
+            <p:ph type="body" sz="quarter" idx="3"/>
+          </p:nvPr>
+        </p:nvSpPr>
+        <p:spPr>
+          <a:xfrm>
+            <a:off x="685800" y="4400550"/>
+            <a:ext cx="5486400" cy="3600450"/>
+          </a:xfrm>
+          <a:prstGeom prst="rect">
+            <a:avLst/>
+          </a:prstGeom>
+        </p:spPr>
+        <p:txBody>
+          <a:bodyPr vert="horz" lIns="91440" tIns="45720" rIns="91440" bIns="45720" rtlCol="0"/>
+          <a:lstStyle/>
+          <a:p>
+            <a:pPr lvl="0"/>
+            <a:r>
+              <a:rPr lang="zh-CN" altLang="en-US"/>
+              <a:t>单击此处编辑母版文本样式</a:t>
+            </a:r>
+          </a:p>
+          <a:p>
+            <a:pPr lvl="1"/>
+            <a:r>
+              <a:rPr lang="zh-CN" altLang="en-US"/>
+              <a:t>二级</a:t>
+            </a:r>
+          </a:p>
+          <a:p>
+            <a:pPr lvl="2"/>
+            <a:r>
+              <a:rPr lang="zh-CN" altLang="en-US"/>
+              <a:t>三级</a:t>
+            </a:r>
+          </a:p>
+          <a:p>
+            <a:pPr lvl="3"/>
+            <a:r>
+              <a:rPr lang="zh-CN" altLang="en-US"/>
+              <a:t>四级</a:t>
+            </a:r>
+          </a:p>
+          <a:p>
+            <a:pPr lvl="4"/>
+            <a:r>
+              <a:rPr lang="zh-CN" altLang="en-US"/>
+              <a:t>五级</a:t>
+            </a:r>
+          </a:p>
+        </p:txBody>
+      </p:sp>
+      <p:sp>
+        <p:nvSpPr>
+          <p:cNvPr id="6" name="页脚占位符 5"/>
+          <p:cNvSpPr>
+            <a:spLocks noGrp="1"/>
+          </p:cNvSpPr>
+          <p:nvPr>
+            <p:ph type="ftr" sz="quarter" idx="4"/>
+          </p:nvPr>
+        </p:nvSpPr>
+        <p:spPr>
+          <a:xfrm>
+            <a:off x="0" y="8685213"/>
+            <a:ext cx="2971800" cy="458787"/>
+          </a:xfrm>
+          <a:prstGeom prst="rect">
+            <a:avLst/>
+          </a:prstGeom>
+        </p:spPr>
+        <p:txBody>
+          <a:bodyPr vert="horz" lIns="91440" tIns="45720" rIns="91440" bIns="45720" rtlCol="0" anchor="b"/>
+          <a:lstStyle>
+            <a:lvl1pPr algn="l">
+              <a:defRPr sz="1200"/>
+            </a:lvl1pPr>
+          </a:lstStyle>
+          <a:p>
+            <a:endParaRPr lang="zh-CN" altLang="en-US"/>
+          </a:p>
+        </p:txBody>
+      </p:sp>
+      <p:sp>
+        <p:nvSpPr>
+          <p:cNvPr id="7" name="灯片编号占位符 6"/>
+          <p:cNvSpPr>
+            <a:spLocks noGrp="1"/>
+          </p:cNvSpPr>
+          <p:nvPr>
+            <p:ph type="sldNum" sz="quarter" idx="5"/>
+          </p:nvPr>
+        </p:nvSpPr>
+        <p:spPr>
+          <a:xfrm>
+            <a:off x="3884613" y="8685213"/>
+            <a:ext cx="2971800" cy="458787"/>
+          </a:xfrm>
+          <a:prstGeom prst="rect">
+            <a:avLst/>
+          </a:prstGeom>
+        </p:spPr>
+        <p:txBody>
+          <a:bodyPr vert="horz" lIns="91440" tIns="45720" rIns="91440" bIns="45720" rtlCol="0" anchor="b"/>
+          <a:lstStyle>
+            <a:lvl1pPr algn="r">
+              <a:defRPr sz="1200"/>
+            </a:lvl1pPr>
+          </a:lstStyle>
+          <a:p>
+            <a:fld id="{C38366D0-EDF7-4CCD-AFFF-6F9B6D9F6439}" type="slidenum">
+              <a:rPr lang="zh-CN" altLang="en-US" smtClean="0"/>
+              <a:t>‹#›</a:t>
+            </a:fld>
+            <a:endParaRPr lang="zh-CN" altLang="en-US"/>
+          </a:p>
+        </p:txBody>
+      </p:sp>
+    </p:spTree>
+    <p:extLst>
+      <p:ext uri="{BB962C8B-B14F-4D97-AF65-F5344CB8AC3E}">
+        <p14:creationId xmlns:p14="http://schemas.microsoft.com/office/powerpoint/2010/main" val="241675410"/>
+      </p:ext>
+    </p:extLst>
+  </p:cSld>
+  <p:clrMap bg1="lt1" tx1="dk1" bg2="lt2" tx2="dk2" accent1="accent1" accent2="accent2" accent3="accent3" accent4="accent4" accent5="accent5" accent6="accent6" hlink="hlink" folHlink="folHlink"/>
+  <p:notesStyle>
+    <a:lvl1pPr marL="0" algn="l" defTabSz="914400" rtl="0" eaLnBrk="1" latinLnBrk="0" hangingPunct="1">
+      <a:defRPr sz="1200" kern="1200">
+        <a:solidFill>
+          <a:schemeClr val="tx1"/>
+        </a:solidFill>
+        <a:latin typeface="+mn-lt"/>
+        <a:ea typeface="+mn-ea"/>
+        <a:cs typeface="+mn-cs"/>
+      </a:defRPr>
+    </a:lvl1pPr>
+    <a:lvl2pPr marL="457200" algn="l" defTabSz="914400" rtl="0" eaLnBrk="1" latinLnBrk="0" hangingPunct="1">
+      <a:defRPr sz="1200" kern="1200">
+        <a:solidFill>
+          <a:schemeClr val="tx1"/>
+        </a:solidFill>
+        <a:latin typeface="+mn-lt"/>
+        <a:ea typeface="+mn-ea"/>
+        <a:cs typeface="+mn-cs"/>
+      </a:defRPr>
+    </a:lvl2pPr>
+    <a:lvl3pPr marL="914400" algn="l" defTabSz="914400" rtl="0" eaLnBrk="1" latinLnBrk="0" hangingPunct="1">
+      <a:defRPr sz="1200" kern="1200">
+        <a:solidFill>
+          <a:schemeClr val="tx1"/>
+        </a:solidFill>
+        <a:latin typeface="+mn-lt"/>
+        <a:ea typeface="+mn-ea"/>
+        <a:cs typeface="+mn-cs"/>
+      </a:defRPr>
+    </a:lvl3pPr>
+    <a:lvl4pPr marL="1371600" algn="l" defTabSz="914400" rtl="0" eaLnBrk="1" latinLnBrk="0" hangingPunct="1">
+      <a:defRPr sz="1200" kern="1200">
+        <a:solidFill>
+          <a:schemeClr val="tx1"/>
+        </a:solidFill>
+        <a:latin typeface="+mn-lt"/>
+        <a:ea typeface="+mn-ea"/>
+        <a:cs typeface="+mn-cs"/>
+      </a:defRPr>
+    </a:lvl4pPr>
+    <a:lvl5pPr marL="1828800" algn="l" defTabSz="914400" rtl="0" eaLnBrk="1" latinLnBrk="0" hangingPunct="1">
+      <a:defRPr sz="1200" kern="1200">
+        <a:solidFill>
+          <a:schemeClr val="tx1"/>
+        </a:solidFill>
+        <a:latin typeface="+mn-lt"/>
+        <a:ea typeface="+mn-ea"/>
+        <a:cs typeface="+mn-cs"/>
+      </a:defRPr>
+    </a:lvl5pPr>
+    <a:lvl6pPr marL="2286000" algn="l" defTabSz="914400" rtl="0" eaLnBrk="1" latinLnBrk="0" hangingPunct="1">
+      <a:defRPr sz="1200" kern="1200">
+        <a:solidFill>
+          <a:schemeClr val="tx1"/>
+        </a:solidFill>
+        <a:latin typeface="+mn-lt"/>
+        <a:ea typeface="+mn-ea"/>
+        <a:cs typeface="+mn-cs"/>
+      </a:defRPr>
+    </a:lvl6pPr>
+    <a:lvl7pPr marL="2743200" algn="l" defTabSz="914400" rtl="0" eaLnBrk="1" latinLnBrk="0" hangingPunct="1">
+      <a:defRPr sz="1200" kern="1200">
+        <a:solidFill>
+          <a:schemeClr val="tx1"/>
+        </a:solidFill>
+        <a:latin typeface="+mn-lt"/>
+        <a:ea typeface="+mn-ea"/>
+        <a:cs typeface="+mn-cs"/>
+      </a:defRPr>
+    </a:lvl7pPr>
+    <a:lvl8pPr marL="3200400" algn="l" defTabSz="914400" rtl="0" eaLnBrk="1" latinLnBrk="0" hangingPunct="1">
+      <a:defRPr sz="1200" kern="1200">
+        <a:solidFill>
+          <a:schemeClr val="tx1"/>
+        </a:solidFill>
+        <a:latin typeface="+mn-lt"/>
+        <a:ea typeface="+mn-ea"/>
+        <a:cs typeface="+mn-cs"/>
+      </a:defRPr>
+    </a:lvl8pPr>
+    <a:lvl9pPr marL="3657600" algn="l" defTabSz="914400" rtl="0" eaLnBrk="1" latinLnBrk="0" hangingPunct="1">
+      <a:defRPr sz="1200" kern="1200">
+        <a:solidFill>
+          <a:schemeClr val="tx1"/>
+        </a:solidFill>
+        <a:latin typeface="+mn-lt"/>
+        <a:ea typeface="+mn-ea"/>
+        <a:cs typeface="+mn-cs"/>
+      </a:defRPr>
+    </a:lvl9pPr>
+  </p:notesStyle>
+</p:notesMaster>
+</file>
+
+<file path=ppt/notesSlides/notesSlide1.xml><?xml version="1.0" encoding="utf-8"?>
+<p:notes xmlns:a="http://schemas.openxmlformats.org/drawingml/2006/main" xmlns:r="http://schemas.openxmlformats.org/officeDocument/2006/relationships" xmlns:p="http://schemas.openxmlformats.org/presentationml/2006/main">
+  <p:cSld>
+    <p:spTree>
+      <p:nvGrpSpPr>
+        <p:cNvPr id="1" name=""/>
+        <p:cNvGrpSpPr/>
+        <p:nvPr/>
+      </p:nvGrpSpPr>
+      <p:grpSpPr>
+        <a:xfrm>
+          <a:off x="0" y="0"/>
+          <a:ext cx="0" cy="0"/>
+          <a:chOff x="0" y="0"/>
+          <a:chExt cx="0" cy="0"/>
+        </a:xfrm>
+      </p:grpSpPr>
+      <p:sp>
+        <p:nvSpPr>
+          <p:cNvPr id="2" name="幻灯片图像占位符 1"/>
+          <p:cNvSpPr>
+            <a:spLocks noGrp="1" noRot="1" noChangeAspect="1"/>
+          </p:cNvSpPr>
+          <p:nvPr>
+            <p:ph type="sldImg"/>
+          </p:nvPr>
+        </p:nvSpPr>
+        <p:spPr/>
+      </p:sp>
+      <p:sp>
+        <p:nvSpPr>
+          <p:cNvPr id="3" name="备注占位符 2"/>
+          <p:cNvSpPr>
+            <a:spLocks noGrp="1"/>
+          </p:cNvSpPr>
+          <p:nvPr>
+            <p:ph type="body" idx="1"/>
+          </p:nvPr>
+        </p:nvSpPr>
+        <p:spPr/>
+        <p:txBody>
+          <a:bodyPr/>
+          <a:lstStyle/>
+          <a:p>
+            <a:endParaRPr lang="zh-CN" altLang="en-US" dirty="0"/>
+          </a:p>
+        </p:txBody>
+      </p:sp>
+      <p:sp>
+        <p:nvSpPr>
+          <p:cNvPr id="4" name="灯片编号占位符 3"/>
+          <p:cNvSpPr>
+            <a:spLocks noGrp="1"/>
+          </p:cNvSpPr>
+          <p:nvPr>
+            <p:ph type="sldNum" sz="quarter" idx="5"/>
+          </p:nvPr>
+        </p:nvSpPr>
+        <p:spPr/>
+        <p:txBody>
+          <a:bodyPr/>
+          <a:lstStyle/>
+          <a:p>
+            <a:fld id="{C38366D0-EDF7-4CCD-AFFF-6F9B6D9F6439}" type="slidenum">
+              <a:rPr lang="zh-CN" altLang="en-US" smtClean="0"/>
+              <a:t>8</a:t>
+            </a:fld>
+            <a:endParaRPr lang="zh-CN" altLang="en-US"/>
+          </a:p>
+        </p:txBody>
+      </p:sp>
+    </p:spTree>
+    <p:extLst>
+      <p:ext uri="{BB962C8B-B14F-4D97-AF65-F5344CB8AC3E}">
+        <p14:creationId xmlns:p14="http://schemas.microsoft.com/office/powerpoint/2010/main" val="264940658"/>
+      </p:ext>
+    </p:extLst>
+  </p:cSld>
+  <p:clrMapOvr>
+    <a:masterClrMapping/>
+  </p:clrMapOvr>
+</p:notes>
+</file>
+
 <file path=ppt/slideLayouts/slideLayout1.xml><?xml version="1.0" encoding="utf-8"?>
 <p:sldLayout xmlns:a="http://schemas.openxmlformats.org/drawingml/2006/main" xmlns:r="http://schemas.openxmlformats.org/officeDocument/2006/relationships" xmlns:p="http://schemas.openxmlformats.org/presentationml/2006/main" type="title" preserve="1">
   <p:cSld name="标题幻灯片">
@@ -265,7 +704,7 @@
           <a:p>
             <a:fld id="{0A5E204F-936A-4981-9D89-FEB571C08560}" type="datetimeFigureOut">
               <a:rPr lang="zh-CN" altLang="en-US" smtClean="0"/>
-              <a:t>2022/5/7</a:t>
+              <a:t>2022/5/13</a:t>
             </a:fld>
             <a:endParaRPr lang="zh-CN" altLang="en-US"/>
           </a:p>
@@ -463,7 +902,7 @@
           <a:p>
             <a:fld id="{0A5E204F-936A-4981-9D89-FEB571C08560}" type="datetimeFigureOut">
               <a:rPr lang="zh-CN" altLang="en-US" smtClean="0"/>
-              <a:t>2022/5/7</a:t>
+              <a:t>2022/5/13</a:t>
             </a:fld>
             <a:endParaRPr lang="zh-CN" altLang="en-US"/>
           </a:p>
@@ -671,7 +1110,7 @@
           <a:p>
             <a:fld id="{0A5E204F-936A-4981-9D89-FEB571C08560}" type="datetimeFigureOut">
               <a:rPr lang="zh-CN" altLang="en-US" smtClean="0"/>
-              <a:t>2022/5/7</a:t>
+              <a:t>2022/5/13</a:t>
             </a:fld>
             <a:endParaRPr lang="zh-CN" altLang="en-US"/>
           </a:p>
@@ -869,7 +1308,7 @@
           <a:p>
             <a:fld id="{0A5E204F-936A-4981-9D89-FEB571C08560}" type="datetimeFigureOut">
               <a:rPr lang="zh-CN" altLang="en-US" smtClean="0"/>
-              <a:t>2022/5/7</a:t>
+              <a:t>2022/5/13</a:t>
             </a:fld>
             <a:endParaRPr lang="zh-CN" altLang="en-US"/>
           </a:p>
@@ -1144,7 +1583,7 @@
           <a:p>
             <a:fld id="{0A5E204F-936A-4981-9D89-FEB571C08560}" type="datetimeFigureOut">
               <a:rPr lang="zh-CN" altLang="en-US" smtClean="0"/>
-              <a:t>2022/5/7</a:t>
+              <a:t>2022/5/13</a:t>
             </a:fld>
             <a:endParaRPr lang="zh-CN" altLang="en-US"/>
           </a:p>
@@ -1409,7 +1848,7 @@
           <a:p>
             <a:fld id="{0A5E204F-936A-4981-9D89-FEB571C08560}" type="datetimeFigureOut">
               <a:rPr lang="zh-CN" altLang="en-US" smtClean="0"/>
-              <a:t>2022/5/7</a:t>
+              <a:t>2022/5/13</a:t>
             </a:fld>
             <a:endParaRPr lang="zh-CN" altLang="en-US"/>
           </a:p>
@@ -1821,7 +2260,7 @@
           <a:p>
             <a:fld id="{0A5E204F-936A-4981-9D89-FEB571C08560}" type="datetimeFigureOut">
               <a:rPr lang="zh-CN" altLang="en-US" smtClean="0"/>
-              <a:t>2022/5/7</a:t>
+              <a:t>2022/5/13</a:t>
             </a:fld>
             <a:endParaRPr lang="zh-CN" altLang="en-US"/>
           </a:p>
@@ -1962,7 +2401,7 @@
           <a:p>
             <a:fld id="{0A5E204F-936A-4981-9D89-FEB571C08560}" type="datetimeFigureOut">
               <a:rPr lang="zh-CN" altLang="en-US" smtClean="0"/>
-              <a:t>2022/5/7</a:t>
+              <a:t>2022/5/13</a:t>
             </a:fld>
             <a:endParaRPr lang="zh-CN" altLang="en-US"/>
           </a:p>
@@ -2075,7 +2514,7 @@
           <a:p>
             <a:fld id="{0A5E204F-936A-4981-9D89-FEB571C08560}" type="datetimeFigureOut">
               <a:rPr lang="zh-CN" altLang="en-US" smtClean="0"/>
-              <a:t>2022/5/7</a:t>
+              <a:t>2022/5/13</a:t>
             </a:fld>
             <a:endParaRPr lang="zh-CN" altLang="en-US"/>
           </a:p>
@@ -2386,7 +2825,7 @@
           <a:p>
             <a:fld id="{0A5E204F-936A-4981-9D89-FEB571C08560}" type="datetimeFigureOut">
               <a:rPr lang="zh-CN" altLang="en-US" smtClean="0"/>
-              <a:t>2022/5/7</a:t>
+              <a:t>2022/5/13</a:t>
             </a:fld>
             <a:endParaRPr lang="zh-CN" altLang="en-US"/>
           </a:p>
@@ -2674,7 +3113,7 @@
           <a:p>
             <a:fld id="{0A5E204F-936A-4981-9D89-FEB571C08560}" type="datetimeFigureOut">
               <a:rPr lang="zh-CN" altLang="en-US" smtClean="0"/>
-              <a:t>2022/5/7</a:t>
+              <a:t>2022/5/13</a:t>
             </a:fld>
             <a:endParaRPr lang="zh-CN" altLang="en-US"/>
           </a:p>
@@ -2915,7 +3354,7 @@
           <a:p>
             <a:fld id="{0A5E204F-936A-4981-9D89-FEB571C08560}" type="datetimeFigureOut">
               <a:rPr lang="zh-CN" altLang="en-US" smtClean="0"/>
-              <a:t>2022/5/7</a:t>
+              <a:t>2022/5/13</a:t>
             </a:fld>
             <a:endParaRPr lang="zh-CN" altLang="en-US"/>
           </a:p>
@@ -3432,6 +3871,111 @@
 </p:sld>
 </file>
 
+<file path=ppt/slides/slide10.xml><?xml version="1.0" encoding="utf-8"?>
+<p:sld xmlns:a="http://schemas.openxmlformats.org/drawingml/2006/main" xmlns:r="http://schemas.openxmlformats.org/officeDocument/2006/relationships" xmlns:p="http://schemas.openxmlformats.org/presentationml/2006/main">
+  <p:cSld>
+    <p:spTree>
+      <p:nvGrpSpPr>
+        <p:cNvPr id="1" name=""/>
+        <p:cNvGrpSpPr/>
+        <p:nvPr/>
+      </p:nvGrpSpPr>
+      <p:grpSpPr>
+        <a:xfrm>
+          <a:off x="0" y="0"/>
+          <a:ext cx="0" cy="0"/>
+          <a:chOff x="0" y="0"/>
+          <a:chExt cx="0" cy="0"/>
+        </a:xfrm>
+      </p:grpSpPr>
+      <p:sp>
+        <p:nvSpPr>
+          <p:cNvPr id="2" name="标题 1">
+            <a:extLst>
+              <a:ext uri="{FF2B5EF4-FFF2-40B4-BE49-F238E27FC236}">
+                <a16:creationId xmlns:a16="http://schemas.microsoft.com/office/drawing/2014/main" id="{5637EFB4-A24A-4AD5-8CA5-28F4880496F8}"/>
+              </a:ext>
+            </a:extLst>
+          </p:cNvPr>
+          <p:cNvSpPr>
+            <a:spLocks noGrp="1"/>
+          </p:cNvSpPr>
+          <p:nvPr>
+            <p:ph type="title"/>
+          </p:nvPr>
+        </p:nvSpPr>
+        <p:spPr/>
+        <p:txBody>
+          <a:bodyPr/>
+          <a:lstStyle/>
+          <a:p>
+            <a:endParaRPr lang="zh-CN" altLang="en-US" dirty="0"/>
+          </a:p>
+        </p:txBody>
+      </p:sp>
+      <p:sp>
+        <p:nvSpPr>
+          <p:cNvPr id="3" name="内容占位符 2">
+            <a:extLst>
+              <a:ext uri="{FF2B5EF4-FFF2-40B4-BE49-F238E27FC236}">
+                <a16:creationId xmlns:a16="http://schemas.microsoft.com/office/drawing/2014/main" id="{D79AF6AD-D55F-434D-A1F6-90BC7DCB2C84}"/>
+              </a:ext>
+            </a:extLst>
+          </p:cNvPr>
+          <p:cNvSpPr>
+            <a:spLocks noGrp="1"/>
+          </p:cNvSpPr>
+          <p:nvPr>
+            <p:ph idx="1"/>
+          </p:nvPr>
+        </p:nvSpPr>
+        <p:spPr>
+          <a:xfrm>
+            <a:off x="838200" y="365125"/>
+            <a:ext cx="10515600" cy="5811838"/>
+          </a:xfrm>
+        </p:spPr>
+        <p:txBody>
+          <a:bodyPr>
+            <a:normAutofit/>
+          </a:bodyPr>
+          <a:lstStyle/>
+          <a:p>
+            <a:pPr marL="0" indent="0" algn="ctr">
+              <a:buNone/>
+            </a:pPr>
+            <a:endParaRPr lang="en-US" altLang="zh-CN" sz="8000" dirty="0"/>
+          </a:p>
+          <a:p>
+            <a:pPr marL="0" indent="0" algn="ctr">
+              <a:buNone/>
+            </a:pPr>
+            <a:endParaRPr lang="en-US" altLang="zh-CN" sz="8000" dirty="0"/>
+          </a:p>
+          <a:p>
+            <a:pPr marL="0" indent="0" algn="ctr">
+              <a:buNone/>
+            </a:pPr>
+            <a:r>
+              <a:rPr lang="zh-CN" altLang="en-US" sz="8000" dirty="0"/>
+              <a:t>谢谢观看</a:t>
+            </a:r>
+          </a:p>
+        </p:txBody>
+      </p:sp>
+    </p:spTree>
+    <p:extLst>
+      <p:ext uri="{BB962C8B-B14F-4D97-AF65-F5344CB8AC3E}">
+        <p14:creationId xmlns:p14="http://schemas.microsoft.com/office/powerpoint/2010/main" val="2941550997"/>
+      </p:ext>
+    </p:extLst>
+  </p:cSld>
+  <p:clrMapOvr>
+    <a:masterClrMapping/>
+  </p:clrMapOvr>
+</p:sld>
+</file>
+
 <file path=ppt/slides/slide2.xml><?xml version="1.0" encoding="utf-8"?>
 <p:sld xmlns:a="http://schemas.openxmlformats.org/drawingml/2006/main" xmlns:r="http://schemas.openxmlformats.org/officeDocument/2006/relationships" xmlns:p="http://schemas.openxmlformats.org/presentationml/2006/main">
   <p:cSld>
@@ -3712,6 +4256,93 @@
 </file>
 
 <file path=ppt/slides/slide3.xml><?xml version="1.0" encoding="utf-8"?>
+<p:sld xmlns:a="http://schemas.openxmlformats.org/drawingml/2006/main" xmlns:r="http://schemas.openxmlformats.org/officeDocument/2006/relationships" xmlns:p="http://schemas.openxmlformats.org/presentationml/2006/main">
+  <p:cSld>
+    <p:spTree>
+      <p:nvGrpSpPr>
+        <p:cNvPr id="1" name=""/>
+        <p:cNvGrpSpPr/>
+        <p:nvPr/>
+      </p:nvGrpSpPr>
+      <p:grpSpPr>
+        <a:xfrm>
+          <a:off x="0" y="0"/>
+          <a:ext cx="0" cy="0"/>
+          <a:chOff x="0" y="0"/>
+          <a:chExt cx="0" cy="0"/>
+        </a:xfrm>
+      </p:grpSpPr>
+      <p:sp>
+        <p:nvSpPr>
+          <p:cNvPr id="2" name="标题 1">
+            <a:extLst>
+              <a:ext uri="{FF2B5EF4-FFF2-40B4-BE49-F238E27FC236}">
+                <a16:creationId xmlns:a16="http://schemas.microsoft.com/office/drawing/2014/main" id="{8294B8E4-2CE9-40C3-B63F-81D730E40141}"/>
+              </a:ext>
+            </a:extLst>
+          </p:cNvPr>
+          <p:cNvSpPr>
+            <a:spLocks noGrp="1"/>
+          </p:cNvSpPr>
+          <p:nvPr>
+            <p:ph type="title"/>
+          </p:nvPr>
+        </p:nvSpPr>
+        <p:spPr/>
+        <p:txBody>
+          <a:bodyPr/>
+          <a:lstStyle/>
+          <a:p>
+            <a:endParaRPr lang="zh-CN" altLang="en-US"/>
+          </a:p>
+        </p:txBody>
+      </p:sp>
+      <p:pic>
+        <p:nvPicPr>
+          <p:cNvPr id="4" name="内容占位符 3">
+            <a:extLst>
+              <a:ext uri="{FF2B5EF4-FFF2-40B4-BE49-F238E27FC236}">
+                <a16:creationId xmlns:a16="http://schemas.microsoft.com/office/drawing/2014/main" id="{867F8B2D-BCF3-4D95-9BDE-856D627933BD}"/>
+              </a:ext>
+            </a:extLst>
+          </p:cNvPr>
+          <p:cNvPicPr>
+            <a:picLocks noGrp="1" noChangeAspect="1"/>
+          </p:cNvPicPr>
+          <p:nvPr>
+            <p:ph idx="1"/>
+          </p:nvPr>
+        </p:nvPicPr>
+        <p:blipFill>
+          <a:blip r:embed="rId2"/>
+          <a:stretch>
+            <a:fillRect/>
+          </a:stretch>
+        </p:blipFill>
+        <p:spPr>
+          <a:xfrm>
+            <a:off x="2823100" y="1452633"/>
+            <a:ext cx="6066818" cy="4724330"/>
+          </a:xfrm>
+          <a:prstGeom prst="rect">
+            <a:avLst/>
+          </a:prstGeom>
+        </p:spPr>
+      </p:pic>
+    </p:spTree>
+    <p:extLst>
+      <p:ext uri="{BB962C8B-B14F-4D97-AF65-F5344CB8AC3E}">
+        <p14:creationId xmlns:p14="http://schemas.microsoft.com/office/powerpoint/2010/main" val="2100574268"/>
+      </p:ext>
+    </p:extLst>
+  </p:cSld>
+  <p:clrMapOvr>
+    <a:masterClrMapping/>
+  </p:clrMapOvr>
+</p:sld>
+</file>
+
+<file path=ppt/slides/slide4.xml><?xml version="1.0" encoding="utf-8"?>
 <p:sld xmlns:a="http://schemas.openxmlformats.org/drawingml/2006/main" xmlns:r="http://schemas.openxmlformats.org/officeDocument/2006/relationships" xmlns:p="http://schemas.openxmlformats.org/presentationml/2006/main">
   <p:cSld>
     <p:spTree>
@@ -3905,7 +4536,7 @@
 </p:sld>
 </file>
 
-<file path=ppt/slides/slide4.xml><?xml version="1.0" encoding="utf-8"?>
+<file path=ppt/slides/slide5.xml><?xml version="1.0" encoding="utf-8"?>
 <p:sld xmlns:a="http://schemas.openxmlformats.org/drawingml/2006/main" xmlns:r="http://schemas.openxmlformats.org/officeDocument/2006/relationships" xmlns:p="http://schemas.openxmlformats.org/presentationml/2006/main">
   <p:cSld>
     <p:spTree>
@@ -4083,7 +4714,7 @@
 </p:sld>
 </file>
 
-<file path=ppt/slides/slide5.xml><?xml version="1.0" encoding="utf-8"?>
+<file path=ppt/slides/slide6.xml><?xml version="1.0" encoding="utf-8"?>
 <p:sld xmlns:a="http://schemas.openxmlformats.org/drawingml/2006/main" xmlns:r="http://schemas.openxmlformats.org/officeDocument/2006/relationships" xmlns:p="http://schemas.openxmlformats.org/presentationml/2006/main">
   <p:cSld>
     <p:spTree>
@@ -4272,497 +4903,6 @@
 </p:sld>
 </file>
 
-<file path=ppt/slides/slide6.xml><?xml version="1.0" encoding="utf-8"?>
-<p:sld xmlns:a="http://schemas.openxmlformats.org/drawingml/2006/main" xmlns:r="http://schemas.openxmlformats.org/officeDocument/2006/relationships" xmlns:p="http://schemas.openxmlformats.org/presentationml/2006/main">
-  <p:cSld>
-    <p:spTree>
-      <p:nvGrpSpPr>
-        <p:cNvPr id="1" name=""/>
-        <p:cNvGrpSpPr/>
-        <p:nvPr/>
-      </p:nvGrpSpPr>
-      <p:grpSpPr>
-        <a:xfrm>
-          <a:off x="0" y="0"/>
-          <a:ext cx="0" cy="0"/>
-          <a:chOff x="0" y="0"/>
-          <a:chExt cx="0" cy="0"/>
-        </a:xfrm>
-      </p:grpSpPr>
-      <p:sp>
-        <p:nvSpPr>
-          <p:cNvPr id="2" name="标题 1">
-            <a:extLst>
-              <a:ext uri="{FF2B5EF4-FFF2-40B4-BE49-F238E27FC236}">
-                <a16:creationId xmlns:a16="http://schemas.microsoft.com/office/drawing/2014/main" id="{07AB8665-A181-E2EF-604D-B386AE238EC4}"/>
-              </a:ext>
-            </a:extLst>
-          </p:cNvPr>
-          <p:cNvSpPr>
-            <a:spLocks noGrp="1"/>
-          </p:cNvSpPr>
-          <p:nvPr>
-            <p:ph type="title"/>
-          </p:nvPr>
-        </p:nvSpPr>
-        <p:spPr>
-          <a:xfrm>
-            <a:off x="838200" y="365125"/>
-            <a:ext cx="10515600" cy="756665"/>
-          </a:xfrm>
-        </p:spPr>
-        <p:txBody>
-          <a:bodyPr>
-            <a:normAutofit/>
-          </a:bodyPr>
-          <a:lstStyle/>
-          <a:p>
-            <a:r>
-              <a:rPr lang="zh-CN" altLang="en-US" sz="2000" b="1" dirty="0"/>
-              <a:t>伪代码</a:t>
-            </a:r>
-          </a:p>
-        </p:txBody>
-      </p:sp>
-      <p:sp>
-        <p:nvSpPr>
-          <p:cNvPr id="5" name="内容占位符 4">
-            <a:extLst>
-              <a:ext uri="{FF2B5EF4-FFF2-40B4-BE49-F238E27FC236}">
-                <a16:creationId xmlns:a16="http://schemas.microsoft.com/office/drawing/2014/main" id="{BB3FFAED-CB83-5065-4401-F37EC37CDAF7}"/>
-              </a:ext>
-            </a:extLst>
-          </p:cNvPr>
-          <p:cNvSpPr>
-            <a:spLocks noGrp="1"/>
-          </p:cNvSpPr>
-          <p:nvPr>
-            <p:ph idx="1"/>
-          </p:nvPr>
-        </p:nvSpPr>
-        <p:spPr>
-          <a:xfrm>
-            <a:off x="838200" y="1206631"/>
-            <a:ext cx="10515600" cy="4970332"/>
-          </a:xfrm>
-        </p:spPr>
-        <p:txBody>
-          <a:bodyPr>
-            <a:normAutofit fontScale="85000" lnSpcReduction="20000"/>
-          </a:bodyPr>
-          <a:lstStyle/>
-          <a:p>
-            <a:r>
-              <a:rPr lang="en-US" altLang="zh-CN" sz="1800" dirty="0" err="1"/>
-              <a:t>dp</a:t>
-            </a:r>
-            <a:r>
-              <a:rPr lang="en-US" altLang="zh-CN" sz="1800" dirty="0"/>
-              <a:t>(coins[],</a:t>
-            </a:r>
-            <a:r>
-              <a:rPr lang="en-US" altLang="zh-CN" sz="1800" dirty="0" err="1"/>
-              <a:t>arr</a:t>
-            </a:r>
-            <a:r>
-              <a:rPr lang="en-US" altLang="zh-CN" sz="1800" dirty="0"/>
-              <a:t>[][],all[][]):</a:t>
-            </a:r>
-          </a:p>
-          <a:p>
-            <a:r>
-              <a:rPr lang="en-US" altLang="zh-CN" sz="1800" dirty="0"/>
-              <a:t>    if(length % 2 == 0):</a:t>
-            </a:r>
-          </a:p>
-          <a:p>
-            <a:r>
-              <a:rPr lang="en-US" altLang="zh-CN" sz="1800" dirty="0"/>
-              <a:t>        for each I : </a:t>
-            </a:r>
-            <a:r>
-              <a:rPr lang="en-US" altLang="zh-CN" sz="1800" dirty="0" err="1"/>
-              <a:t>arr</a:t>
-            </a:r>
-            <a:r>
-              <a:rPr lang="en-US" altLang="zh-CN" sz="1800" dirty="0"/>
-              <a:t>[</a:t>
-            </a:r>
-            <a:r>
-              <a:rPr lang="en-US" altLang="zh-CN" sz="1800" dirty="0" err="1"/>
-              <a:t>i</a:t>
-            </a:r>
-            <a:r>
-              <a:rPr lang="en-US" altLang="zh-CN" sz="1800" dirty="0"/>
-              <a:t>][</a:t>
-            </a:r>
-            <a:r>
-              <a:rPr lang="en-US" altLang="zh-CN" sz="1800" dirty="0" err="1"/>
-              <a:t>i</a:t>
-            </a:r>
-            <a:r>
-              <a:rPr lang="en-US" altLang="zh-CN" sz="1800" dirty="0"/>
-              <a:t>] = coins[</a:t>
-            </a:r>
-            <a:r>
-              <a:rPr lang="en-US" altLang="zh-CN" sz="1800" dirty="0" err="1"/>
-              <a:t>i</a:t>
-            </a:r>
-            <a:r>
-              <a:rPr lang="en-US" altLang="zh-CN" sz="1800" dirty="0"/>
-              <a:t>];//</a:t>
-            </a:r>
-            <a:r>
-              <a:rPr lang="zh-CN" altLang="en-US" sz="1800" dirty="0"/>
-              <a:t>预处理</a:t>
-            </a:r>
-            <a:endParaRPr lang="en-US" altLang="zh-CN" sz="1800" dirty="0"/>
-          </a:p>
-          <a:p>
-            <a:r>
-              <a:rPr lang="en-US" altLang="zh-CN" sz="1800" dirty="0"/>
-              <a:t>    int step = 1;//</a:t>
-            </a:r>
-            <a:r>
-              <a:rPr lang="zh-CN" altLang="en-US" sz="1800" dirty="0"/>
-              <a:t>罐子间隔</a:t>
-            </a:r>
-            <a:endParaRPr lang="en-US" altLang="zh-CN" sz="1800" dirty="0"/>
-          </a:p>
-          <a:p>
-            <a:r>
-              <a:rPr lang="en-US" altLang="zh-CN" sz="1800" dirty="0"/>
-              <a:t>    while(step&lt;length):</a:t>
-            </a:r>
-          </a:p>
-          <a:p>
-            <a:r>
-              <a:rPr lang="en-US" altLang="zh-CN" sz="1800" dirty="0"/>
-              <a:t>        for I = 0 to </a:t>
-            </a:r>
-            <a:r>
-              <a:rPr lang="en-US" altLang="zh-CN" sz="1800" dirty="0" err="1"/>
-              <a:t>i+step</a:t>
-            </a:r>
-            <a:r>
-              <a:rPr lang="en-US" altLang="zh-CN" sz="1800" dirty="0"/>
-              <a:t>&lt;length:</a:t>
-            </a:r>
-          </a:p>
-          <a:p>
-            <a:r>
-              <a:rPr lang="en-US" altLang="zh-CN" sz="1800" dirty="0"/>
-              <a:t>            j = </a:t>
-            </a:r>
-            <a:r>
-              <a:rPr lang="en-US" altLang="zh-CN" sz="1800" dirty="0" err="1"/>
-              <a:t>i+step</a:t>
-            </a:r>
-            <a:r>
-              <a:rPr lang="en-US" altLang="zh-CN" sz="1800" dirty="0"/>
-              <a:t>;</a:t>
-            </a:r>
-          </a:p>
-          <a:p>
-            <a:r>
-              <a:rPr lang="en-US" altLang="zh-CN" sz="1800" dirty="0"/>
-              <a:t>            if((length – step) % 2 == 0): //</a:t>
-            </a:r>
-            <a:r>
-              <a:rPr lang="zh-CN" altLang="en-US" sz="1800" dirty="0"/>
-              <a:t>判别谁在走</a:t>
-            </a:r>
-            <a:endParaRPr lang="en-US" altLang="zh-CN" sz="1800" dirty="0"/>
-          </a:p>
-          <a:p>
-            <a:r>
-              <a:rPr lang="en-US" altLang="zh-CN" sz="1800" dirty="0"/>
-              <a:t>                if(mud[</a:t>
-            </a:r>
-            <a:r>
-              <a:rPr lang="en-US" altLang="zh-CN" sz="1800" dirty="0" err="1"/>
-              <a:t>i</a:t>
-            </a:r>
-            <a:r>
-              <a:rPr lang="en-US" altLang="zh-CN" sz="1800" dirty="0"/>
-              <a:t>] + </a:t>
-            </a:r>
-            <a:r>
-              <a:rPr lang="en-US" altLang="zh-CN" sz="1800" dirty="0" err="1"/>
-              <a:t>arr</a:t>
-            </a:r>
-            <a:r>
-              <a:rPr lang="en-US" altLang="zh-CN" sz="1800" dirty="0"/>
-              <a:t>[i+1][j] &gt; mud[j] + </a:t>
-            </a:r>
-            <a:r>
-              <a:rPr lang="en-US" altLang="zh-CN" sz="1800" dirty="0" err="1"/>
-              <a:t>arr</a:t>
-            </a:r>
-            <a:r>
-              <a:rPr lang="en-US" altLang="zh-CN" sz="1800" dirty="0"/>
-              <a:t>[</a:t>
-            </a:r>
-            <a:r>
-              <a:rPr lang="en-US" altLang="zh-CN" sz="1800" dirty="0" err="1"/>
-              <a:t>i</a:t>
-            </a:r>
-            <a:r>
-              <a:rPr lang="en-US" altLang="zh-CN" sz="1800" dirty="0"/>
-              <a:t>][j-1])//A</a:t>
-            </a:r>
-            <a:br>
-              <a:rPr lang="en-US" altLang="zh-CN" sz="1800" dirty="0"/>
-            </a:br>
-            <a:r>
-              <a:rPr lang="en-US" altLang="zh-CN" sz="1800" dirty="0"/>
-              <a:t>                    </a:t>
-            </a:r>
-            <a:r>
-              <a:rPr lang="en-US" altLang="zh-CN" sz="1800" dirty="0" err="1"/>
-              <a:t>arr</a:t>
-            </a:r>
-            <a:r>
-              <a:rPr lang="en-US" altLang="zh-CN" sz="1800" dirty="0"/>
-              <a:t>[</a:t>
-            </a:r>
-            <a:r>
-              <a:rPr lang="en-US" altLang="zh-CN" sz="1800" dirty="0" err="1"/>
-              <a:t>i</a:t>
-            </a:r>
-            <a:r>
-              <a:rPr lang="en-US" altLang="zh-CN" sz="1800" dirty="0"/>
-              <a:t>][j] = mud[</a:t>
-            </a:r>
-            <a:r>
-              <a:rPr lang="en-US" altLang="zh-CN" sz="1800" dirty="0" err="1"/>
-              <a:t>i</a:t>
-            </a:r>
-            <a:r>
-              <a:rPr lang="en-US" altLang="zh-CN" sz="1800" dirty="0"/>
-              <a:t>] + </a:t>
-            </a:r>
-            <a:r>
-              <a:rPr lang="en-US" altLang="zh-CN" sz="1800" dirty="0" err="1"/>
-              <a:t>arr</a:t>
-            </a:r>
-            <a:r>
-              <a:rPr lang="en-US" altLang="zh-CN" sz="1800" dirty="0"/>
-              <a:t>[i+1][j];</a:t>
-            </a:r>
-          </a:p>
-          <a:p>
-            <a:r>
-              <a:rPr lang="en-US" altLang="zh-CN" sz="1800" dirty="0"/>
-              <a:t>                else:</a:t>
-            </a:r>
-          </a:p>
-          <a:p>
-            <a:r>
-              <a:rPr lang="en-US" altLang="zh-CN" sz="1800" dirty="0"/>
-              <a:t>                    </a:t>
-            </a:r>
-            <a:r>
-              <a:rPr lang="en-US" altLang="zh-CN" sz="1800" dirty="0" err="1"/>
-              <a:t>arr</a:t>
-            </a:r>
-            <a:r>
-              <a:rPr lang="en-US" altLang="zh-CN" sz="1800" dirty="0"/>
-              <a:t>[</a:t>
-            </a:r>
-            <a:r>
-              <a:rPr lang="en-US" altLang="zh-CN" sz="1800" dirty="0" err="1"/>
-              <a:t>i</a:t>
-            </a:r>
-            <a:r>
-              <a:rPr lang="en-US" altLang="zh-CN" sz="1800" dirty="0"/>
-              <a:t>][j] = mud[j] + </a:t>
-            </a:r>
-            <a:r>
-              <a:rPr lang="en-US" altLang="zh-CN" sz="1800" dirty="0" err="1"/>
-              <a:t>arr</a:t>
-            </a:r>
-            <a:r>
-              <a:rPr lang="en-US" altLang="zh-CN" sz="1800" dirty="0"/>
-              <a:t>[</a:t>
-            </a:r>
-            <a:r>
-              <a:rPr lang="en-US" altLang="zh-CN" sz="1800" dirty="0" err="1"/>
-              <a:t>i</a:t>
-            </a:r>
-            <a:r>
-              <a:rPr lang="en-US" altLang="zh-CN" sz="1800" dirty="0"/>
-              <a:t>][j-1];</a:t>
-            </a:r>
-          </a:p>
-          <a:p>
-            <a:r>
-              <a:rPr lang="en-US" altLang="zh-CN" sz="1800" dirty="0"/>
-              <a:t>            else:</a:t>
-            </a:r>
-          </a:p>
-          <a:p>
-            <a:r>
-              <a:rPr lang="en-US" altLang="zh-CN" sz="1800" dirty="0"/>
-              <a:t>                if(mud[</a:t>
-            </a:r>
-            <a:r>
-              <a:rPr lang="en-US" altLang="zh-CN" sz="1800" dirty="0" err="1"/>
-              <a:t>i</a:t>
-            </a:r>
-            <a:r>
-              <a:rPr lang="en-US" altLang="zh-CN" sz="1800" dirty="0"/>
-              <a:t>] + </a:t>
-            </a:r>
-            <a:r>
-              <a:rPr lang="en-US" altLang="zh-CN" sz="1800" dirty="0" err="1"/>
-              <a:t>cjj</a:t>
-            </a:r>
-            <a:r>
-              <a:rPr lang="en-US" altLang="zh-CN" sz="1800" dirty="0"/>
-              <a:t>[i+1][j] -  </a:t>
-            </a:r>
-            <a:r>
-              <a:rPr lang="en-US" altLang="zh-CN" sz="1800" dirty="0" err="1"/>
-              <a:t>arr</a:t>
-            </a:r>
-            <a:r>
-              <a:rPr lang="en-US" altLang="zh-CN" sz="1800" dirty="0"/>
-              <a:t>[i+1][j] &gt; mud[j] + </a:t>
-            </a:r>
-            <a:r>
-              <a:rPr lang="en-US" altLang="zh-CN" sz="1800" dirty="0" err="1"/>
-              <a:t>cjj</a:t>
-            </a:r>
-            <a:r>
-              <a:rPr lang="en-US" altLang="zh-CN" sz="1800" dirty="0"/>
-              <a:t>[</a:t>
-            </a:r>
-            <a:r>
-              <a:rPr lang="en-US" altLang="zh-CN" sz="1800" dirty="0" err="1"/>
-              <a:t>i</a:t>
-            </a:r>
-            <a:r>
-              <a:rPr lang="en-US" altLang="zh-CN" sz="1800" dirty="0"/>
-              <a:t>][j-1] - </a:t>
-            </a:r>
-            <a:r>
-              <a:rPr lang="en-US" altLang="zh-CN" sz="1800" dirty="0" err="1"/>
-              <a:t>arr</a:t>
-            </a:r>
-            <a:r>
-              <a:rPr lang="en-US" altLang="zh-CN" sz="1800" dirty="0"/>
-              <a:t>[</a:t>
-            </a:r>
-            <a:r>
-              <a:rPr lang="en-US" altLang="zh-CN" sz="1800" dirty="0" err="1"/>
-              <a:t>i</a:t>
-            </a:r>
-            <a:r>
-              <a:rPr lang="en-US" altLang="zh-CN" sz="1800" dirty="0"/>
-              <a:t>][j-1])://B</a:t>
-            </a:r>
-          </a:p>
-          <a:p>
-            <a:r>
-              <a:rPr lang="en-US" altLang="zh-CN" sz="1800" dirty="0"/>
-              <a:t>                    </a:t>
-            </a:r>
-            <a:r>
-              <a:rPr lang="en-US" altLang="zh-CN" sz="1800" dirty="0" err="1"/>
-              <a:t>arr</a:t>
-            </a:r>
-            <a:r>
-              <a:rPr lang="en-US" altLang="zh-CN" sz="1800" dirty="0"/>
-              <a:t>[</a:t>
-            </a:r>
-            <a:r>
-              <a:rPr lang="en-US" altLang="zh-CN" sz="1800" dirty="0" err="1"/>
-              <a:t>i</a:t>
-            </a:r>
-            <a:r>
-              <a:rPr lang="en-US" altLang="zh-CN" sz="1800" dirty="0"/>
-              <a:t>][j] = mud[</a:t>
-            </a:r>
-            <a:r>
-              <a:rPr lang="en-US" altLang="zh-CN" sz="1800" dirty="0" err="1"/>
-              <a:t>i</a:t>
-            </a:r>
-            <a:r>
-              <a:rPr lang="en-US" altLang="zh-CN" sz="1800" dirty="0"/>
-              <a:t>] + </a:t>
-            </a:r>
-            <a:r>
-              <a:rPr lang="en-US" altLang="zh-CN" sz="1800" dirty="0" err="1"/>
-              <a:t>arr</a:t>
-            </a:r>
-            <a:r>
-              <a:rPr lang="en-US" altLang="zh-CN" sz="1800" dirty="0"/>
-              <a:t>[i+1][j];</a:t>
-            </a:r>
-          </a:p>
-          <a:p>
-            <a:r>
-              <a:rPr lang="en-US" altLang="zh-CN" sz="1800" dirty="0"/>
-              <a:t>                else:</a:t>
-            </a:r>
-          </a:p>
-          <a:p>
-            <a:r>
-              <a:rPr lang="en-US" altLang="zh-CN" sz="1800" dirty="0"/>
-              <a:t>                    </a:t>
-            </a:r>
-            <a:r>
-              <a:rPr lang="en-US" altLang="zh-CN" sz="1800" dirty="0" err="1"/>
-              <a:t>arr</a:t>
-            </a:r>
-            <a:r>
-              <a:rPr lang="en-US" altLang="zh-CN" sz="1800" dirty="0"/>
-              <a:t>[</a:t>
-            </a:r>
-            <a:r>
-              <a:rPr lang="en-US" altLang="zh-CN" sz="1800" dirty="0" err="1"/>
-              <a:t>i</a:t>
-            </a:r>
-            <a:r>
-              <a:rPr lang="en-US" altLang="zh-CN" sz="1800" dirty="0"/>
-              <a:t>][j] = mud[j] + </a:t>
-            </a:r>
-            <a:r>
-              <a:rPr lang="en-US" altLang="zh-CN" sz="1800" dirty="0" err="1"/>
-              <a:t>arr</a:t>
-            </a:r>
-            <a:r>
-              <a:rPr lang="en-US" altLang="zh-CN" sz="1800" dirty="0"/>
-              <a:t>[</a:t>
-            </a:r>
-            <a:r>
-              <a:rPr lang="en-US" altLang="zh-CN" sz="1800" dirty="0" err="1"/>
-              <a:t>i</a:t>
-            </a:r>
-            <a:r>
-              <a:rPr lang="en-US" altLang="zh-CN" sz="1800" dirty="0"/>
-              <a:t>][j-1];</a:t>
-            </a:r>
-          </a:p>
-          <a:p>
-            <a:endParaRPr lang="en-US" altLang="zh-CN" sz="1800" dirty="0"/>
-          </a:p>
-        </p:txBody>
-      </p:sp>
-    </p:spTree>
-    <p:extLst>
-      <p:ext uri="{BB962C8B-B14F-4D97-AF65-F5344CB8AC3E}">
-        <p14:creationId xmlns:p14="http://schemas.microsoft.com/office/powerpoint/2010/main" val="1605633850"/>
-      </p:ext>
-    </p:extLst>
-  </p:cSld>
-  <p:clrMapOvr>
-    <a:masterClrMapping/>
-  </p:clrMapOvr>
-</p:sld>
-</file>
-
 <file path=ppt/slides/slide7.xml><?xml version="1.0" encoding="utf-8"?>
 <p:sld xmlns:a="http://schemas.openxmlformats.org/drawingml/2006/main" xmlns:r="http://schemas.openxmlformats.org/officeDocument/2006/relationships" xmlns:p="http://schemas.openxmlformats.org/presentationml/2006/main">
   <p:cSld>
@@ -4785,6 +4925,514 @@
           <p:cNvPr id="2" name="标题 1">
             <a:extLst>
               <a:ext uri="{FF2B5EF4-FFF2-40B4-BE49-F238E27FC236}">
+                <a16:creationId xmlns:a16="http://schemas.microsoft.com/office/drawing/2014/main" id="{07AB8665-A181-E2EF-604D-B386AE238EC4}"/>
+              </a:ext>
+            </a:extLst>
+          </p:cNvPr>
+          <p:cNvSpPr>
+            <a:spLocks noGrp="1"/>
+          </p:cNvSpPr>
+          <p:nvPr>
+            <p:ph type="title"/>
+          </p:nvPr>
+        </p:nvSpPr>
+        <p:spPr>
+          <a:xfrm>
+            <a:off x="838200" y="365125"/>
+            <a:ext cx="10515600" cy="756665"/>
+          </a:xfrm>
+        </p:spPr>
+        <p:txBody>
+          <a:bodyPr>
+            <a:normAutofit/>
+          </a:bodyPr>
+          <a:lstStyle/>
+          <a:p>
+            <a:r>
+              <a:rPr lang="zh-CN" altLang="en-US" sz="2000" b="1" dirty="0"/>
+              <a:t>伪代码</a:t>
+            </a:r>
+          </a:p>
+        </p:txBody>
+      </p:sp>
+      <p:sp>
+        <p:nvSpPr>
+          <p:cNvPr id="5" name="内容占位符 4">
+            <a:extLst>
+              <a:ext uri="{FF2B5EF4-FFF2-40B4-BE49-F238E27FC236}">
+                <a16:creationId xmlns:a16="http://schemas.microsoft.com/office/drawing/2014/main" id="{BB3FFAED-CB83-5065-4401-F37EC37CDAF7}"/>
+              </a:ext>
+            </a:extLst>
+          </p:cNvPr>
+          <p:cNvSpPr>
+            <a:spLocks noGrp="1"/>
+          </p:cNvSpPr>
+          <p:nvPr>
+            <p:ph idx="1"/>
+          </p:nvPr>
+        </p:nvSpPr>
+        <p:spPr>
+          <a:xfrm>
+            <a:off x="838200" y="1206631"/>
+            <a:ext cx="10515600" cy="4970332"/>
+          </a:xfrm>
+        </p:spPr>
+        <p:txBody>
+          <a:bodyPr>
+            <a:normAutofit fontScale="70000" lnSpcReduction="20000"/>
+          </a:bodyPr>
+          <a:lstStyle/>
+          <a:p>
+            <a:r>
+              <a:rPr lang="en-US" altLang="zh-CN" sz="1800" dirty="0"/>
+              <a:t>Return </a:t>
+            </a:r>
+            <a:r>
+              <a:rPr lang="en-US" altLang="zh-CN" sz="1800" dirty="0" err="1"/>
+              <a:t>arr</a:t>
+            </a:r>
+            <a:r>
+              <a:rPr lang="en-US" altLang="zh-CN" sz="1800" dirty="0"/>
+              <a:t>[0][arr.length-1];</a:t>
+            </a:r>
+          </a:p>
+          <a:p>
+            <a:endParaRPr lang="en-US" altLang="zh-CN" sz="1800" dirty="0"/>
+          </a:p>
+          <a:p>
+            <a:r>
+              <a:rPr lang="en-US" altLang="zh-CN" sz="1800" dirty="0" err="1"/>
+              <a:t>dp</a:t>
+            </a:r>
+            <a:r>
+              <a:rPr lang="en-US" altLang="zh-CN" sz="1800" dirty="0"/>
+              <a:t>(coins[],</a:t>
+            </a:r>
+            <a:r>
+              <a:rPr lang="en-US" altLang="zh-CN" sz="1800" dirty="0" err="1"/>
+              <a:t>arr</a:t>
+            </a:r>
+            <a:r>
+              <a:rPr lang="en-US" altLang="zh-CN" sz="1800" dirty="0"/>
+              <a:t>[][],all[][]):</a:t>
+            </a:r>
+          </a:p>
+          <a:p>
+            <a:r>
+              <a:rPr lang="en-US" altLang="zh-CN" sz="1800" dirty="0"/>
+              <a:t>    if(length % 2 == 0):</a:t>
+            </a:r>
+          </a:p>
+          <a:p>
+            <a:r>
+              <a:rPr lang="en-US" altLang="zh-CN" sz="1800" dirty="0"/>
+              <a:t>        for each I : </a:t>
+            </a:r>
+            <a:r>
+              <a:rPr lang="en-US" altLang="zh-CN" sz="1800" dirty="0" err="1"/>
+              <a:t>arr</a:t>
+            </a:r>
+            <a:r>
+              <a:rPr lang="en-US" altLang="zh-CN" sz="1800" dirty="0"/>
+              <a:t>[</a:t>
+            </a:r>
+            <a:r>
+              <a:rPr lang="en-US" altLang="zh-CN" sz="1800" dirty="0" err="1"/>
+              <a:t>i</a:t>
+            </a:r>
+            <a:r>
+              <a:rPr lang="en-US" altLang="zh-CN" sz="1800" dirty="0"/>
+              <a:t>][</a:t>
+            </a:r>
+            <a:r>
+              <a:rPr lang="en-US" altLang="zh-CN" sz="1800" dirty="0" err="1"/>
+              <a:t>i</a:t>
+            </a:r>
+            <a:r>
+              <a:rPr lang="en-US" altLang="zh-CN" sz="1800" dirty="0"/>
+              <a:t>] = coins[</a:t>
+            </a:r>
+            <a:r>
+              <a:rPr lang="en-US" altLang="zh-CN" sz="1800" dirty="0" err="1"/>
+              <a:t>i</a:t>
+            </a:r>
+            <a:r>
+              <a:rPr lang="en-US" altLang="zh-CN" sz="1800" dirty="0"/>
+              <a:t>];//</a:t>
+            </a:r>
+            <a:r>
+              <a:rPr lang="zh-CN" altLang="en-US" sz="1800" dirty="0"/>
+              <a:t>预处理</a:t>
+            </a:r>
+            <a:endParaRPr lang="en-US" altLang="zh-CN" sz="1800" dirty="0"/>
+          </a:p>
+          <a:p>
+            <a:r>
+              <a:rPr lang="en-US" altLang="zh-CN" sz="1800" dirty="0"/>
+              <a:t>    int step = 1;//</a:t>
+            </a:r>
+            <a:r>
+              <a:rPr lang="zh-CN" altLang="en-US" sz="1800" dirty="0"/>
+              <a:t>罐子间隔</a:t>
+            </a:r>
+            <a:endParaRPr lang="en-US" altLang="zh-CN" sz="1800" dirty="0"/>
+          </a:p>
+          <a:p>
+            <a:r>
+              <a:rPr lang="en-US" altLang="zh-CN" sz="1800" dirty="0"/>
+              <a:t>    while(step&lt;length):</a:t>
+            </a:r>
+          </a:p>
+          <a:p>
+            <a:r>
+              <a:rPr lang="en-US" altLang="zh-CN" sz="1800" dirty="0"/>
+              <a:t>        for I = 0 to </a:t>
+            </a:r>
+            <a:r>
+              <a:rPr lang="en-US" altLang="zh-CN" sz="1800" dirty="0" err="1"/>
+              <a:t>i+step</a:t>
+            </a:r>
+            <a:r>
+              <a:rPr lang="en-US" altLang="zh-CN" sz="1800" dirty="0"/>
+              <a:t>&lt;length:</a:t>
+            </a:r>
+          </a:p>
+          <a:p>
+            <a:r>
+              <a:rPr lang="en-US" altLang="zh-CN" sz="1800" dirty="0"/>
+              <a:t>            j = </a:t>
+            </a:r>
+            <a:r>
+              <a:rPr lang="en-US" altLang="zh-CN" sz="1800" dirty="0" err="1"/>
+              <a:t>i+step</a:t>
+            </a:r>
+            <a:r>
+              <a:rPr lang="en-US" altLang="zh-CN" sz="1800" dirty="0"/>
+              <a:t>;</a:t>
+            </a:r>
+          </a:p>
+          <a:p>
+            <a:r>
+              <a:rPr lang="en-US" altLang="zh-CN" sz="1800" dirty="0"/>
+              <a:t>            if((length – step) % 2 == 0): //</a:t>
+            </a:r>
+            <a:r>
+              <a:rPr lang="zh-CN" altLang="en-US" sz="1800" dirty="0"/>
+              <a:t>判别谁在走</a:t>
+            </a:r>
+            <a:endParaRPr lang="en-US" altLang="zh-CN" sz="1800" dirty="0"/>
+          </a:p>
+          <a:p>
+            <a:r>
+              <a:rPr lang="en-US" altLang="zh-CN" sz="1800" dirty="0"/>
+              <a:t>                if(mud[</a:t>
+            </a:r>
+            <a:r>
+              <a:rPr lang="en-US" altLang="zh-CN" sz="1800" dirty="0" err="1"/>
+              <a:t>i</a:t>
+            </a:r>
+            <a:r>
+              <a:rPr lang="en-US" altLang="zh-CN" sz="1800" dirty="0"/>
+              <a:t>] + </a:t>
+            </a:r>
+            <a:r>
+              <a:rPr lang="en-US" altLang="zh-CN" sz="1800" dirty="0" err="1"/>
+              <a:t>arr</a:t>
+            </a:r>
+            <a:r>
+              <a:rPr lang="en-US" altLang="zh-CN" sz="1800" dirty="0"/>
+              <a:t>[i+1][j] &gt; mud[j] + </a:t>
+            </a:r>
+            <a:r>
+              <a:rPr lang="en-US" altLang="zh-CN" sz="1800" dirty="0" err="1"/>
+              <a:t>arr</a:t>
+            </a:r>
+            <a:r>
+              <a:rPr lang="en-US" altLang="zh-CN" sz="1800" dirty="0"/>
+              <a:t>[</a:t>
+            </a:r>
+            <a:r>
+              <a:rPr lang="en-US" altLang="zh-CN" sz="1800" dirty="0" err="1"/>
+              <a:t>i</a:t>
+            </a:r>
+            <a:r>
+              <a:rPr lang="en-US" altLang="zh-CN" sz="1800" dirty="0"/>
+              <a:t>][j-1])//A</a:t>
+            </a:r>
+            <a:br>
+              <a:rPr lang="en-US" altLang="zh-CN" sz="1800" dirty="0"/>
+            </a:br>
+            <a:r>
+              <a:rPr lang="en-US" altLang="zh-CN" sz="1800" dirty="0"/>
+              <a:t>                    </a:t>
+            </a:r>
+            <a:r>
+              <a:rPr lang="en-US" altLang="zh-CN" sz="1800" dirty="0" err="1"/>
+              <a:t>arr</a:t>
+            </a:r>
+            <a:r>
+              <a:rPr lang="en-US" altLang="zh-CN" sz="1800" dirty="0"/>
+              <a:t>[</a:t>
+            </a:r>
+            <a:r>
+              <a:rPr lang="en-US" altLang="zh-CN" sz="1800" dirty="0" err="1"/>
+              <a:t>i</a:t>
+            </a:r>
+            <a:r>
+              <a:rPr lang="en-US" altLang="zh-CN" sz="1800" dirty="0"/>
+              <a:t>][j] = mud[</a:t>
+            </a:r>
+            <a:r>
+              <a:rPr lang="en-US" altLang="zh-CN" sz="1800" dirty="0" err="1"/>
+              <a:t>i</a:t>
+            </a:r>
+            <a:r>
+              <a:rPr lang="en-US" altLang="zh-CN" sz="1800" dirty="0"/>
+              <a:t>] + </a:t>
+            </a:r>
+            <a:r>
+              <a:rPr lang="en-US" altLang="zh-CN" sz="1800" dirty="0" err="1"/>
+              <a:t>arr</a:t>
+            </a:r>
+            <a:r>
+              <a:rPr lang="en-US" altLang="zh-CN" sz="1800" dirty="0"/>
+              <a:t>[i+1][j];</a:t>
+            </a:r>
+          </a:p>
+          <a:p>
+            <a:r>
+              <a:rPr lang="en-US" altLang="zh-CN" sz="1800" dirty="0"/>
+              <a:t>                else:</a:t>
+            </a:r>
+          </a:p>
+          <a:p>
+            <a:r>
+              <a:rPr lang="en-US" altLang="zh-CN" sz="1800" dirty="0"/>
+              <a:t>                    </a:t>
+            </a:r>
+            <a:r>
+              <a:rPr lang="en-US" altLang="zh-CN" sz="1800" dirty="0" err="1"/>
+              <a:t>arr</a:t>
+            </a:r>
+            <a:r>
+              <a:rPr lang="en-US" altLang="zh-CN" sz="1800" dirty="0"/>
+              <a:t>[</a:t>
+            </a:r>
+            <a:r>
+              <a:rPr lang="en-US" altLang="zh-CN" sz="1800" dirty="0" err="1"/>
+              <a:t>i</a:t>
+            </a:r>
+            <a:r>
+              <a:rPr lang="en-US" altLang="zh-CN" sz="1800" dirty="0"/>
+              <a:t>][j] = mud[j] + </a:t>
+            </a:r>
+            <a:r>
+              <a:rPr lang="en-US" altLang="zh-CN" sz="1800" dirty="0" err="1"/>
+              <a:t>arr</a:t>
+            </a:r>
+            <a:r>
+              <a:rPr lang="en-US" altLang="zh-CN" sz="1800" dirty="0"/>
+              <a:t>[</a:t>
+            </a:r>
+            <a:r>
+              <a:rPr lang="en-US" altLang="zh-CN" sz="1800" dirty="0" err="1"/>
+              <a:t>i</a:t>
+            </a:r>
+            <a:r>
+              <a:rPr lang="en-US" altLang="zh-CN" sz="1800" dirty="0"/>
+              <a:t>][j-1];</a:t>
+            </a:r>
+          </a:p>
+          <a:p>
+            <a:r>
+              <a:rPr lang="en-US" altLang="zh-CN" sz="1800" dirty="0"/>
+              <a:t>            else:</a:t>
+            </a:r>
+          </a:p>
+          <a:p>
+            <a:r>
+              <a:rPr lang="en-US" altLang="zh-CN" sz="1800" dirty="0"/>
+              <a:t>                if(mud[</a:t>
+            </a:r>
+            <a:r>
+              <a:rPr lang="en-US" altLang="zh-CN" sz="1800" dirty="0" err="1"/>
+              <a:t>i</a:t>
+            </a:r>
+            <a:r>
+              <a:rPr lang="en-US" altLang="zh-CN" sz="1800" dirty="0"/>
+              <a:t>] + </a:t>
+            </a:r>
+            <a:r>
+              <a:rPr lang="en-US" altLang="zh-CN" sz="1800" dirty="0" err="1"/>
+              <a:t>cjj</a:t>
+            </a:r>
+            <a:r>
+              <a:rPr lang="en-US" altLang="zh-CN" sz="1800" dirty="0"/>
+              <a:t>[i+1][j] -  </a:t>
+            </a:r>
+            <a:r>
+              <a:rPr lang="en-US" altLang="zh-CN" sz="1800" dirty="0" err="1"/>
+              <a:t>arr</a:t>
+            </a:r>
+            <a:r>
+              <a:rPr lang="en-US" altLang="zh-CN" sz="1800" dirty="0"/>
+              <a:t>[i+1][j] &gt; mud[j] + </a:t>
+            </a:r>
+            <a:r>
+              <a:rPr lang="en-US" altLang="zh-CN" sz="1800" dirty="0" err="1"/>
+              <a:t>cjj</a:t>
+            </a:r>
+            <a:r>
+              <a:rPr lang="en-US" altLang="zh-CN" sz="1800" dirty="0"/>
+              <a:t>[</a:t>
+            </a:r>
+            <a:r>
+              <a:rPr lang="en-US" altLang="zh-CN" sz="1800" dirty="0" err="1"/>
+              <a:t>i</a:t>
+            </a:r>
+            <a:r>
+              <a:rPr lang="en-US" altLang="zh-CN" sz="1800" dirty="0"/>
+              <a:t>][j-1] - </a:t>
+            </a:r>
+            <a:r>
+              <a:rPr lang="en-US" altLang="zh-CN" sz="1800" dirty="0" err="1"/>
+              <a:t>arr</a:t>
+            </a:r>
+            <a:r>
+              <a:rPr lang="en-US" altLang="zh-CN" sz="1800" dirty="0"/>
+              <a:t>[</a:t>
+            </a:r>
+            <a:r>
+              <a:rPr lang="en-US" altLang="zh-CN" sz="1800" dirty="0" err="1"/>
+              <a:t>i</a:t>
+            </a:r>
+            <a:r>
+              <a:rPr lang="en-US" altLang="zh-CN" sz="1800" dirty="0"/>
+              <a:t>][j-1])://B</a:t>
+            </a:r>
+          </a:p>
+          <a:p>
+            <a:r>
+              <a:rPr lang="en-US" altLang="zh-CN" sz="1800" dirty="0"/>
+              <a:t>                    </a:t>
+            </a:r>
+            <a:r>
+              <a:rPr lang="en-US" altLang="zh-CN" sz="1800" dirty="0" err="1"/>
+              <a:t>arr</a:t>
+            </a:r>
+            <a:r>
+              <a:rPr lang="en-US" altLang="zh-CN" sz="1800" dirty="0"/>
+              <a:t>[</a:t>
+            </a:r>
+            <a:r>
+              <a:rPr lang="en-US" altLang="zh-CN" sz="1800" dirty="0" err="1"/>
+              <a:t>i</a:t>
+            </a:r>
+            <a:r>
+              <a:rPr lang="en-US" altLang="zh-CN" sz="1800" dirty="0"/>
+              <a:t>][j] = mud[</a:t>
+            </a:r>
+            <a:r>
+              <a:rPr lang="en-US" altLang="zh-CN" sz="1800" dirty="0" err="1"/>
+              <a:t>i</a:t>
+            </a:r>
+            <a:r>
+              <a:rPr lang="en-US" altLang="zh-CN" sz="1800" dirty="0"/>
+              <a:t>] + </a:t>
+            </a:r>
+            <a:r>
+              <a:rPr lang="en-US" altLang="zh-CN" sz="1800" dirty="0" err="1"/>
+              <a:t>arr</a:t>
+            </a:r>
+            <a:r>
+              <a:rPr lang="en-US" altLang="zh-CN" sz="1800" dirty="0"/>
+              <a:t>[i+1][j];</a:t>
+            </a:r>
+          </a:p>
+          <a:p>
+            <a:r>
+              <a:rPr lang="en-US" altLang="zh-CN" sz="1800" dirty="0"/>
+              <a:t>                else:</a:t>
+            </a:r>
+          </a:p>
+          <a:p>
+            <a:r>
+              <a:rPr lang="en-US" altLang="zh-CN" sz="1800" dirty="0"/>
+              <a:t>                    </a:t>
+            </a:r>
+            <a:r>
+              <a:rPr lang="en-US" altLang="zh-CN" sz="1800" dirty="0" err="1"/>
+              <a:t>arr</a:t>
+            </a:r>
+            <a:r>
+              <a:rPr lang="en-US" altLang="zh-CN" sz="1800" dirty="0"/>
+              <a:t>[</a:t>
+            </a:r>
+            <a:r>
+              <a:rPr lang="en-US" altLang="zh-CN" sz="1800" dirty="0" err="1"/>
+              <a:t>i</a:t>
+            </a:r>
+            <a:r>
+              <a:rPr lang="en-US" altLang="zh-CN" sz="1800" dirty="0"/>
+              <a:t>][j] = mud[j] + </a:t>
+            </a:r>
+            <a:r>
+              <a:rPr lang="en-US" altLang="zh-CN" sz="1800" dirty="0" err="1"/>
+              <a:t>arr</a:t>
+            </a:r>
+            <a:r>
+              <a:rPr lang="en-US" altLang="zh-CN" sz="1800" dirty="0"/>
+              <a:t>[</a:t>
+            </a:r>
+            <a:r>
+              <a:rPr lang="en-US" altLang="zh-CN" sz="1800" dirty="0" err="1"/>
+              <a:t>i</a:t>
+            </a:r>
+            <a:r>
+              <a:rPr lang="en-US" altLang="zh-CN" sz="1800" dirty="0"/>
+              <a:t>][j-1];</a:t>
+            </a:r>
+          </a:p>
+          <a:p>
+            <a:endParaRPr lang="en-US" altLang="zh-CN" sz="1800" dirty="0"/>
+          </a:p>
+        </p:txBody>
+      </p:sp>
+    </p:spTree>
+    <p:extLst>
+      <p:ext uri="{BB962C8B-B14F-4D97-AF65-F5344CB8AC3E}">
+        <p14:creationId xmlns:p14="http://schemas.microsoft.com/office/powerpoint/2010/main" val="1605633850"/>
+      </p:ext>
+    </p:extLst>
+  </p:cSld>
+  <p:clrMapOvr>
+    <a:masterClrMapping/>
+  </p:clrMapOvr>
+</p:sld>
+</file>
+
+<file path=ppt/slides/slide8.xml><?xml version="1.0" encoding="utf-8"?>
+<p:sld xmlns:a="http://schemas.openxmlformats.org/drawingml/2006/main" xmlns:r="http://schemas.openxmlformats.org/officeDocument/2006/relationships" xmlns:p="http://schemas.openxmlformats.org/presentationml/2006/main">
+  <p:cSld>
+    <p:spTree>
+      <p:nvGrpSpPr>
+        <p:cNvPr id="1" name=""/>
+        <p:cNvGrpSpPr/>
+        <p:nvPr/>
+      </p:nvGrpSpPr>
+      <p:grpSpPr>
+        <a:xfrm>
+          <a:off x="0" y="0"/>
+          <a:ext cx="0" cy="0"/>
+          <a:chOff x="0" y="0"/>
+          <a:chExt cx="0" cy="0"/>
+        </a:xfrm>
+      </p:grpSpPr>
+      <p:sp>
+        <p:nvSpPr>
+          <p:cNvPr id="2" name="标题 1">
+            <a:extLst>
+              <a:ext uri="{FF2B5EF4-FFF2-40B4-BE49-F238E27FC236}">
                 <a16:creationId xmlns:a16="http://schemas.microsoft.com/office/drawing/2014/main" id="{1FD0465E-2763-4FDC-91D9-C81C70994684}"/>
               </a:ext>
             </a:extLst>
@@ -4941,6 +5589,350 @@
             <a:extLst>
               <a:ext uri="{FF2B5EF4-FFF2-40B4-BE49-F238E27FC236}">
                 <a16:creationId xmlns:a16="http://schemas.microsoft.com/office/drawing/2014/main" id="{74F12065-8F70-4C13-AC6C-57F0374670AE}"/>
+              </a:ext>
+            </a:extLst>
+          </p:cNvPr>
+          <p:cNvPicPr>
+            <a:picLocks noChangeAspect="1"/>
+          </p:cNvPicPr>
+          <p:nvPr/>
+        </p:nvPicPr>
+        <p:blipFill>
+          <a:blip r:embed="rId3"/>
+          <a:stretch>
+            <a:fillRect/>
+          </a:stretch>
+        </p:blipFill>
+        <p:spPr>
+          <a:xfrm>
+            <a:off x="7696940" y="3705478"/>
+            <a:ext cx="3733826" cy="2896645"/>
+          </a:xfrm>
+          <a:prstGeom prst="rect">
+            <a:avLst/>
+          </a:prstGeom>
+        </p:spPr>
+      </p:pic>
+      <p:pic>
+        <p:nvPicPr>
+          <p:cNvPr id="9" name="图片 8">
+            <a:extLst>
+              <a:ext uri="{FF2B5EF4-FFF2-40B4-BE49-F238E27FC236}">
+                <a16:creationId xmlns:a16="http://schemas.microsoft.com/office/drawing/2014/main" id="{113C62CB-58D6-4EAB-A2FE-434B58174E98}"/>
+              </a:ext>
+            </a:extLst>
+          </p:cNvPr>
+          <p:cNvPicPr>
+            <a:picLocks noChangeAspect="1"/>
+          </p:cNvPicPr>
+          <p:nvPr/>
+        </p:nvPicPr>
+        <p:blipFill>
+          <a:blip r:embed="rId4"/>
+          <a:stretch>
+            <a:fillRect/>
+          </a:stretch>
+        </p:blipFill>
+        <p:spPr>
+          <a:xfrm>
+            <a:off x="3784263" y="3705478"/>
+            <a:ext cx="3912677" cy="3063173"/>
+          </a:xfrm>
+          <a:prstGeom prst="rect">
+            <a:avLst/>
+          </a:prstGeom>
+        </p:spPr>
+      </p:pic>
+    </p:spTree>
+    <p:extLst>
+      <p:ext uri="{BB962C8B-B14F-4D97-AF65-F5344CB8AC3E}">
+        <p14:creationId xmlns:p14="http://schemas.microsoft.com/office/powerpoint/2010/main" val="1262093669"/>
+      </p:ext>
+    </p:extLst>
+  </p:cSld>
+  <p:clrMapOvr>
+    <a:masterClrMapping/>
+  </p:clrMapOvr>
+</p:sld>
+</file>
+
+<file path=ppt/slides/slide9.xml><?xml version="1.0" encoding="utf-8"?>
+<p:sld xmlns:a="http://schemas.openxmlformats.org/drawingml/2006/main" xmlns:r="http://schemas.openxmlformats.org/officeDocument/2006/relationships" xmlns:p="http://schemas.openxmlformats.org/presentationml/2006/main">
+  <p:cSld>
+    <p:spTree>
+      <p:nvGrpSpPr>
+        <p:cNvPr id="1" name=""/>
+        <p:cNvGrpSpPr/>
+        <p:nvPr/>
+      </p:nvGrpSpPr>
+      <p:grpSpPr>
+        <a:xfrm>
+          <a:off x="0" y="0"/>
+          <a:ext cx="0" cy="0"/>
+          <a:chOff x="0" y="0"/>
+          <a:chExt cx="0" cy="0"/>
+        </a:xfrm>
+      </p:grpSpPr>
+      <p:sp>
+        <p:nvSpPr>
+          <p:cNvPr id="2" name="标题 1">
+            <a:extLst>
+              <a:ext uri="{FF2B5EF4-FFF2-40B4-BE49-F238E27FC236}">
+                <a16:creationId xmlns:a16="http://schemas.microsoft.com/office/drawing/2014/main" id="{0FBE7E2D-D1D4-454F-9091-9BA0286D7D81}"/>
+              </a:ext>
+            </a:extLst>
+          </p:cNvPr>
+          <p:cNvSpPr>
+            <a:spLocks noGrp="1"/>
+          </p:cNvSpPr>
+          <p:nvPr>
+            <p:ph type="title"/>
+          </p:nvPr>
+        </p:nvSpPr>
+        <p:spPr/>
+        <p:txBody>
+          <a:bodyPr>
+            <a:normAutofit/>
+          </a:bodyPr>
+          <a:lstStyle/>
+          <a:p>
+            <a:r>
+              <a:rPr lang="zh-CN" altLang="en-US" sz="2800" b="1" dirty="0"/>
+              <a:t>尝试优化</a:t>
+            </a:r>
+          </a:p>
+        </p:txBody>
+      </p:sp>
+      <p:sp>
+        <p:nvSpPr>
+          <p:cNvPr id="3" name="内容占位符 2">
+            <a:extLst>
+              <a:ext uri="{FF2B5EF4-FFF2-40B4-BE49-F238E27FC236}">
+                <a16:creationId xmlns:a16="http://schemas.microsoft.com/office/drawing/2014/main" id="{9791FAC8-C48E-4DB3-B26E-3811120C9F0B}"/>
+              </a:ext>
+            </a:extLst>
+          </p:cNvPr>
+          <p:cNvSpPr>
+            <a:spLocks noGrp="1"/>
+          </p:cNvSpPr>
+          <p:nvPr>
+            <p:ph idx="1"/>
+          </p:nvPr>
+        </p:nvSpPr>
+        <p:spPr/>
+        <p:txBody>
+          <a:bodyPr>
+            <a:normAutofit/>
+          </a:bodyPr>
+          <a:lstStyle/>
+          <a:p>
+            <a:pPr marL="0" indent="0">
+              <a:buNone/>
+            </a:pPr>
+            <a:r>
+              <a:rPr lang="zh-CN" altLang="en-US" sz="1600" dirty="0"/>
+              <a:t>动态规划的时间复杂度是</a:t>
+            </a:r>
+            <a:r>
+              <a:rPr lang="en-US" altLang="zh-CN" sz="1600" dirty="0"/>
+              <a:t>O</a:t>
+            </a:r>
+            <a:r>
+              <a:rPr lang="zh-CN" altLang="en-US" sz="1600" dirty="0"/>
+              <a:t>（</a:t>
+            </a:r>
+            <a:r>
+              <a:rPr lang="en-US" altLang="zh-CN" sz="1600" dirty="0"/>
+              <a:t>n^2</a:t>
+            </a:r>
+            <a:r>
+              <a:rPr lang="zh-CN" altLang="en-US" sz="1600" dirty="0"/>
+              <a:t>），计算过程几乎没有有效提高方式</a:t>
+            </a:r>
+            <a:endParaRPr lang="en-US" altLang="zh-CN" sz="1600" dirty="0"/>
+          </a:p>
+          <a:p>
+            <a:pPr marL="0" indent="0">
+              <a:buNone/>
+            </a:pPr>
+            <a:endParaRPr lang="en-US" altLang="zh-CN" sz="1600" dirty="0"/>
+          </a:p>
+          <a:p>
+            <a:pPr marL="0" indent="0">
+              <a:buNone/>
+            </a:pPr>
+            <a:r>
+              <a:rPr lang="zh-CN" altLang="en-US" sz="1600" dirty="0"/>
+              <a:t>但是可以在空间方向入手，上面动态规划是通过二维数组储存结果的，</a:t>
+            </a:r>
+            <a:endParaRPr lang="en-US" altLang="zh-CN" sz="1600" dirty="0"/>
+          </a:p>
+          <a:p>
+            <a:pPr marL="0" indent="0">
+              <a:buNone/>
+            </a:pPr>
+            <a:r>
+              <a:rPr lang="zh-CN" altLang="en-US" sz="1600" dirty="0"/>
+              <a:t>但是按状态方程，本轮计算参数只有上一轮的结果</a:t>
+            </a:r>
+            <a:endParaRPr lang="en-US" altLang="zh-CN" sz="1600" dirty="0"/>
+          </a:p>
+          <a:p>
+            <a:pPr marL="0" indent="0">
+              <a:buNone/>
+            </a:pPr>
+            <a:r>
+              <a:rPr lang="zh-CN" altLang="en-US" sz="1600" dirty="0"/>
+              <a:t>所以可以通过一维数组去储存上一轮结果</a:t>
+            </a:r>
+            <a:endParaRPr lang="en-US" altLang="zh-CN" sz="1600" dirty="0"/>
+          </a:p>
+          <a:p>
+            <a:pPr marL="0" indent="0">
+              <a:buNone/>
+            </a:pPr>
+            <a:r>
+              <a:rPr lang="zh-CN" altLang="en-US" sz="1600" dirty="0"/>
+              <a:t>可以将空间效率从</a:t>
+            </a:r>
+            <a:r>
+              <a:rPr lang="en-US" altLang="zh-CN" sz="1600" dirty="0"/>
+              <a:t>O(n^2)</a:t>
+            </a:r>
+            <a:r>
+              <a:rPr lang="zh-CN" altLang="en-US" sz="1600" dirty="0"/>
+              <a:t>降低到</a:t>
+            </a:r>
+            <a:r>
+              <a:rPr lang="en-US" altLang="zh-CN" sz="1600" dirty="0"/>
+              <a:t>O(n)</a:t>
+            </a:r>
+          </a:p>
+          <a:p>
+            <a:pPr marL="0" indent="0">
+              <a:buNone/>
+            </a:pPr>
+            <a:endParaRPr lang="en-US" altLang="zh-CN" sz="1600" dirty="0"/>
+          </a:p>
+          <a:p>
+            <a:pPr marL="0" indent="0">
+              <a:buNone/>
+            </a:pPr>
+            <a:r>
+              <a:rPr lang="zh-CN" altLang="en-US" sz="1600" dirty="0"/>
+              <a:t>实验数据表明一维数组时间效率渐近</a:t>
+            </a:r>
+            <a:r>
+              <a:rPr lang="en-US" altLang="zh-CN" sz="1600" dirty="0"/>
+              <a:t>O</a:t>
+            </a:r>
+            <a:r>
+              <a:rPr lang="zh-CN" altLang="en-US" sz="1600" dirty="0"/>
+              <a:t>（</a:t>
+            </a:r>
+            <a:r>
+              <a:rPr lang="en-US" altLang="zh-CN" sz="1600" dirty="0"/>
+              <a:t>n</a:t>
+            </a:r>
+            <a:r>
+              <a:rPr lang="zh-CN" altLang="en-US" sz="1600" dirty="0"/>
+              <a:t>）</a:t>
+            </a:r>
+            <a:endParaRPr lang="en-US" altLang="zh-CN" sz="1600" dirty="0"/>
+          </a:p>
+          <a:p>
+            <a:pPr marL="0" indent="0">
+              <a:buNone/>
+            </a:pPr>
+            <a:endParaRPr lang="en-US" altLang="zh-CN" sz="1600" dirty="0"/>
+          </a:p>
+          <a:p>
+            <a:pPr marL="0" indent="0">
+              <a:buNone/>
+            </a:pPr>
+            <a:r>
+              <a:rPr lang="zh-CN" altLang="en-US" sz="1600" dirty="0"/>
+              <a:t>原因分析</a:t>
+            </a:r>
+            <a:r>
+              <a:rPr lang="en-US" altLang="zh-CN" sz="1600" dirty="0">
+                <a:sym typeface="Wingdings" panose="05000000000000000000" pitchFamily="2" charset="2"/>
+              </a:rPr>
+              <a:t>:</a:t>
+            </a:r>
+          </a:p>
+          <a:p>
+            <a:pPr marL="0" indent="0">
+              <a:buNone/>
+            </a:pPr>
+            <a:r>
+              <a:rPr lang="en-US" altLang="zh-CN" sz="1600" dirty="0">
+                <a:sym typeface="Wingdings" panose="05000000000000000000" pitchFamily="2" charset="2"/>
+              </a:rPr>
+              <a:t>(1)</a:t>
+            </a:r>
+            <a:r>
+              <a:rPr lang="zh-CN" altLang="en-US" sz="1600" dirty="0">
+                <a:sym typeface="Wingdings" panose="05000000000000000000" pitchFamily="2" charset="2"/>
+              </a:rPr>
+              <a:t>开辟空间的时间 </a:t>
+            </a:r>
+            <a:endParaRPr lang="en-US" altLang="zh-CN" sz="1600" dirty="0">
+              <a:sym typeface="Wingdings" panose="05000000000000000000" pitchFamily="2" charset="2"/>
+            </a:endParaRPr>
+          </a:p>
+          <a:p>
+            <a:pPr marL="0" indent="0">
+              <a:buNone/>
+            </a:pPr>
+            <a:r>
+              <a:rPr lang="en-US" altLang="zh-CN" sz="1600" dirty="0">
+                <a:sym typeface="Wingdings" panose="05000000000000000000" pitchFamily="2" charset="2"/>
+              </a:rPr>
+              <a:t>(2)</a:t>
+            </a:r>
+            <a:r>
+              <a:rPr lang="en-US" altLang="zh-CN" sz="1600" dirty="0"/>
+              <a:t>cache</a:t>
+            </a:r>
+            <a:r>
+              <a:rPr lang="zh-CN" altLang="en-US" sz="1600" dirty="0"/>
+              <a:t>命中</a:t>
+            </a:r>
+            <a:endParaRPr lang="en-US" altLang="zh-CN" sz="1600" dirty="0"/>
+          </a:p>
+          <a:p>
+            <a:pPr marL="0" indent="0">
+              <a:buNone/>
+            </a:pPr>
+            <a:endParaRPr lang="en-US" altLang="zh-CN" sz="1600" dirty="0"/>
+          </a:p>
+          <a:p>
+            <a:pPr marL="0" indent="0">
+              <a:buNone/>
+            </a:pPr>
+            <a:endParaRPr lang="en-US" altLang="zh-CN" sz="2000" dirty="0"/>
+          </a:p>
+          <a:p>
+            <a:pPr marL="0" indent="0">
+              <a:buNone/>
+            </a:pPr>
+            <a:endParaRPr lang="en-US" altLang="zh-CN" sz="2000" dirty="0"/>
+          </a:p>
+          <a:p>
+            <a:pPr marL="0" indent="0">
+              <a:buNone/>
+            </a:pPr>
+            <a:endParaRPr lang="zh-CN" altLang="en-US" sz="2000" dirty="0"/>
+          </a:p>
+        </p:txBody>
+      </p:sp>
+      <p:pic>
+        <p:nvPicPr>
+          <p:cNvPr id="6" name="图片 5">
+            <a:extLst>
+              <a:ext uri="{FF2B5EF4-FFF2-40B4-BE49-F238E27FC236}">
+                <a16:creationId xmlns:a16="http://schemas.microsoft.com/office/drawing/2014/main" id="{7387D97F-2C68-44EA-9E2B-5CBAF6A7D79C}"/>
               </a:ext>
             </a:extLst>
           </p:cNvPr>
@@ -4957,38 +5949,8 @@
         </p:blipFill>
         <p:spPr>
           <a:xfrm>
-            <a:off x="8244980" y="3705479"/>
-            <a:ext cx="3185786" cy="2471484"/>
-          </a:xfrm>
-          <a:prstGeom prst="rect">
-            <a:avLst/>
-          </a:prstGeom>
-        </p:spPr>
-      </p:pic>
-      <p:pic>
-        <p:nvPicPr>
-          <p:cNvPr id="9" name="图片 8">
-            <a:extLst>
-              <a:ext uri="{FF2B5EF4-FFF2-40B4-BE49-F238E27FC236}">
-                <a16:creationId xmlns:a16="http://schemas.microsoft.com/office/drawing/2014/main" id="{113C62CB-58D6-4EAB-A2FE-434B58174E98}"/>
-              </a:ext>
-            </a:extLst>
-          </p:cNvPr>
-          <p:cNvPicPr>
-            <a:picLocks noChangeAspect="1"/>
-          </p:cNvPicPr>
-          <p:nvPr/>
-        </p:nvPicPr>
-        <p:blipFill>
-          <a:blip r:embed="rId3"/>
-          <a:stretch>
-            <a:fillRect/>
-          </a:stretch>
-        </p:blipFill>
-        <p:spPr>
-          <a:xfrm>
-            <a:off x="4910906" y="3566769"/>
-            <a:ext cx="3334074" cy="2610194"/>
+            <a:off x="7208668" y="3078758"/>
+            <a:ext cx="4145132" cy="3264892"/>
           </a:xfrm>
           <a:prstGeom prst="rect">
             <a:avLst/>
@@ -4998,7 +5960,7 @@
     </p:spTree>
     <p:extLst>
       <p:ext uri="{BB962C8B-B14F-4D97-AF65-F5344CB8AC3E}">
-        <p14:creationId xmlns:p14="http://schemas.microsoft.com/office/powerpoint/2010/main" val="1262093669"/>
+        <p14:creationId xmlns:p14="http://schemas.microsoft.com/office/powerpoint/2010/main" val="4103254326"/>
       </p:ext>
     </p:extLst>
   </p:cSld>
@@ -5301,4 +6263,299 @@
     </a:ext>
   </a:extLst>
 </a:theme>
+</file>
+
+<file path=ppt/theme/theme2.xml><?xml version="1.0" encoding="utf-8"?>
+<a:theme xmlns:a="http://schemas.openxmlformats.org/drawingml/2006/main" name="Office 主题​​">
+  <a:themeElements>
+    <a:clrScheme name="Office">
+      <a:dk1>
+        <a:sysClr val="windowText" lastClr="000000"/>
+      </a:dk1>
+      <a:lt1>
+        <a:sysClr val="window" lastClr="FFFFFF"/>
+      </a:lt1>
+      <a:dk2>
+        <a:srgbClr val="44546A"/>
+      </a:dk2>
+      <a:lt2>
+        <a:srgbClr val="E7E6E6"/>
+      </a:lt2>
+      <a:accent1>
+        <a:srgbClr val="4472C4"/>
+      </a:accent1>
+      <a:accent2>
+        <a:srgbClr val="ED7D31"/>
+      </a:accent2>
+      <a:accent3>
+        <a:srgbClr val="A5A5A5"/>
+      </a:accent3>
+      <a:accent4>
+        <a:srgbClr val="FFC000"/>
+      </a:accent4>
+      <a:accent5>
+        <a:srgbClr val="5B9BD5"/>
+      </a:accent5>
+      <a:accent6>
+        <a:srgbClr val="70AD47"/>
+      </a:accent6>
+      <a:hlink>
+        <a:srgbClr val="0563C1"/>
+      </a:hlink>
+      <a:folHlink>
+        <a:srgbClr val="954F72"/>
+      </a:folHlink>
+    </a:clrScheme>
+    <a:fontScheme name="Office">
+      <a:majorFont>
+        <a:latin typeface="等线 Light" panose="020F0302020204030204"/>
+        <a:ea typeface=""/>
+        <a:cs typeface=""/>
+        <a:font script="Jpan" typeface="游ゴシック Light"/>
+        <a:font script="Hang" typeface="맑은 고딕"/>
+        <a:font script="Hans" typeface="等线 Light"/>
+        <a:font script="Hant" typeface="新細明體"/>
+        <a:font script="Arab" typeface="Times New Roman"/>
+        <a:font script="Hebr" typeface="Times New Roman"/>
+        <a:font script="Thai" typeface="Angsana New"/>
+        <a:font script="Ethi" typeface="Nyala"/>
+        <a:font script="Beng" typeface="Vrinda"/>
+        <a:font script="Gujr" typeface="Shruti"/>
+        <a:font script="Khmr" typeface="MoolBoran"/>
+        <a:font script="Knda" typeface="Tunga"/>
+        <a:font script="Guru" typeface="Raavi"/>
+        <a:font script="Cans" typeface="Euphemia"/>
+        <a:font script="Cher" typeface="Plantagenet Cherokee"/>
+        <a:font script="Yiii" typeface="Microsoft Yi Baiti"/>
+        <a:font script="Tibt" typeface="Microsoft Himalaya"/>
+        <a:font script="Thaa" typeface="MV Boli"/>
+        <a:font script="Deva" typeface="Mangal"/>
+        <a:font script="Telu" typeface="Gautami"/>
+        <a:font script="Taml" typeface="Latha"/>
+        <a:font script="Syrc" typeface="Estrangelo Edessa"/>
+        <a:font script="Orya" typeface="Kalinga"/>
+        <a:font script="Mlym" typeface="Kartika"/>
+        <a:font script="Laoo" typeface="DokChampa"/>
+        <a:font script="Sinh" typeface="Iskoola Pota"/>
+        <a:font script="Mong" typeface="Mongolian Baiti"/>
+        <a:font script="Viet" typeface="Times New Roman"/>
+        <a:font script="Uigh" typeface="Microsoft Uighur"/>
+        <a:font script="Geor" typeface="Sylfaen"/>
+        <a:font script="Armn" typeface="Arial"/>
+        <a:font script="Bugi" typeface="Leelawadee UI"/>
+        <a:font script="Bopo" typeface="Microsoft JhengHei"/>
+        <a:font script="Java" typeface="Javanese Text"/>
+        <a:font script="Lisu" typeface="Segoe UI"/>
+        <a:font script="Mymr" typeface="Myanmar Text"/>
+        <a:font script="Nkoo" typeface="Ebrima"/>
+        <a:font script="Olck" typeface="Nirmala UI"/>
+        <a:font script="Osma" typeface="Ebrima"/>
+        <a:font script="Phag" typeface="Phagspa"/>
+        <a:font script="Syrn" typeface="Estrangelo Edessa"/>
+        <a:font script="Syrj" typeface="Estrangelo Edessa"/>
+        <a:font script="Syre" typeface="Estrangelo Edessa"/>
+        <a:font script="Sora" typeface="Nirmala UI"/>
+        <a:font script="Tale" typeface="Microsoft Tai Le"/>
+        <a:font script="Talu" typeface="Microsoft New Tai Lue"/>
+        <a:font script="Tfng" typeface="Ebrima"/>
+      </a:majorFont>
+      <a:minorFont>
+        <a:latin typeface="等线" panose="020F0502020204030204"/>
+        <a:ea typeface=""/>
+        <a:cs typeface=""/>
+        <a:font script="Jpan" typeface="游ゴシック"/>
+        <a:font script="Hang" typeface="맑은 고딕"/>
+        <a:font script="Hans" typeface="等线"/>
+        <a:font script="Hant" typeface="新細明體"/>
+        <a:font script="Arab" typeface="Arial"/>
+        <a:font script="Hebr" typeface="Arial"/>
+        <a:font script="Thai" typeface="Cordia New"/>
+        <a:font script="Ethi" typeface="Nyala"/>
+        <a:font script="Beng" typeface="Vrinda"/>
+        <a:font script="Gujr" typeface="Shruti"/>
+        <a:font script="Khmr" typeface="DaunPenh"/>
+        <a:font script="Knda" typeface="Tunga"/>
+        <a:font script="Guru" typeface="Raavi"/>
+        <a:font script="Cans" typeface="Euphemia"/>
+        <a:font script="Cher" typeface="Plantagenet Cherokee"/>
+        <a:font script="Yiii" typeface="Microsoft Yi Baiti"/>
+        <a:font script="Tibt" typeface="Microsoft Himalaya"/>
+        <a:font script="Thaa" typeface="MV Boli"/>
+        <a:font script="Deva" typeface="Mangal"/>
+        <a:font script="Telu" typeface="Gautami"/>
+        <a:font script="Taml" typeface="Latha"/>
+        <a:font script="Syrc" typeface="Estrangelo Edessa"/>
+        <a:font script="Orya" typeface="Kalinga"/>
+        <a:font script="Mlym" typeface="Kartika"/>
+        <a:font script="Laoo" typeface="DokChampa"/>
+        <a:font script="Sinh" typeface="Iskoola Pota"/>
+        <a:font script="Mong" typeface="Mongolian Baiti"/>
+        <a:font script="Viet" typeface="Arial"/>
+        <a:font script="Uigh" typeface="Microsoft Uighur"/>
+        <a:font script="Geor" typeface="Sylfaen"/>
+        <a:font script="Armn" typeface="Arial"/>
+        <a:font script="Bugi" typeface="Leelawadee UI"/>
+        <a:font script="Bopo" typeface="Microsoft JhengHei"/>
+        <a:font script="Java" typeface="Javanese Text"/>
+        <a:font script="Lisu" typeface="Segoe UI"/>
+        <a:font script="Mymr" typeface="Myanmar Text"/>
+        <a:font script="Nkoo" typeface="Ebrima"/>
+        <a:font script="Olck" typeface="Nirmala UI"/>
+        <a:font script="Osma" typeface="Ebrima"/>
+        <a:font script="Phag" typeface="Phagspa"/>
+        <a:font script="Syrn" typeface="Estrangelo Edessa"/>
+        <a:font script="Syrj" typeface="Estrangelo Edessa"/>
+        <a:font script="Syre" typeface="Estrangelo Edessa"/>
+        <a:font script="Sora" typeface="Nirmala UI"/>
+        <a:font script="Tale" typeface="Microsoft Tai Le"/>
+        <a:font script="Talu" typeface="Microsoft New Tai Lue"/>
+        <a:font script="Tfng" typeface="Ebrima"/>
+      </a:minorFont>
+    </a:fontScheme>
+    <a:fmtScheme name="Office">
+      <a:fillStyleLst>
+        <a:solidFill>
+          <a:schemeClr val="phClr"/>
+        </a:solidFill>
+        <a:gradFill rotWithShape="1">
+          <a:gsLst>
+            <a:gs pos="0">
+              <a:schemeClr val="phClr">
+                <a:lumMod val="110000"/>
+                <a:satMod val="105000"/>
+                <a:tint val="67000"/>
+              </a:schemeClr>
+            </a:gs>
+            <a:gs pos="50000">
+              <a:schemeClr val="phClr">
+                <a:lumMod val="105000"/>
+                <a:satMod val="103000"/>
+                <a:tint val="73000"/>
+              </a:schemeClr>
+            </a:gs>
+            <a:gs pos="100000">
+              <a:schemeClr val="phClr">
+                <a:lumMod val="105000"/>
+                <a:satMod val="109000"/>
+                <a:tint val="81000"/>
+              </a:schemeClr>
+            </a:gs>
+          </a:gsLst>
+          <a:lin ang="5400000" scaled="0"/>
+        </a:gradFill>
+        <a:gradFill rotWithShape="1">
+          <a:gsLst>
+            <a:gs pos="0">
+              <a:schemeClr val="phClr">
+                <a:satMod val="103000"/>
+                <a:lumMod val="102000"/>
+                <a:tint val="94000"/>
+              </a:schemeClr>
+            </a:gs>
+            <a:gs pos="50000">
+              <a:schemeClr val="phClr">
+                <a:satMod val="110000"/>
+                <a:lumMod val="100000"/>
+                <a:shade val="100000"/>
+              </a:schemeClr>
+            </a:gs>
+            <a:gs pos="100000">
+              <a:schemeClr val="phClr">
+                <a:lumMod val="99000"/>
+                <a:satMod val="120000"/>
+                <a:shade val="78000"/>
+              </a:schemeClr>
+            </a:gs>
+          </a:gsLst>
+          <a:lin ang="5400000" scaled="0"/>
+        </a:gradFill>
+      </a:fillStyleLst>
+      <a:lnStyleLst>
+        <a:ln w="6350" cap="flat" cmpd="sng" algn="ctr">
+          <a:solidFill>
+            <a:schemeClr val="phClr"/>
+          </a:solidFill>
+          <a:prstDash val="solid"/>
+          <a:miter lim="800000"/>
+        </a:ln>
+        <a:ln w="12700" cap="flat" cmpd="sng" algn="ctr">
+          <a:solidFill>
+            <a:schemeClr val="phClr"/>
+          </a:solidFill>
+          <a:prstDash val="solid"/>
+          <a:miter lim="800000"/>
+        </a:ln>
+        <a:ln w="19050" cap="flat" cmpd="sng" algn="ctr">
+          <a:solidFill>
+            <a:schemeClr val="phClr"/>
+          </a:solidFill>
+          <a:prstDash val="solid"/>
+          <a:miter lim="800000"/>
+        </a:ln>
+      </a:lnStyleLst>
+      <a:effectStyleLst>
+        <a:effectStyle>
+          <a:effectLst/>
+        </a:effectStyle>
+        <a:effectStyle>
+          <a:effectLst/>
+        </a:effectStyle>
+        <a:effectStyle>
+          <a:effectLst>
+            <a:outerShdw blurRad="57150" dist="19050" dir="5400000" algn="ctr" rotWithShape="0">
+              <a:srgbClr val="000000">
+                <a:alpha val="63000"/>
+              </a:srgbClr>
+            </a:outerShdw>
+          </a:effectLst>
+        </a:effectStyle>
+      </a:effectStyleLst>
+      <a:bgFillStyleLst>
+        <a:solidFill>
+          <a:schemeClr val="phClr"/>
+        </a:solidFill>
+        <a:solidFill>
+          <a:schemeClr val="phClr">
+            <a:tint val="95000"/>
+            <a:satMod val="170000"/>
+          </a:schemeClr>
+        </a:solidFill>
+        <a:gradFill rotWithShape="1">
+          <a:gsLst>
+            <a:gs pos="0">
+              <a:schemeClr val="phClr">
+                <a:tint val="93000"/>
+                <a:satMod val="150000"/>
+                <a:shade val="98000"/>
+                <a:lumMod val="102000"/>
+              </a:schemeClr>
+            </a:gs>
+            <a:gs pos="50000">
+              <a:schemeClr val="phClr">
+                <a:tint val="98000"/>
+                <a:satMod val="130000"/>
+                <a:shade val="90000"/>
+                <a:lumMod val="103000"/>
+              </a:schemeClr>
+            </a:gs>
+            <a:gs pos="100000">
+              <a:schemeClr val="phClr">
+                <a:shade val="63000"/>
+                <a:satMod val="120000"/>
+              </a:schemeClr>
+            </a:gs>
+          </a:gsLst>
+          <a:lin ang="5400000" scaled="0"/>
+        </a:gradFill>
+      </a:bgFillStyleLst>
+    </a:fmtScheme>
+  </a:themeElements>
+  <a:objectDefaults/>
+  <a:extraClrSchemeLst/>
+  <a:extLst>
+    <a:ext uri="{05A4C25C-085E-4340-85A3-A5531E510DB2}">
+      <thm15:themeFamily xmlns:thm15="http://schemas.microsoft.com/office/thememl/2012/main" name="Office Theme" id="{62F939B6-93AF-4DB8-9C6B-D6C7DFDC589F}" vid="{4A3C46E8-61CC-4603-A589-7422A47A8E4A}"/>
+    </a:ext>
+  </a:extLst>
+</a:theme>
 </file>
--- a/report/实验4/算法实验04.pptx
+++ b/report/实验4/算法实验04.pptx
@@ -4,20 +4,14 @@
   <p:sldMasterIdLst>
     <p:sldMasterId id="2147483648" r:id="rId1"/>
   </p:sldMasterIdLst>
-  <p:notesMasterIdLst>
-    <p:notesMasterId r:id="rId12"/>
-  </p:notesMasterIdLst>
   <p:sldIdLst>
     <p:sldId id="256" r:id="rId2"/>
     <p:sldId id="262" r:id="rId3"/>
-    <p:sldId id="275" r:id="rId4"/>
-    <p:sldId id="271" r:id="rId5"/>
-    <p:sldId id="270" r:id="rId6"/>
-    <p:sldId id="261" r:id="rId7"/>
-    <p:sldId id="269" r:id="rId8"/>
-    <p:sldId id="272" r:id="rId9"/>
-    <p:sldId id="273" r:id="rId10"/>
-    <p:sldId id="274" r:id="rId11"/>
+    <p:sldId id="271" r:id="rId4"/>
+    <p:sldId id="270" r:id="rId5"/>
+    <p:sldId id="261" r:id="rId6"/>
+    <p:sldId id="269" r:id="rId7"/>
+    <p:sldId id="272" r:id="rId8"/>
   </p:sldIdLst>
   <p:sldSz cx="12192000" cy="6858000"/>
   <p:notesSz cx="6858000" cy="9144000"/>
@@ -124,439 +118,6 @@
 </p:presentation>
 </file>
 
-<file path=ppt/notesMasters/notesMaster1.xml><?xml version="1.0" encoding="utf-8"?>
-<p:notesMaster xmlns:a="http://schemas.openxmlformats.org/drawingml/2006/main" xmlns:r="http://schemas.openxmlformats.org/officeDocument/2006/relationships" xmlns:p="http://schemas.openxmlformats.org/presentationml/2006/main">
-  <p:cSld>
-    <p:bg>
-      <p:bgRef idx="1001">
-        <a:schemeClr val="bg1"/>
-      </p:bgRef>
-    </p:bg>
-    <p:spTree>
-      <p:nvGrpSpPr>
-        <p:cNvPr id="1" name=""/>
-        <p:cNvGrpSpPr/>
-        <p:nvPr/>
-      </p:nvGrpSpPr>
-      <p:grpSpPr>
-        <a:xfrm>
-          <a:off x="0" y="0"/>
-          <a:ext cx="0" cy="0"/>
-          <a:chOff x="0" y="0"/>
-          <a:chExt cx="0" cy="0"/>
-        </a:xfrm>
-      </p:grpSpPr>
-      <p:sp>
-        <p:nvSpPr>
-          <p:cNvPr id="2" name="页眉占位符 1"/>
-          <p:cNvSpPr>
-            <a:spLocks noGrp="1"/>
-          </p:cNvSpPr>
-          <p:nvPr>
-            <p:ph type="hdr" sz="quarter"/>
-          </p:nvPr>
-        </p:nvSpPr>
-        <p:spPr>
-          <a:xfrm>
-            <a:off x="0" y="0"/>
-            <a:ext cx="2971800" cy="458788"/>
-          </a:xfrm>
-          <a:prstGeom prst="rect">
-            <a:avLst/>
-          </a:prstGeom>
-        </p:spPr>
-        <p:txBody>
-          <a:bodyPr vert="horz" lIns="91440" tIns="45720" rIns="91440" bIns="45720" rtlCol="0"/>
-          <a:lstStyle>
-            <a:lvl1pPr algn="l">
-              <a:defRPr sz="1200"/>
-            </a:lvl1pPr>
-          </a:lstStyle>
-          <a:p>
-            <a:endParaRPr lang="zh-CN" altLang="en-US"/>
-          </a:p>
-        </p:txBody>
-      </p:sp>
-      <p:sp>
-        <p:nvSpPr>
-          <p:cNvPr id="3" name="日期占位符 2"/>
-          <p:cNvSpPr>
-            <a:spLocks noGrp="1"/>
-          </p:cNvSpPr>
-          <p:nvPr>
-            <p:ph type="dt" idx="1"/>
-          </p:nvPr>
-        </p:nvSpPr>
-        <p:spPr>
-          <a:xfrm>
-            <a:off x="3884613" y="0"/>
-            <a:ext cx="2971800" cy="458788"/>
-          </a:xfrm>
-          <a:prstGeom prst="rect">
-            <a:avLst/>
-          </a:prstGeom>
-        </p:spPr>
-        <p:txBody>
-          <a:bodyPr vert="horz" lIns="91440" tIns="45720" rIns="91440" bIns="45720" rtlCol="0"/>
-          <a:lstStyle>
-            <a:lvl1pPr algn="r">
-              <a:defRPr sz="1200"/>
-            </a:lvl1pPr>
-          </a:lstStyle>
-          <a:p>
-            <a:fld id="{F58E760A-513A-4FE9-992A-6186B1C5668C}" type="datetimeFigureOut">
-              <a:rPr lang="zh-CN" altLang="en-US" smtClean="0"/>
-              <a:t>2022/5/13</a:t>
-            </a:fld>
-            <a:endParaRPr lang="zh-CN" altLang="en-US"/>
-          </a:p>
-        </p:txBody>
-      </p:sp>
-      <p:sp>
-        <p:nvSpPr>
-          <p:cNvPr id="4" name="幻灯片图像占位符 3"/>
-          <p:cNvSpPr>
-            <a:spLocks noGrp="1" noRot="1" noChangeAspect="1"/>
-          </p:cNvSpPr>
-          <p:nvPr>
-            <p:ph type="sldImg" idx="2"/>
-          </p:nvPr>
-        </p:nvSpPr>
-        <p:spPr>
-          <a:xfrm>
-            <a:off x="685800" y="1143000"/>
-            <a:ext cx="5486400" cy="3086100"/>
-          </a:xfrm>
-          <a:prstGeom prst="rect">
-            <a:avLst/>
-          </a:prstGeom>
-          <a:noFill/>
-          <a:ln w="12700">
-            <a:solidFill>
-              <a:prstClr val="black"/>
-            </a:solidFill>
-          </a:ln>
-        </p:spPr>
-        <p:txBody>
-          <a:bodyPr vert="horz" lIns="91440" tIns="45720" rIns="91440" bIns="45720" rtlCol="0" anchor="ctr"/>
-          <a:lstStyle/>
-          <a:p>
-            <a:endParaRPr lang="zh-CN" altLang="en-US"/>
-          </a:p>
-        </p:txBody>
-      </p:sp>
-      <p:sp>
-        <p:nvSpPr>
-          <p:cNvPr id="5" name="备注占位符 4"/>
-          <p:cNvSpPr>
-            <a:spLocks noGrp="1"/>
-          </p:cNvSpPr>
-          <p:nvPr>
-            <p:ph type="body" sz="quarter" idx="3"/>
-          </p:nvPr>
-        </p:nvSpPr>
-        <p:spPr>
-          <a:xfrm>
-            <a:off x="685800" y="4400550"/>
-            <a:ext cx="5486400" cy="3600450"/>
-          </a:xfrm>
-          <a:prstGeom prst="rect">
-            <a:avLst/>
-          </a:prstGeom>
-        </p:spPr>
-        <p:txBody>
-          <a:bodyPr vert="horz" lIns="91440" tIns="45720" rIns="91440" bIns="45720" rtlCol="0"/>
-          <a:lstStyle/>
-          <a:p>
-            <a:pPr lvl="0"/>
-            <a:r>
-              <a:rPr lang="zh-CN" altLang="en-US"/>
-              <a:t>单击此处编辑母版文本样式</a:t>
-            </a:r>
-          </a:p>
-          <a:p>
-            <a:pPr lvl="1"/>
-            <a:r>
-              <a:rPr lang="zh-CN" altLang="en-US"/>
-              <a:t>二级</a:t>
-            </a:r>
-          </a:p>
-          <a:p>
-            <a:pPr lvl="2"/>
-            <a:r>
-              <a:rPr lang="zh-CN" altLang="en-US"/>
-              <a:t>三级</a:t>
-            </a:r>
-          </a:p>
-          <a:p>
-            <a:pPr lvl="3"/>
-            <a:r>
-              <a:rPr lang="zh-CN" altLang="en-US"/>
-              <a:t>四级</a:t>
-            </a:r>
-          </a:p>
-          <a:p>
-            <a:pPr lvl="4"/>
-            <a:r>
-              <a:rPr lang="zh-CN" altLang="en-US"/>
-              <a:t>五级</a:t>
-            </a:r>
-          </a:p>
-        </p:txBody>
-      </p:sp>
-      <p:sp>
-        <p:nvSpPr>
-          <p:cNvPr id="6" name="页脚占位符 5"/>
-          <p:cNvSpPr>
-            <a:spLocks noGrp="1"/>
-          </p:cNvSpPr>
-          <p:nvPr>
-            <p:ph type="ftr" sz="quarter" idx="4"/>
-          </p:nvPr>
-        </p:nvSpPr>
-        <p:spPr>
-          <a:xfrm>
-            <a:off x="0" y="8685213"/>
-            <a:ext cx="2971800" cy="458787"/>
-          </a:xfrm>
-          <a:prstGeom prst="rect">
-            <a:avLst/>
-          </a:prstGeom>
-        </p:spPr>
-        <p:txBody>
-          <a:bodyPr vert="horz" lIns="91440" tIns="45720" rIns="91440" bIns="45720" rtlCol="0" anchor="b"/>
-          <a:lstStyle>
-            <a:lvl1pPr algn="l">
-              <a:defRPr sz="1200"/>
-            </a:lvl1pPr>
-          </a:lstStyle>
-          <a:p>
-            <a:endParaRPr lang="zh-CN" altLang="en-US"/>
-          </a:p>
-        </p:txBody>
-      </p:sp>
-      <p:sp>
-        <p:nvSpPr>
-          <p:cNvPr id="7" name="灯片编号占位符 6"/>
-          <p:cNvSpPr>
-            <a:spLocks noGrp="1"/>
-          </p:cNvSpPr>
-          <p:nvPr>
-            <p:ph type="sldNum" sz="quarter" idx="5"/>
-          </p:nvPr>
-        </p:nvSpPr>
-        <p:spPr>
-          <a:xfrm>
-            <a:off x="3884613" y="8685213"/>
-            <a:ext cx="2971800" cy="458787"/>
-          </a:xfrm>
-          <a:prstGeom prst="rect">
-            <a:avLst/>
-          </a:prstGeom>
-        </p:spPr>
-        <p:txBody>
-          <a:bodyPr vert="horz" lIns="91440" tIns="45720" rIns="91440" bIns="45720" rtlCol="0" anchor="b"/>
-          <a:lstStyle>
-            <a:lvl1pPr algn="r">
-              <a:defRPr sz="1200"/>
-            </a:lvl1pPr>
-          </a:lstStyle>
-          <a:p>
-            <a:fld id="{C38366D0-EDF7-4CCD-AFFF-6F9B6D9F6439}" type="slidenum">
-              <a:rPr lang="zh-CN" altLang="en-US" smtClean="0"/>
-              <a:t>‹#›</a:t>
-            </a:fld>
-            <a:endParaRPr lang="zh-CN" altLang="en-US"/>
-          </a:p>
-        </p:txBody>
-      </p:sp>
-    </p:spTree>
-    <p:extLst>
-      <p:ext uri="{BB962C8B-B14F-4D97-AF65-F5344CB8AC3E}">
-        <p14:creationId xmlns:p14="http://schemas.microsoft.com/office/powerpoint/2010/main" val="241675410"/>
-      </p:ext>
-    </p:extLst>
-  </p:cSld>
-  <p:clrMap bg1="lt1" tx1="dk1" bg2="lt2" tx2="dk2" accent1="accent1" accent2="accent2" accent3="accent3" accent4="accent4" accent5="accent5" accent6="accent6" hlink="hlink" folHlink="folHlink"/>
-  <p:notesStyle>
-    <a:lvl1pPr marL="0" algn="l" defTabSz="914400" rtl="0" eaLnBrk="1" latinLnBrk="0" hangingPunct="1">
-      <a:defRPr sz="1200" kern="1200">
-        <a:solidFill>
-          <a:schemeClr val="tx1"/>
-        </a:solidFill>
-        <a:latin typeface="+mn-lt"/>
-        <a:ea typeface="+mn-ea"/>
-        <a:cs typeface="+mn-cs"/>
-      </a:defRPr>
-    </a:lvl1pPr>
-    <a:lvl2pPr marL="457200" algn="l" defTabSz="914400" rtl="0" eaLnBrk="1" latinLnBrk="0" hangingPunct="1">
-      <a:defRPr sz="1200" kern="1200">
-        <a:solidFill>
-          <a:schemeClr val="tx1"/>
-        </a:solidFill>
-        <a:latin typeface="+mn-lt"/>
-        <a:ea typeface="+mn-ea"/>
-        <a:cs typeface="+mn-cs"/>
-      </a:defRPr>
-    </a:lvl2pPr>
-    <a:lvl3pPr marL="914400" algn="l" defTabSz="914400" rtl="0" eaLnBrk="1" latinLnBrk="0" hangingPunct="1">
-      <a:defRPr sz="1200" kern="1200">
-        <a:solidFill>
-          <a:schemeClr val="tx1"/>
-        </a:solidFill>
-        <a:latin typeface="+mn-lt"/>
-        <a:ea typeface="+mn-ea"/>
-        <a:cs typeface="+mn-cs"/>
-      </a:defRPr>
-    </a:lvl3pPr>
-    <a:lvl4pPr marL="1371600" algn="l" defTabSz="914400" rtl="0" eaLnBrk="1" latinLnBrk="0" hangingPunct="1">
-      <a:defRPr sz="1200" kern="1200">
-        <a:solidFill>
-          <a:schemeClr val="tx1"/>
-        </a:solidFill>
-        <a:latin typeface="+mn-lt"/>
-        <a:ea typeface="+mn-ea"/>
-        <a:cs typeface="+mn-cs"/>
-      </a:defRPr>
-    </a:lvl4pPr>
-    <a:lvl5pPr marL="1828800" algn="l" defTabSz="914400" rtl="0" eaLnBrk="1" latinLnBrk="0" hangingPunct="1">
-      <a:defRPr sz="1200" kern="1200">
-        <a:solidFill>
-          <a:schemeClr val="tx1"/>
-        </a:solidFill>
-        <a:latin typeface="+mn-lt"/>
-        <a:ea typeface="+mn-ea"/>
-        <a:cs typeface="+mn-cs"/>
-      </a:defRPr>
-    </a:lvl5pPr>
-    <a:lvl6pPr marL="2286000" algn="l" defTabSz="914400" rtl="0" eaLnBrk="1" latinLnBrk="0" hangingPunct="1">
-      <a:defRPr sz="1200" kern="1200">
-        <a:solidFill>
-          <a:schemeClr val="tx1"/>
-        </a:solidFill>
-        <a:latin typeface="+mn-lt"/>
-        <a:ea typeface="+mn-ea"/>
-        <a:cs typeface="+mn-cs"/>
-      </a:defRPr>
-    </a:lvl6pPr>
-    <a:lvl7pPr marL="2743200" algn="l" defTabSz="914400" rtl="0" eaLnBrk="1" latinLnBrk="0" hangingPunct="1">
-      <a:defRPr sz="1200" kern="1200">
-        <a:solidFill>
-          <a:schemeClr val="tx1"/>
-        </a:solidFill>
-        <a:latin typeface="+mn-lt"/>
-        <a:ea typeface="+mn-ea"/>
-        <a:cs typeface="+mn-cs"/>
-      </a:defRPr>
-    </a:lvl7pPr>
-    <a:lvl8pPr marL="3200400" algn="l" defTabSz="914400" rtl="0" eaLnBrk="1" latinLnBrk="0" hangingPunct="1">
-      <a:defRPr sz="1200" kern="1200">
-        <a:solidFill>
-          <a:schemeClr val="tx1"/>
-        </a:solidFill>
-        <a:latin typeface="+mn-lt"/>
-        <a:ea typeface="+mn-ea"/>
-        <a:cs typeface="+mn-cs"/>
-      </a:defRPr>
-    </a:lvl8pPr>
-    <a:lvl9pPr marL="3657600" algn="l" defTabSz="914400" rtl="0" eaLnBrk="1" latinLnBrk="0" hangingPunct="1">
-      <a:defRPr sz="1200" kern="1200">
-        <a:solidFill>
-          <a:schemeClr val="tx1"/>
-        </a:solidFill>
-        <a:latin typeface="+mn-lt"/>
-        <a:ea typeface="+mn-ea"/>
-        <a:cs typeface="+mn-cs"/>
-      </a:defRPr>
-    </a:lvl9pPr>
-  </p:notesStyle>
-</p:notesMaster>
-</file>
-
-<file path=ppt/notesSlides/notesSlide1.xml><?xml version="1.0" encoding="utf-8"?>
-<p:notes xmlns:a="http://schemas.openxmlformats.org/drawingml/2006/main" xmlns:r="http://schemas.openxmlformats.org/officeDocument/2006/relationships" xmlns:p="http://schemas.openxmlformats.org/presentationml/2006/main">
-  <p:cSld>
-    <p:spTree>
-      <p:nvGrpSpPr>
-        <p:cNvPr id="1" name=""/>
-        <p:cNvGrpSpPr/>
-        <p:nvPr/>
-      </p:nvGrpSpPr>
-      <p:grpSpPr>
-        <a:xfrm>
-          <a:off x="0" y="0"/>
-          <a:ext cx="0" cy="0"/>
-          <a:chOff x="0" y="0"/>
-          <a:chExt cx="0" cy="0"/>
-        </a:xfrm>
-      </p:grpSpPr>
-      <p:sp>
-        <p:nvSpPr>
-          <p:cNvPr id="2" name="幻灯片图像占位符 1"/>
-          <p:cNvSpPr>
-            <a:spLocks noGrp="1" noRot="1" noChangeAspect="1"/>
-          </p:cNvSpPr>
-          <p:nvPr>
-            <p:ph type="sldImg"/>
-          </p:nvPr>
-        </p:nvSpPr>
-        <p:spPr/>
-      </p:sp>
-      <p:sp>
-        <p:nvSpPr>
-          <p:cNvPr id="3" name="备注占位符 2"/>
-          <p:cNvSpPr>
-            <a:spLocks noGrp="1"/>
-          </p:cNvSpPr>
-          <p:nvPr>
-            <p:ph type="body" idx="1"/>
-          </p:nvPr>
-        </p:nvSpPr>
-        <p:spPr/>
-        <p:txBody>
-          <a:bodyPr/>
-          <a:lstStyle/>
-          <a:p>
-            <a:endParaRPr lang="zh-CN" altLang="en-US" dirty="0"/>
-          </a:p>
-        </p:txBody>
-      </p:sp>
-      <p:sp>
-        <p:nvSpPr>
-          <p:cNvPr id="4" name="灯片编号占位符 3"/>
-          <p:cNvSpPr>
-            <a:spLocks noGrp="1"/>
-          </p:cNvSpPr>
-          <p:nvPr>
-            <p:ph type="sldNum" sz="quarter" idx="5"/>
-          </p:nvPr>
-        </p:nvSpPr>
-        <p:spPr/>
-        <p:txBody>
-          <a:bodyPr/>
-          <a:lstStyle/>
-          <a:p>
-            <a:fld id="{C38366D0-EDF7-4CCD-AFFF-6F9B6D9F6439}" type="slidenum">
-              <a:rPr lang="zh-CN" altLang="en-US" smtClean="0"/>
-              <a:t>8</a:t>
-            </a:fld>
-            <a:endParaRPr lang="zh-CN" altLang="en-US"/>
-          </a:p>
-        </p:txBody>
-      </p:sp>
-    </p:spTree>
-    <p:extLst>
-      <p:ext uri="{BB962C8B-B14F-4D97-AF65-F5344CB8AC3E}">
-        <p14:creationId xmlns:p14="http://schemas.microsoft.com/office/powerpoint/2010/main" val="264940658"/>
-      </p:ext>
-    </p:extLst>
-  </p:cSld>
-  <p:clrMapOvr>
-    <a:masterClrMapping/>
-  </p:clrMapOvr>
-</p:notes>
-</file>
-
 <file path=ppt/slideLayouts/slideLayout1.xml><?xml version="1.0" encoding="utf-8"?>
 <p:sldLayout xmlns:a="http://schemas.openxmlformats.org/drawingml/2006/main" xmlns:r="http://schemas.openxmlformats.org/officeDocument/2006/relationships" xmlns:p="http://schemas.openxmlformats.org/presentationml/2006/main" type="title" preserve="1">
   <p:cSld name="标题幻灯片">
@@ -704,7 +265,7 @@
           <a:p>
             <a:fld id="{0A5E204F-936A-4981-9D89-FEB571C08560}" type="datetimeFigureOut">
               <a:rPr lang="zh-CN" altLang="en-US" smtClean="0"/>
-              <a:t>2022/5/13</a:t>
+              <a:t>2022/5/6</a:t>
             </a:fld>
             <a:endParaRPr lang="zh-CN" altLang="en-US"/>
           </a:p>
@@ -902,7 +463,7 @@
           <a:p>
             <a:fld id="{0A5E204F-936A-4981-9D89-FEB571C08560}" type="datetimeFigureOut">
               <a:rPr lang="zh-CN" altLang="en-US" smtClean="0"/>
-              <a:t>2022/5/13</a:t>
+              <a:t>2022/5/6</a:t>
             </a:fld>
             <a:endParaRPr lang="zh-CN" altLang="en-US"/>
           </a:p>
@@ -1110,7 +671,7 @@
           <a:p>
             <a:fld id="{0A5E204F-936A-4981-9D89-FEB571C08560}" type="datetimeFigureOut">
               <a:rPr lang="zh-CN" altLang="en-US" smtClean="0"/>
-              <a:t>2022/5/13</a:t>
+              <a:t>2022/5/6</a:t>
             </a:fld>
             <a:endParaRPr lang="zh-CN" altLang="en-US"/>
           </a:p>
@@ -1308,7 +869,7 @@
           <a:p>
             <a:fld id="{0A5E204F-936A-4981-9D89-FEB571C08560}" type="datetimeFigureOut">
               <a:rPr lang="zh-CN" altLang="en-US" smtClean="0"/>
-              <a:t>2022/5/13</a:t>
+              <a:t>2022/5/6</a:t>
             </a:fld>
             <a:endParaRPr lang="zh-CN" altLang="en-US"/>
           </a:p>
@@ -1583,7 +1144,7 @@
           <a:p>
             <a:fld id="{0A5E204F-936A-4981-9D89-FEB571C08560}" type="datetimeFigureOut">
               <a:rPr lang="zh-CN" altLang="en-US" smtClean="0"/>
-              <a:t>2022/5/13</a:t>
+              <a:t>2022/5/6</a:t>
             </a:fld>
             <a:endParaRPr lang="zh-CN" altLang="en-US"/>
           </a:p>
@@ -1848,7 +1409,7 @@
           <a:p>
             <a:fld id="{0A5E204F-936A-4981-9D89-FEB571C08560}" type="datetimeFigureOut">
               <a:rPr lang="zh-CN" altLang="en-US" smtClean="0"/>
-              <a:t>2022/5/13</a:t>
+              <a:t>2022/5/6</a:t>
             </a:fld>
             <a:endParaRPr lang="zh-CN" altLang="en-US"/>
           </a:p>
@@ -2260,7 +1821,7 @@
           <a:p>
             <a:fld id="{0A5E204F-936A-4981-9D89-FEB571C08560}" type="datetimeFigureOut">
               <a:rPr lang="zh-CN" altLang="en-US" smtClean="0"/>
-              <a:t>2022/5/13</a:t>
+              <a:t>2022/5/6</a:t>
             </a:fld>
             <a:endParaRPr lang="zh-CN" altLang="en-US"/>
           </a:p>
@@ -2401,7 +1962,7 @@
           <a:p>
             <a:fld id="{0A5E204F-936A-4981-9D89-FEB571C08560}" type="datetimeFigureOut">
               <a:rPr lang="zh-CN" altLang="en-US" smtClean="0"/>
-              <a:t>2022/5/13</a:t>
+              <a:t>2022/5/6</a:t>
             </a:fld>
             <a:endParaRPr lang="zh-CN" altLang="en-US"/>
           </a:p>
@@ -2514,7 +2075,7 @@
           <a:p>
             <a:fld id="{0A5E204F-936A-4981-9D89-FEB571C08560}" type="datetimeFigureOut">
               <a:rPr lang="zh-CN" altLang="en-US" smtClean="0"/>
-              <a:t>2022/5/13</a:t>
+              <a:t>2022/5/6</a:t>
             </a:fld>
             <a:endParaRPr lang="zh-CN" altLang="en-US"/>
           </a:p>
@@ -2825,7 +2386,7 @@
           <a:p>
             <a:fld id="{0A5E204F-936A-4981-9D89-FEB571C08560}" type="datetimeFigureOut">
               <a:rPr lang="zh-CN" altLang="en-US" smtClean="0"/>
-              <a:t>2022/5/13</a:t>
+              <a:t>2022/5/6</a:t>
             </a:fld>
             <a:endParaRPr lang="zh-CN" altLang="en-US"/>
           </a:p>
@@ -3113,7 +2674,7 @@
           <a:p>
             <a:fld id="{0A5E204F-936A-4981-9D89-FEB571C08560}" type="datetimeFigureOut">
               <a:rPr lang="zh-CN" altLang="en-US" smtClean="0"/>
-              <a:t>2022/5/13</a:t>
+              <a:t>2022/5/6</a:t>
             </a:fld>
             <a:endParaRPr lang="zh-CN" altLang="en-US"/>
           </a:p>
@@ -3354,7 +2915,7 @@
           <a:p>
             <a:fld id="{0A5E204F-936A-4981-9D89-FEB571C08560}" type="datetimeFigureOut">
               <a:rPr lang="zh-CN" altLang="en-US" smtClean="0"/>
-              <a:t>2022/5/13</a:t>
+              <a:t>2022/5/6</a:t>
             </a:fld>
             <a:endParaRPr lang="zh-CN" altLang="en-US"/>
           </a:p>
@@ -3871,111 +3432,6 @@
 </p:sld>
 </file>
 
-<file path=ppt/slides/slide10.xml><?xml version="1.0" encoding="utf-8"?>
-<p:sld xmlns:a="http://schemas.openxmlformats.org/drawingml/2006/main" xmlns:r="http://schemas.openxmlformats.org/officeDocument/2006/relationships" xmlns:p="http://schemas.openxmlformats.org/presentationml/2006/main">
-  <p:cSld>
-    <p:spTree>
-      <p:nvGrpSpPr>
-        <p:cNvPr id="1" name=""/>
-        <p:cNvGrpSpPr/>
-        <p:nvPr/>
-      </p:nvGrpSpPr>
-      <p:grpSpPr>
-        <a:xfrm>
-          <a:off x="0" y="0"/>
-          <a:ext cx="0" cy="0"/>
-          <a:chOff x="0" y="0"/>
-          <a:chExt cx="0" cy="0"/>
-        </a:xfrm>
-      </p:grpSpPr>
-      <p:sp>
-        <p:nvSpPr>
-          <p:cNvPr id="2" name="标题 1">
-            <a:extLst>
-              <a:ext uri="{FF2B5EF4-FFF2-40B4-BE49-F238E27FC236}">
-                <a16:creationId xmlns:a16="http://schemas.microsoft.com/office/drawing/2014/main" id="{5637EFB4-A24A-4AD5-8CA5-28F4880496F8}"/>
-              </a:ext>
-            </a:extLst>
-          </p:cNvPr>
-          <p:cNvSpPr>
-            <a:spLocks noGrp="1"/>
-          </p:cNvSpPr>
-          <p:nvPr>
-            <p:ph type="title"/>
-          </p:nvPr>
-        </p:nvSpPr>
-        <p:spPr/>
-        <p:txBody>
-          <a:bodyPr/>
-          <a:lstStyle/>
-          <a:p>
-            <a:endParaRPr lang="zh-CN" altLang="en-US" dirty="0"/>
-          </a:p>
-        </p:txBody>
-      </p:sp>
-      <p:sp>
-        <p:nvSpPr>
-          <p:cNvPr id="3" name="内容占位符 2">
-            <a:extLst>
-              <a:ext uri="{FF2B5EF4-FFF2-40B4-BE49-F238E27FC236}">
-                <a16:creationId xmlns:a16="http://schemas.microsoft.com/office/drawing/2014/main" id="{D79AF6AD-D55F-434D-A1F6-90BC7DCB2C84}"/>
-              </a:ext>
-            </a:extLst>
-          </p:cNvPr>
-          <p:cNvSpPr>
-            <a:spLocks noGrp="1"/>
-          </p:cNvSpPr>
-          <p:nvPr>
-            <p:ph idx="1"/>
-          </p:nvPr>
-        </p:nvSpPr>
-        <p:spPr>
-          <a:xfrm>
-            <a:off x="838200" y="365125"/>
-            <a:ext cx="10515600" cy="5811838"/>
-          </a:xfrm>
-        </p:spPr>
-        <p:txBody>
-          <a:bodyPr>
-            <a:normAutofit/>
-          </a:bodyPr>
-          <a:lstStyle/>
-          <a:p>
-            <a:pPr marL="0" indent="0" algn="ctr">
-              <a:buNone/>
-            </a:pPr>
-            <a:endParaRPr lang="en-US" altLang="zh-CN" sz="8000" dirty="0"/>
-          </a:p>
-          <a:p>
-            <a:pPr marL="0" indent="0" algn="ctr">
-              <a:buNone/>
-            </a:pPr>
-            <a:endParaRPr lang="en-US" altLang="zh-CN" sz="8000" dirty="0"/>
-          </a:p>
-          <a:p>
-            <a:pPr marL="0" indent="0" algn="ctr">
-              <a:buNone/>
-            </a:pPr>
-            <a:r>
-              <a:rPr lang="zh-CN" altLang="en-US" sz="8000" dirty="0"/>
-              <a:t>谢谢观看</a:t>
-            </a:r>
-          </a:p>
-        </p:txBody>
-      </p:sp>
-    </p:spTree>
-    <p:extLst>
-      <p:ext uri="{BB962C8B-B14F-4D97-AF65-F5344CB8AC3E}">
-        <p14:creationId xmlns:p14="http://schemas.microsoft.com/office/powerpoint/2010/main" val="2941550997"/>
-      </p:ext>
-    </p:extLst>
-  </p:cSld>
-  <p:clrMapOvr>
-    <a:masterClrMapping/>
-  </p:clrMapOvr>
-</p:sld>
-</file>
-
 <file path=ppt/slides/slide2.xml><?xml version="1.0" encoding="utf-8"?>
 <p:sld xmlns:a="http://schemas.openxmlformats.org/drawingml/2006/main" xmlns:r="http://schemas.openxmlformats.org/officeDocument/2006/relationships" xmlns:p="http://schemas.openxmlformats.org/presentationml/2006/main">
   <p:cSld>
@@ -4256,93 +3712,6 @@
 </file>
 
 <file path=ppt/slides/slide3.xml><?xml version="1.0" encoding="utf-8"?>
-<p:sld xmlns:a="http://schemas.openxmlformats.org/drawingml/2006/main" xmlns:r="http://schemas.openxmlformats.org/officeDocument/2006/relationships" xmlns:p="http://schemas.openxmlformats.org/presentationml/2006/main">
-  <p:cSld>
-    <p:spTree>
-      <p:nvGrpSpPr>
-        <p:cNvPr id="1" name=""/>
-        <p:cNvGrpSpPr/>
-        <p:nvPr/>
-      </p:nvGrpSpPr>
-      <p:grpSpPr>
-        <a:xfrm>
-          <a:off x="0" y="0"/>
-          <a:ext cx="0" cy="0"/>
-          <a:chOff x="0" y="0"/>
-          <a:chExt cx="0" cy="0"/>
-        </a:xfrm>
-      </p:grpSpPr>
-      <p:sp>
-        <p:nvSpPr>
-          <p:cNvPr id="2" name="标题 1">
-            <a:extLst>
-              <a:ext uri="{FF2B5EF4-FFF2-40B4-BE49-F238E27FC236}">
-                <a16:creationId xmlns:a16="http://schemas.microsoft.com/office/drawing/2014/main" id="{8294B8E4-2CE9-40C3-B63F-81D730E40141}"/>
-              </a:ext>
-            </a:extLst>
-          </p:cNvPr>
-          <p:cNvSpPr>
-            <a:spLocks noGrp="1"/>
-          </p:cNvSpPr>
-          <p:nvPr>
-            <p:ph type="title"/>
-          </p:nvPr>
-        </p:nvSpPr>
-        <p:spPr/>
-        <p:txBody>
-          <a:bodyPr/>
-          <a:lstStyle/>
-          <a:p>
-            <a:endParaRPr lang="zh-CN" altLang="en-US"/>
-          </a:p>
-        </p:txBody>
-      </p:sp>
-      <p:pic>
-        <p:nvPicPr>
-          <p:cNvPr id="4" name="内容占位符 3">
-            <a:extLst>
-              <a:ext uri="{FF2B5EF4-FFF2-40B4-BE49-F238E27FC236}">
-                <a16:creationId xmlns:a16="http://schemas.microsoft.com/office/drawing/2014/main" id="{867F8B2D-BCF3-4D95-9BDE-856D627933BD}"/>
-              </a:ext>
-            </a:extLst>
-          </p:cNvPr>
-          <p:cNvPicPr>
-            <a:picLocks noGrp="1" noChangeAspect="1"/>
-          </p:cNvPicPr>
-          <p:nvPr>
-            <p:ph idx="1"/>
-          </p:nvPr>
-        </p:nvPicPr>
-        <p:blipFill>
-          <a:blip r:embed="rId2"/>
-          <a:stretch>
-            <a:fillRect/>
-          </a:stretch>
-        </p:blipFill>
-        <p:spPr>
-          <a:xfrm>
-            <a:off x="2823100" y="1452633"/>
-            <a:ext cx="6066818" cy="4724330"/>
-          </a:xfrm>
-          <a:prstGeom prst="rect">
-            <a:avLst/>
-          </a:prstGeom>
-        </p:spPr>
-      </p:pic>
-    </p:spTree>
-    <p:extLst>
-      <p:ext uri="{BB962C8B-B14F-4D97-AF65-F5344CB8AC3E}">
-        <p14:creationId xmlns:p14="http://schemas.microsoft.com/office/powerpoint/2010/main" val="2100574268"/>
-      </p:ext>
-    </p:extLst>
-  </p:cSld>
-  <p:clrMapOvr>
-    <a:masterClrMapping/>
-  </p:clrMapOvr>
-</p:sld>
-</file>
-
-<file path=ppt/slides/slide4.xml><?xml version="1.0" encoding="utf-8"?>
 <p:sld xmlns:a="http://schemas.openxmlformats.org/drawingml/2006/main" xmlns:r="http://schemas.openxmlformats.org/officeDocument/2006/relationships" xmlns:p="http://schemas.openxmlformats.org/presentationml/2006/main">
   <p:cSld>
     <p:spTree>
@@ -4536,7 +3905,7 @@
 </p:sld>
 </file>
 
-<file path=ppt/slides/slide5.xml><?xml version="1.0" encoding="utf-8"?>
+<file path=ppt/slides/slide4.xml><?xml version="1.0" encoding="utf-8"?>
 <p:sld xmlns:a="http://schemas.openxmlformats.org/drawingml/2006/main" xmlns:r="http://schemas.openxmlformats.org/officeDocument/2006/relationships" xmlns:p="http://schemas.openxmlformats.org/presentationml/2006/main">
   <p:cSld>
     <p:spTree>
@@ -4714,7 +4083,7 @@
 </p:sld>
 </file>
 
-<file path=ppt/slides/slide6.xml><?xml version="1.0" encoding="utf-8"?>
+<file path=ppt/slides/slide5.xml><?xml version="1.0" encoding="utf-8"?>
 <p:sld xmlns:a="http://schemas.openxmlformats.org/drawingml/2006/main" xmlns:r="http://schemas.openxmlformats.org/officeDocument/2006/relationships" xmlns:p="http://schemas.openxmlformats.org/presentationml/2006/main">
   <p:cSld>
     <p:spTree>
@@ -4903,6 +4272,497 @@
 </p:sld>
 </file>
 
+<file path=ppt/slides/slide6.xml><?xml version="1.0" encoding="utf-8"?>
+<p:sld xmlns:a="http://schemas.openxmlformats.org/drawingml/2006/main" xmlns:r="http://schemas.openxmlformats.org/officeDocument/2006/relationships" xmlns:p="http://schemas.openxmlformats.org/presentationml/2006/main">
+  <p:cSld>
+    <p:spTree>
+      <p:nvGrpSpPr>
+        <p:cNvPr id="1" name=""/>
+        <p:cNvGrpSpPr/>
+        <p:nvPr/>
+      </p:nvGrpSpPr>
+      <p:grpSpPr>
+        <a:xfrm>
+          <a:off x="0" y="0"/>
+          <a:ext cx="0" cy="0"/>
+          <a:chOff x="0" y="0"/>
+          <a:chExt cx="0" cy="0"/>
+        </a:xfrm>
+      </p:grpSpPr>
+      <p:sp>
+        <p:nvSpPr>
+          <p:cNvPr id="2" name="标题 1">
+            <a:extLst>
+              <a:ext uri="{FF2B5EF4-FFF2-40B4-BE49-F238E27FC236}">
+                <a16:creationId xmlns:a16="http://schemas.microsoft.com/office/drawing/2014/main" id="{07AB8665-A181-E2EF-604D-B386AE238EC4}"/>
+              </a:ext>
+            </a:extLst>
+          </p:cNvPr>
+          <p:cNvSpPr>
+            <a:spLocks noGrp="1"/>
+          </p:cNvSpPr>
+          <p:nvPr>
+            <p:ph type="title"/>
+          </p:nvPr>
+        </p:nvSpPr>
+        <p:spPr>
+          <a:xfrm>
+            <a:off x="838200" y="365125"/>
+            <a:ext cx="10515600" cy="756665"/>
+          </a:xfrm>
+        </p:spPr>
+        <p:txBody>
+          <a:bodyPr>
+            <a:normAutofit/>
+          </a:bodyPr>
+          <a:lstStyle/>
+          <a:p>
+            <a:r>
+              <a:rPr lang="zh-CN" altLang="en-US" sz="2000" b="1" dirty="0"/>
+              <a:t>伪代码</a:t>
+            </a:r>
+          </a:p>
+        </p:txBody>
+      </p:sp>
+      <p:sp>
+        <p:nvSpPr>
+          <p:cNvPr id="5" name="内容占位符 4">
+            <a:extLst>
+              <a:ext uri="{FF2B5EF4-FFF2-40B4-BE49-F238E27FC236}">
+                <a16:creationId xmlns:a16="http://schemas.microsoft.com/office/drawing/2014/main" id="{BB3FFAED-CB83-5065-4401-F37EC37CDAF7}"/>
+              </a:ext>
+            </a:extLst>
+          </p:cNvPr>
+          <p:cNvSpPr>
+            <a:spLocks noGrp="1"/>
+          </p:cNvSpPr>
+          <p:nvPr>
+            <p:ph idx="1"/>
+          </p:nvPr>
+        </p:nvSpPr>
+        <p:spPr>
+          <a:xfrm>
+            <a:off x="838200" y="1206631"/>
+            <a:ext cx="10515600" cy="4970332"/>
+          </a:xfrm>
+        </p:spPr>
+        <p:txBody>
+          <a:bodyPr>
+            <a:normAutofit fontScale="85000" lnSpcReduction="20000"/>
+          </a:bodyPr>
+          <a:lstStyle/>
+          <a:p>
+            <a:r>
+              <a:rPr lang="en-US" altLang="zh-CN" sz="1800" dirty="0" err="1"/>
+              <a:t>dp</a:t>
+            </a:r>
+            <a:r>
+              <a:rPr lang="en-US" altLang="zh-CN" sz="1800" dirty="0"/>
+              <a:t>(coins[],</a:t>
+            </a:r>
+            <a:r>
+              <a:rPr lang="en-US" altLang="zh-CN" sz="1800" dirty="0" err="1"/>
+              <a:t>arr</a:t>
+            </a:r>
+            <a:r>
+              <a:rPr lang="en-US" altLang="zh-CN" sz="1800" dirty="0"/>
+              <a:t>[][],all[][]):</a:t>
+            </a:r>
+          </a:p>
+          <a:p>
+            <a:r>
+              <a:rPr lang="en-US" altLang="zh-CN" sz="1800" dirty="0"/>
+              <a:t>    if(length % 2 == 0):</a:t>
+            </a:r>
+          </a:p>
+          <a:p>
+            <a:r>
+              <a:rPr lang="en-US" altLang="zh-CN" sz="1800" dirty="0"/>
+              <a:t>        for each I : </a:t>
+            </a:r>
+            <a:r>
+              <a:rPr lang="en-US" altLang="zh-CN" sz="1800" dirty="0" err="1"/>
+              <a:t>arr</a:t>
+            </a:r>
+            <a:r>
+              <a:rPr lang="en-US" altLang="zh-CN" sz="1800" dirty="0"/>
+              <a:t>[</a:t>
+            </a:r>
+            <a:r>
+              <a:rPr lang="en-US" altLang="zh-CN" sz="1800" dirty="0" err="1"/>
+              <a:t>i</a:t>
+            </a:r>
+            <a:r>
+              <a:rPr lang="en-US" altLang="zh-CN" sz="1800" dirty="0"/>
+              <a:t>][</a:t>
+            </a:r>
+            <a:r>
+              <a:rPr lang="en-US" altLang="zh-CN" sz="1800" dirty="0" err="1"/>
+              <a:t>i</a:t>
+            </a:r>
+            <a:r>
+              <a:rPr lang="en-US" altLang="zh-CN" sz="1800" dirty="0"/>
+              <a:t>] = coins[</a:t>
+            </a:r>
+            <a:r>
+              <a:rPr lang="en-US" altLang="zh-CN" sz="1800" dirty="0" err="1"/>
+              <a:t>i</a:t>
+            </a:r>
+            <a:r>
+              <a:rPr lang="en-US" altLang="zh-CN" sz="1800" dirty="0"/>
+              <a:t>];//</a:t>
+            </a:r>
+            <a:r>
+              <a:rPr lang="zh-CN" altLang="en-US" sz="1800" dirty="0"/>
+              <a:t>预处理</a:t>
+            </a:r>
+            <a:endParaRPr lang="en-US" altLang="zh-CN" sz="1800" dirty="0"/>
+          </a:p>
+          <a:p>
+            <a:r>
+              <a:rPr lang="en-US" altLang="zh-CN" sz="1800" dirty="0"/>
+              <a:t>    int step = 1;//</a:t>
+            </a:r>
+            <a:r>
+              <a:rPr lang="zh-CN" altLang="en-US" sz="1800" dirty="0"/>
+              <a:t>罐子间隔</a:t>
+            </a:r>
+            <a:endParaRPr lang="en-US" altLang="zh-CN" sz="1800" dirty="0"/>
+          </a:p>
+          <a:p>
+            <a:r>
+              <a:rPr lang="en-US" altLang="zh-CN" sz="1800" dirty="0"/>
+              <a:t>    while(step&lt;length):</a:t>
+            </a:r>
+          </a:p>
+          <a:p>
+            <a:r>
+              <a:rPr lang="en-US" altLang="zh-CN" sz="1800" dirty="0"/>
+              <a:t>        for I = 0 to </a:t>
+            </a:r>
+            <a:r>
+              <a:rPr lang="en-US" altLang="zh-CN" sz="1800" dirty="0" err="1"/>
+              <a:t>i+step</a:t>
+            </a:r>
+            <a:r>
+              <a:rPr lang="en-US" altLang="zh-CN" sz="1800" dirty="0"/>
+              <a:t>&lt;length:</a:t>
+            </a:r>
+          </a:p>
+          <a:p>
+            <a:r>
+              <a:rPr lang="en-US" altLang="zh-CN" sz="1800" dirty="0"/>
+              <a:t>            j = </a:t>
+            </a:r>
+            <a:r>
+              <a:rPr lang="en-US" altLang="zh-CN" sz="1800" dirty="0" err="1"/>
+              <a:t>i+step</a:t>
+            </a:r>
+            <a:r>
+              <a:rPr lang="en-US" altLang="zh-CN" sz="1800" dirty="0"/>
+              <a:t>;</a:t>
+            </a:r>
+          </a:p>
+          <a:p>
+            <a:r>
+              <a:rPr lang="en-US" altLang="zh-CN" sz="1800" dirty="0"/>
+              <a:t>            if((length – step) % 2 == 0): //</a:t>
+            </a:r>
+            <a:r>
+              <a:rPr lang="zh-CN" altLang="en-US" sz="1800" dirty="0"/>
+              <a:t>判别谁在走</a:t>
+            </a:r>
+            <a:endParaRPr lang="en-US" altLang="zh-CN" sz="1800" dirty="0"/>
+          </a:p>
+          <a:p>
+            <a:r>
+              <a:rPr lang="en-US" altLang="zh-CN" sz="1800" dirty="0"/>
+              <a:t>                if(mud[</a:t>
+            </a:r>
+            <a:r>
+              <a:rPr lang="en-US" altLang="zh-CN" sz="1800" dirty="0" err="1"/>
+              <a:t>i</a:t>
+            </a:r>
+            <a:r>
+              <a:rPr lang="en-US" altLang="zh-CN" sz="1800" dirty="0"/>
+              <a:t>] + </a:t>
+            </a:r>
+            <a:r>
+              <a:rPr lang="en-US" altLang="zh-CN" sz="1800" dirty="0" err="1"/>
+              <a:t>arr</a:t>
+            </a:r>
+            <a:r>
+              <a:rPr lang="en-US" altLang="zh-CN" sz="1800" dirty="0"/>
+              <a:t>[i+1][j] &gt; mud[j] + </a:t>
+            </a:r>
+            <a:r>
+              <a:rPr lang="en-US" altLang="zh-CN" sz="1800" dirty="0" err="1"/>
+              <a:t>arr</a:t>
+            </a:r>
+            <a:r>
+              <a:rPr lang="en-US" altLang="zh-CN" sz="1800" dirty="0"/>
+              <a:t>[</a:t>
+            </a:r>
+            <a:r>
+              <a:rPr lang="en-US" altLang="zh-CN" sz="1800" dirty="0" err="1"/>
+              <a:t>i</a:t>
+            </a:r>
+            <a:r>
+              <a:rPr lang="en-US" altLang="zh-CN" sz="1800" dirty="0"/>
+              <a:t>][j-1])//A</a:t>
+            </a:r>
+            <a:br>
+              <a:rPr lang="en-US" altLang="zh-CN" sz="1800" dirty="0"/>
+            </a:br>
+            <a:r>
+              <a:rPr lang="en-US" altLang="zh-CN" sz="1800" dirty="0"/>
+              <a:t>                    </a:t>
+            </a:r>
+            <a:r>
+              <a:rPr lang="en-US" altLang="zh-CN" sz="1800" dirty="0" err="1"/>
+              <a:t>arr</a:t>
+            </a:r>
+            <a:r>
+              <a:rPr lang="en-US" altLang="zh-CN" sz="1800" dirty="0"/>
+              <a:t>[</a:t>
+            </a:r>
+            <a:r>
+              <a:rPr lang="en-US" altLang="zh-CN" sz="1800" dirty="0" err="1"/>
+              <a:t>i</a:t>
+            </a:r>
+            <a:r>
+              <a:rPr lang="en-US" altLang="zh-CN" sz="1800" dirty="0"/>
+              <a:t>][j] = mud[</a:t>
+            </a:r>
+            <a:r>
+              <a:rPr lang="en-US" altLang="zh-CN" sz="1800" dirty="0" err="1"/>
+              <a:t>i</a:t>
+            </a:r>
+            <a:r>
+              <a:rPr lang="en-US" altLang="zh-CN" sz="1800" dirty="0"/>
+              <a:t>] + </a:t>
+            </a:r>
+            <a:r>
+              <a:rPr lang="en-US" altLang="zh-CN" sz="1800" dirty="0" err="1"/>
+              <a:t>arr</a:t>
+            </a:r>
+            <a:r>
+              <a:rPr lang="en-US" altLang="zh-CN" sz="1800" dirty="0"/>
+              <a:t>[i+1][j];</a:t>
+            </a:r>
+          </a:p>
+          <a:p>
+            <a:r>
+              <a:rPr lang="en-US" altLang="zh-CN" sz="1800" dirty="0"/>
+              <a:t>                else:</a:t>
+            </a:r>
+          </a:p>
+          <a:p>
+            <a:r>
+              <a:rPr lang="en-US" altLang="zh-CN" sz="1800" dirty="0"/>
+              <a:t>                    </a:t>
+            </a:r>
+            <a:r>
+              <a:rPr lang="en-US" altLang="zh-CN" sz="1800" dirty="0" err="1"/>
+              <a:t>arr</a:t>
+            </a:r>
+            <a:r>
+              <a:rPr lang="en-US" altLang="zh-CN" sz="1800" dirty="0"/>
+              <a:t>[</a:t>
+            </a:r>
+            <a:r>
+              <a:rPr lang="en-US" altLang="zh-CN" sz="1800" dirty="0" err="1"/>
+              <a:t>i</a:t>
+            </a:r>
+            <a:r>
+              <a:rPr lang="en-US" altLang="zh-CN" sz="1800" dirty="0"/>
+              <a:t>][j] = mud[j] + </a:t>
+            </a:r>
+            <a:r>
+              <a:rPr lang="en-US" altLang="zh-CN" sz="1800" dirty="0" err="1"/>
+              <a:t>arr</a:t>
+            </a:r>
+            <a:r>
+              <a:rPr lang="en-US" altLang="zh-CN" sz="1800" dirty="0"/>
+              <a:t>[</a:t>
+            </a:r>
+            <a:r>
+              <a:rPr lang="en-US" altLang="zh-CN" sz="1800" dirty="0" err="1"/>
+              <a:t>i</a:t>
+            </a:r>
+            <a:r>
+              <a:rPr lang="en-US" altLang="zh-CN" sz="1800" dirty="0"/>
+              <a:t>][j-1];</a:t>
+            </a:r>
+          </a:p>
+          <a:p>
+            <a:r>
+              <a:rPr lang="en-US" altLang="zh-CN" sz="1800" dirty="0"/>
+              <a:t>            else:</a:t>
+            </a:r>
+          </a:p>
+          <a:p>
+            <a:r>
+              <a:rPr lang="en-US" altLang="zh-CN" sz="1800" dirty="0"/>
+              <a:t>                if(mud[</a:t>
+            </a:r>
+            <a:r>
+              <a:rPr lang="en-US" altLang="zh-CN" sz="1800" dirty="0" err="1"/>
+              <a:t>i</a:t>
+            </a:r>
+            <a:r>
+              <a:rPr lang="en-US" altLang="zh-CN" sz="1800" dirty="0"/>
+              <a:t>] + </a:t>
+            </a:r>
+            <a:r>
+              <a:rPr lang="en-US" altLang="zh-CN" sz="1800" dirty="0" err="1"/>
+              <a:t>cjj</a:t>
+            </a:r>
+            <a:r>
+              <a:rPr lang="en-US" altLang="zh-CN" sz="1800" dirty="0"/>
+              <a:t>[i+1][j] -  </a:t>
+            </a:r>
+            <a:r>
+              <a:rPr lang="en-US" altLang="zh-CN" sz="1800" dirty="0" err="1"/>
+              <a:t>arr</a:t>
+            </a:r>
+            <a:r>
+              <a:rPr lang="en-US" altLang="zh-CN" sz="1800" dirty="0"/>
+              <a:t>[i+1][j] &gt; mud[j] + </a:t>
+            </a:r>
+            <a:r>
+              <a:rPr lang="en-US" altLang="zh-CN" sz="1800" dirty="0" err="1"/>
+              <a:t>cjj</a:t>
+            </a:r>
+            <a:r>
+              <a:rPr lang="en-US" altLang="zh-CN" sz="1800" dirty="0"/>
+              <a:t>[</a:t>
+            </a:r>
+            <a:r>
+              <a:rPr lang="en-US" altLang="zh-CN" sz="1800" dirty="0" err="1"/>
+              <a:t>i</a:t>
+            </a:r>
+            <a:r>
+              <a:rPr lang="en-US" altLang="zh-CN" sz="1800" dirty="0"/>
+              <a:t>][j-1] - </a:t>
+            </a:r>
+            <a:r>
+              <a:rPr lang="en-US" altLang="zh-CN" sz="1800" dirty="0" err="1"/>
+              <a:t>arr</a:t>
+            </a:r>
+            <a:r>
+              <a:rPr lang="en-US" altLang="zh-CN" sz="1800" dirty="0"/>
+              <a:t>[</a:t>
+            </a:r>
+            <a:r>
+              <a:rPr lang="en-US" altLang="zh-CN" sz="1800" dirty="0" err="1"/>
+              <a:t>i</a:t>
+            </a:r>
+            <a:r>
+              <a:rPr lang="en-US" altLang="zh-CN" sz="1800" dirty="0"/>
+              <a:t>][j-1])://B</a:t>
+            </a:r>
+          </a:p>
+          <a:p>
+            <a:r>
+              <a:rPr lang="en-US" altLang="zh-CN" sz="1800" dirty="0"/>
+              <a:t>                    </a:t>
+            </a:r>
+            <a:r>
+              <a:rPr lang="en-US" altLang="zh-CN" sz="1800" dirty="0" err="1"/>
+              <a:t>arr</a:t>
+            </a:r>
+            <a:r>
+              <a:rPr lang="en-US" altLang="zh-CN" sz="1800" dirty="0"/>
+              <a:t>[</a:t>
+            </a:r>
+            <a:r>
+              <a:rPr lang="en-US" altLang="zh-CN" sz="1800" dirty="0" err="1"/>
+              <a:t>i</a:t>
+            </a:r>
+            <a:r>
+              <a:rPr lang="en-US" altLang="zh-CN" sz="1800" dirty="0"/>
+              <a:t>][j] = mud[</a:t>
+            </a:r>
+            <a:r>
+              <a:rPr lang="en-US" altLang="zh-CN" sz="1800" dirty="0" err="1"/>
+              <a:t>i</a:t>
+            </a:r>
+            <a:r>
+              <a:rPr lang="en-US" altLang="zh-CN" sz="1800" dirty="0"/>
+              <a:t>] + </a:t>
+            </a:r>
+            <a:r>
+              <a:rPr lang="en-US" altLang="zh-CN" sz="1800" dirty="0" err="1"/>
+              <a:t>arr</a:t>
+            </a:r>
+            <a:r>
+              <a:rPr lang="en-US" altLang="zh-CN" sz="1800" dirty="0"/>
+              <a:t>[i+1][j];</a:t>
+            </a:r>
+          </a:p>
+          <a:p>
+            <a:r>
+              <a:rPr lang="en-US" altLang="zh-CN" sz="1800" dirty="0"/>
+              <a:t>                else:</a:t>
+            </a:r>
+          </a:p>
+          <a:p>
+            <a:r>
+              <a:rPr lang="en-US" altLang="zh-CN" sz="1800" dirty="0"/>
+              <a:t>                    </a:t>
+            </a:r>
+            <a:r>
+              <a:rPr lang="en-US" altLang="zh-CN" sz="1800" dirty="0" err="1"/>
+              <a:t>arr</a:t>
+            </a:r>
+            <a:r>
+              <a:rPr lang="en-US" altLang="zh-CN" sz="1800" dirty="0"/>
+              <a:t>[</a:t>
+            </a:r>
+            <a:r>
+              <a:rPr lang="en-US" altLang="zh-CN" sz="1800" dirty="0" err="1"/>
+              <a:t>i</a:t>
+            </a:r>
+            <a:r>
+              <a:rPr lang="en-US" altLang="zh-CN" sz="1800" dirty="0"/>
+              <a:t>][j] = mud[j] + </a:t>
+            </a:r>
+            <a:r>
+              <a:rPr lang="en-US" altLang="zh-CN" sz="1800" dirty="0" err="1"/>
+              <a:t>arr</a:t>
+            </a:r>
+            <a:r>
+              <a:rPr lang="en-US" altLang="zh-CN" sz="1800" dirty="0"/>
+              <a:t>[</a:t>
+            </a:r>
+            <a:r>
+              <a:rPr lang="en-US" altLang="zh-CN" sz="1800" dirty="0" err="1"/>
+              <a:t>i</a:t>
+            </a:r>
+            <a:r>
+              <a:rPr lang="en-US" altLang="zh-CN" sz="1800" dirty="0"/>
+              <a:t>][j-1];</a:t>
+            </a:r>
+          </a:p>
+          <a:p>
+            <a:endParaRPr lang="en-US" altLang="zh-CN" sz="1800" dirty="0"/>
+          </a:p>
+        </p:txBody>
+      </p:sp>
+    </p:spTree>
+    <p:extLst>
+      <p:ext uri="{BB962C8B-B14F-4D97-AF65-F5344CB8AC3E}">
+        <p14:creationId xmlns:p14="http://schemas.microsoft.com/office/powerpoint/2010/main" val="1605633850"/>
+      </p:ext>
+    </p:extLst>
+  </p:cSld>
+  <p:clrMapOvr>
+    <a:masterClrMapping/>
+  </p:clrMapOvr>
+</p:sld>
+</file>
+
 <file path=ppt/slides/slide7.xml><?xml version="1.0" encoding="utf-8"?>
 <p:sld xmlns:a="http://schemas.openxmlformats.org/drawingml/2006/main" xmlns:r="http://schemas.openxmlformats.org/officeDocument/2006/relationships" xmlns:p="http://schemas.openxmlformats.org/presentationml/2006/main">
   <p:cSld>
@@ -4925,7 +4785,7 @@
           <p:cNvPr id="2" name="标题 1">
             <a:extLst>
               <a:ext uri="{FF2B5EF4-FFF2-40B4-BE49-F238E27FC236}">
-                <a16:creationId xmlns:a16="http://schemas.microsoft.com/office/drawing/2014/main" id="{07AB8665-A181-E2EF-604D-B386AE238EC4}"/>
+                <a16:creationId xmlns:a16="http://schemas.microsoft.com/office/drawing/2014/main" id="{95E9FA4D-FC96-65D3-3632-42D71A3C6F39}"/>
               </a:ext>
             </a:extLst>
           </p:cNvPr>
@@ -4936,31 +4796,21 @@
             <p:ph type="title"/>
           </p:nvPr>
         </p:nvSpPr>
-        <p:spPr>
-          <a:xfrm>
-            <a:off x="838200" y="365125"/>
-            <a:ext cx="10515600" cy="756665"/>
-          </a:xfrm>
-        </p:spPr>
-        <p:txBody>
-          <a:bodyPr>
-            <a:normAutofit/>
-          </a:bodyPr>
-          <a:lstStyle/>
-          <a:p>
-            <a:r>
-              <a:rPr lang="zh-CN" altLang="en-US" sz="2000" b="1" dirty="0"/>
-              <a:t>伪代码</a:t>
-            </a:r>
-          </a:p>
-        </p:txBody>
-      </p:sp>
-      <p:sp>
-        <p:nvSpPr>
-          <p:cNvPr id="5" name="内容占位符 4">
-            <a:extLst>
-              <a:ext uri="{FF2B5EF4-FFF2-40B4-BE49-F238E27FC236}">
-                <a16:creationId xmlns:a16="http://schemas.microsoft.com/office/drawing/2014/main" id="{BB3FFAED-CB83-5065-4401-F37EC37CDAF7}"/>
+        <p:spPr/>
+        <p:txBody>
+          <a:bodyPr/>
+          <a:lstStyle/>
+          <a:p>
+            <a:endParaRPr lang="zh-CN" altLang="en-US"/>
+          </a:p>
+        </p:txBody>
+      </p:sp>
+      <p:sp>
+        <p:nvSpPr>
+          <p:cNvPr id="3" name="内容占位符 2">
+            <a:extLst>
+              <a:ext uri="{FF2B5EF4-FFF2-40B4-BE49-F238E27FC236}">
+                <a16:creationId xmlns:a16="http://schemas.microsoft.com/office/drawing/2014/main" id="{513D8CFA-4E55-AA6F-8018-B2623A25CAD0}"/>
               </a:ext>
             </a:extLst>
           </p:cNvPr>
@@ -4971,996 +4821,19 @@
             <p:ph idx="1"/>
           </p:nvPr>
         </p:nvSpPr>
-        <p:spPr>
-          <a:xfrm>
-            <a:off x="838200" y="1206631"/>
-            <a:ext cx="10515600" cy="4970332"/>
-          </a:xfrm>
-        </p:spPr>
-        <p:txBody>
-          <a:bodyPr>
-            <a:normAutofit fontScale="70000" lnSpcReduction="20000"/>
-          </a:bodyPr>
-          <a:lstStyle/>
-          <a:p>
-            <a:r>
-              <a:rPr lang="en-US" altLang="zh-CN" sz="1800" dirty="0"/>
-              <a:t>Return </a:t>
-            </a:r>
-            <a:r>
-              <a:rPr lang="en-US" altLang="zh-CN" sz="1800" dirty="0" err="1"/>
-              <a:t>arr</a:t>
-            </a:r>
-            <a:r>
-              <a:rPr lang="en-US" altLang="zh-CN" sz="1800" dirty="0"/>
-              <a:t>[0][arr.length-1];</a:t>
-            </a:r>
-          </a:p>
-          <a:p>
-            <a:endParaRPr lang="en-US" altLang="zh-CN" sz="1800" dirty="0"/>
-          </a:p>
-          <a:p>
-            <a:r>
-              <a:rPr lang="en-US" altLang="zh-CN" sz="1800" dirty="0" err="1"/>
-              <a:t>dp</a:t>
-            </a:r>
-            <a:r>
-              <a:rPr lang="en-US" altLang="zh-CN" sz="1800" dirty="0"/>
-              <a:t>(coins[],</a:t>
-            </a:r>
-            <a:r>
-              <a:rPr lang="en-US" altLang="zh-CN" sz="1800" dirty="0" err="1"/>
-              <a:t>arr</a:t>
-            </a:r>
-            <a:r>
-              <a:rPr lang="en-US" altLang="zh-CN" sz="1800" dirty="0"/>
-              <a:t>[][],all[][]):</a:t>
-            </a:r>
-          </a:p>
-          <a:p>
-            <a:r>
-              <a:rPr lang="en-US" altLang="zh-CN" sz="1800" dirty="0"/>
-              <a:t>    if(length % 2 == 0):</a:t>
-            </a:r>
-          </a:p>
-          <a:p>
-            <a:r>
-              <a:rPr lang="en-US" altLang="zh-CN" sz="1800" dirty="0"/>
-              <a:t>        for each I : </a:t>
-            </a:r>
-            <a:r>
-              <a:rPr lang="en-US" altLang="zh-CN" sz="1800" dirty="0" err="1"/>
-              <a:t>arr</a:t>
-            </a:r>
-            <a:r>
-              <a:rPr lang="en-US" altLang="zh-CN" sz="1800" dirty="0"/>
-              <a:t>[</a:t>
-            </a:r>
-            <a:r>
-              <a:rPr lang="en-US" altLang="zh-CN" sz="1800" dirty="0" err="1"/>
-              <a:t>i</a:t>
-            </a:r>
-            <a:r>
-              <a:rPr lang="en-US" altLang="zh-CN" sz="1800" dirty="0"/>
-              <a:t>][</a:t>
-            </a:r>
-            <a:r>
-              <a:rPr lang="en-US" altLang="zh-CN" sz="1800" dirty="0" err="1"/>
-              <a:t>i</a:t>
-            </a:r>
-            <a:r>
-              <a:rPr lang="en-US" altLang="zh-CN" sz="1800" dirty="0"/>
-              <a:t>] = coins[</a:t>
-            </a:r>
-            <a:r>
-              <a:rPr lang="en-US" altLang="zh-CN" sz="1800" dirty="0" err="1"/>
-              <a:t>i</a:t>
-            </a:r>
-            <a:r>
-              <a:rPr lang="en-US" altLang="zh-CN" sz="1800" dirty="0"/>
-              <a:t>];//</a:t>
-            </a:r>
-            <a:r>
-              <a:rPr lang="zh-CN" altLang="en-US" sz="1800" dirty="0"/>
-              <a:t>预处理</a:t>
-            </a:r>
-            <a:endParaRPr lang="en-US" altLang="zh-CN" sz="1800" dirty="0"/>
-          </a:p>
-          <a:p>
-            <a:r>
-              <a:rPr lang="en-US" altLang="zh-CN" sz="1800" dirty="0"/>
-              <a:t>    int step = 1;//</a:t>
-            </a:r>
-            <a:r>
-              <a:rPr lang="zh-CN" altLang="en-US" sz="1800" dirty="0"/>
-              <a:t>罐子间隔</a:t>
-            </a:r>
-            <a:endParaRPr lang="en-US" altLang="zh-CN" sz="1800" dirty="0"/>
-          </a:p>
-          <a:p>
-            <a:r>
-              <a:rPr lang="en-US" altLang="zh-CN" sz="1800" dirty="0"/>
-              <a:t>    while(step&lt;length):</a:t>
-            </a:r>
-          </a:p>
-          <a:p>
-            <a:r>
-              <a:rPr lang="en-US" altLang="zh-CN" sz="1800" dirty="0"/>
-              <a:t>        for I = 0 to </a:t>
-            </a:r>
-            <a:r>
-              <a:rPr lang="en-US" altLang="zh-CN" sz="1800" dirty="0" err="1"/>
-              <a:t>i+step</a:t>
-            </a:r>
-            <a:r>
-              <a:rPr lang="en-US" altLang="zh-CN" sz="1800" dirty="0"/>
-              <a:t>&lt;length:</a:t>
-            </a:r>
-          </a:p>
-          <a:p>
-            <a:r>
-              <a:rPr lang="en-US" altLang="zh-CN" sz="1800" dirty="0"/>
-              <a:t>            j = </a:t>
-            </a:r>
-            <a:r>
-              <a:rPr lang="en-US" altLang="zh-CN" sz="1800" dirty="0" err="1"/>
-              <a:t>i+step</a:t>
-            </a:r>
-            <a:r>
-              <a:rPr lang="en-US" altLang="zh-CN" sz="1800" dirty="0"/>
-              <a:t>;</a:t>
-            </a:r>
-          </a:p>
-          <a:p>
-            <a:r>
-              <a:rPr lang="en-US" altLang="zh-CN" sz="1800" dirty="0"/>
-              <a:t>            if((length – step) % 2 == 0): //</a:t>
-            </a:r>
-            <a:r>
-              <a:rPr lang="zh-CN" altLang="en-US" sz="1800" dirty="0"/>
-              <a:t>判别谁在走</a:t>
-            </a:r>
-            <a:endParaRPr lang="en-US" altLang="zh-CN" sz="1800" dirty="0"/>
-          </a:p>
-          <a:p>
-            <a:r>
-              <a:rPr lang="en-US" altLang="zh-CN" sz="1800" dirty="0"/>
-              <a:t>                if(mud[</a:t>
-            </a:r>
-            <a:r>
-              <a:rPr lang="en-US" altLang="zh-CN" sz="1800" dirty="0" err="1"/>
-              <a:t>i</a:t>
-            </a:r>
-            <a:r>
-              <a:rPr lang="en-US" altLang="zh-CN" sz="1800" dirty="0"/>
-              <a:t>] + </a:t>
-            </a:r>
-            <a:r>
-              <a:rPr lang="en-US" altLang="zh-CN" sz="1800" dirty="0" err="1"/>
-              <a:t>arr</a:t>
-            </a:r>
-            <a:r>
-              <a:rPr lang="en-US" altLang="zh-CN" sz="1800" dirty="0"/>
-              <a:t>[i+1][j] &gt; mud[j] + </a:t>
-            </a:r>
-            <a:r>
-              <a:rPr lang="en-US" altLang="zh-CN" sz="1800" dirty="0" err="1"/>
-              <a:t>arr</a:t>
-            </a:r>
-            <a:r>
-              <a:rPr lang="en-US" altLang="zh-CN" sz="1800" dirty="0"/>
-              <a:t>[</a:t>
-            </a:r>
-            <a:r>
-              <a:rPr lang="en-US" altLang="zh-CN" sz="1800" dirty="0" err="1"/>
-              <a:t>i</a:t>
-            </a:r>
-            <a:r>
-              <a:rPr lang="en-US" altLang="zh-CN" sz="1800" dirty="0"/>
-              <a:t>][j-1])//A</a:t>
-            </a:r>
-            <a:br>
-              <a:rPr lang="en-US" altLang="zh-CN" sz="1800" dirty="0"/>
-            </a:br>
-            <a:r>
-              <a:rPr lang="en-US" altLang="zh-CN" sz="1800" dirty="0"/>
-              <a:t>                    </a:t>
-            </a:r>
-            <a:r>
-              <a:rPr lang="en-US" altLang="zh-CN" sz="1800" dirty="0" err="1"/>
-              <a:t>arr</a:t>
-            </a:r>
-            <a:r>
-              <a:rPr lang="en-US" altLang="zh-CN" sz="1800" dirty="0"/>
-              <a:t>[</a:t>
-            </a:r>
-            <a:r>
-              <a:rPr lang="en-US" altLang="zh-CN" sz="1800" dirty="0" err="1"/>
-              <a:t>i</a:t>
-            </a:r>
-            <a:r>
-              <a:rPr lang="en-US" altLang="zh-CN" sz="1800" dirty="0"/>
-              <a:t>][j] = mud[</a:t>
-            </a:r>
-            <a:r>
-              <a:rPr lang="en-US" altLang="zh-CN" sz="1800" dirty="0" err="1"/>
-              <a:t>i</a:t>
-            </a:r>
-            <a:r>
-              <a:rPr lang="en-US" altLang="zh-CN" sz="1800" dirty="0"/>
-              <a:t>] + </a:t>
-            </a:r>
-            <a:r>
-              <a:rPr lang="en-US" altLang="zh-CN" sz="1800" dirty="0" err="1"/>
-              <a:t>arr</a:t>
-            </a:r>
-            <a:r>
-              <a:rPr lang="en-US" altLang="zh-CN" sz="1800" dirty="0"/>
-              <a:t>[i+1][j];</a:t>
-            </a:r>
-          </a:p>
-          <a:p>
-            <a:r>
-              <a:rPr lang="en-US" altLang="zh-CN" sz="1800" dirty="0"/>
-              <a:t>                else:</a:t>
-            </a:r>
-          </a:p>
-          <a:p>
-            <a:r>
-              <a:rPr lang="en-US" altLang="zh-CN" sz="1800" dirty="0"/>
-              <a:t>                    </a:t>
-            </a:r>
-            <a:r>
-              <a:rPr lang="en-US" altLang="zh-CN" sz="1800" dirty="0" err="1"/>
-              <a:t>arr</a:t>
-            </a:r>
-            <a:r>
-              <a:rPr lang="en-US" altLang="zh-CN" sz="1800" dirty="0"/>
-              <a:t>[</a:t>
-            </a:r>
-            <a:r>
-              <a:rPr lang="en-US" altLang="zh-CN" sz="1800" dirty="0" err="1"/>
-              <a:t>i</a:t>
-            </a:r>
-            <a:r>
-              <a:rPr lang="en-US" altLang="zh-CN" sz="1800" dirty="0"/>
-              <a:t>][j] = mud[j] + </a:t>
-            </a:r>
-            <a:r>
-              <a:rPr lang="en-US" altLang="zh-CN" sz="1800" dirty="0" err="1"/>
-              <a:t>arr</a:t>
-            </a:r>
-            <a:r>
-              <a:rPr lang="en-US" altLang="zh-CN" sz="1800" dirty="0"/>
-              <a:t>[</a:t>
-            </a:r>
-            <a:r>
-              <a:rPr lang="en-US" altLang="zh-CN" sz="1800" dirty="0" err="1"/>
-              <a:t>i</a:t>
-            </a:r>
-            <a:r>
-              <a:rPr lang="en-US" altLang="zh-CN" sz="1800" dirty="0"/>
-              <a:t>][j-1];</a:t>
-            </a:r>
-          </a:p>
-          <a:p>
-            <a:r>
-              <a:rPr lang="en-US" altLang="zh-CN" sz="1800" dirty="0"/>
-              <a:t>            else:</a:t>
-            </a:r>
-          </a:p>
-          <a:p>
-            <a:r>
-              <a:rPr lang="en-US" altLang="zh-CN" sz="1800" dirty="0"/>
-              <a:t>                if(mud[</a:t>
-            </a:r>
-            <a:r>
-              <a:rPr lang="en-US" altLang="zh-CN" sz="1800" dirty="0" err="1"/>
-              <a:t>i</a:t>
-            </a:r>
-            <a:r>
-              <a:rPr lang="en-US" altLang="zh-CN" sz="1800" dirty="0"/>
-              <a:t>] + </a:t>
-            </a:r>
-            <a:r>
-              <a:rPr lang="en-US" altLang="zh-CN" sz="1800" dirty="0" err="1"/>
-              <a:t>cjj</a:t>
-            </a:r>
-            <a:r>
-              <a:rPr lang="en-US" altLang="zh-CN" sz="1800" dirty="0"/>
-              <a:t>[i+1][j] -  </a:t>
-            </a:r>
-            <a:r>
-              <a:rPr lang="en-US" altLang="zh-CN" sz="1800" dirty="0" err="1"/>
-              <a:t>arr</a:t>
-            </a:r>
-            <a:r>
-              <a:rPr lang="en-US" altLang="zh-CN" sz="1800" dirty="0"/>
-              <a:t>[i+1][j] &gt; mud[j] + </a:t>
-            </a:r>
-            <a:r>
-              <a:rPr lang="en-US" altLang="zh-CN" sz="1800" dirty="0" err="1"/>
-              <a:t>cjj</a:t>
-            </a:r>
-            <a:r>
-              <a:rPr lang="en-US" altLang="zh-CN" sz="1800" dirty="0"/>
-              <a:t>[</a:t>
-            </a:r>
-            <a:r>
-              <a:rPr lang="en-US" altLang="zh-CN" sz="1800" dirty="0" err="1"/>
-              <a:t>i</a:t>
-            </a:r>
-            <a:r>
-              <a:rPr lang="en-US" altLang="zh-CN" sz="1800" dirty="0"/>
-              <a:t>][j-1] - </a:t>
-            </a:r>
-            <a:r>
-              <a:rPr lang="en-US" altLang="zh-CN" sz="1800" dirty="0" err="1"/>
-              <a:t>arr</a:t>
-            </a:r>
-            <a:r>
-              <a:rPr lang="en-US" altLang="zh-CN" sz="1800" dirty="0"/>
-              <a:t>[</a:t>
-            </a:r>
-            <a:r>
-              <a:rPr lang="en-US" altLang="zh-CN" sz="1800" dirty="0" err="1"/>
-              <a:t>i</a:t>
-            </a:r>
-            <a:r>
-              <a:rPr lang="en-US" altLang="zh-CN" sz="1800" dirty="0"/>
-              <a:t>][j-1])://B</a:t>
-            </a:r>
-          </a:p>
-          <a:p>
-            <a:r>
-              <a:rPr lang="en-US" altLang="zh-CN" sz="1800" dirty="0"/>
-              <a:t>                    </a:t>
-            </a:r>
-            <a:r>
-              <a:rPr lang="en-US" altLang="zh-CN" sz="1800" dirty="0" err="1"/>
-              <a:t>arr</a:t>
-            </a:r>
-            <a:r>
-              <a:rPr lang="en-US" altLang="zh-CN" sz="1800" dirty="0"/>
-              <a:t>[</a:t>
-            </a:r>
-            <a:r>
-              <a:rPr lang="en-US" altLang="zh-CN" sz="1800" dirty="0" err="1"/>
-              <a:t>i</a:t>
-            </a:r>
-            <a:r>
-              <a:rPr lang="en-US" altLang="zh-CN" sz="1800" dirty="0"/>
-              <a:t>][j] = mud[</a:t>
-            </a:r>
-            <a:r>
-              <a:rPr lang="en-US" altLang="zh-CN" sz="1800" dirty="0" err="1"/>
-              <a:t>i</a:t>
-            </a:r>
-            <a:r>
-              <a:rPr lang="en-US" altLang="zh-CN" sz="1800" dirty="0"/>
-              <a:t>] + </a:t>
-            </a:r>
-            <a:r>
-              <a:rPr lang="en-US" altLang="zh-CN" sz="1800" dirty="0" err="1"/>
-              <a:t>arr</a:t>
-            </a:r>
-            <a:r>
-              <a:rPr lang="en-US" altLang="zh-CN" sz="1800" dirty="0"/>
-              <a:t>[i+1][j];</a:t>
-            </a:r>
-          </a:p>
-          <a:p>
-            <a:r>
-              <a:rPr lang="en-US" altLang="zh-CN" sz="1800" dirty="0"/>
-              <a:t>                else:</a:t>
-            </a:r>
-          </a:p>
-          <a:p>
-            <a:r>
-              <a:rPr lang="en-US" altLang="zh-CN" sz="1800" dirty="0"/>
-              <a:t>                    </a:t>
-            </a:r>
-            <a:r>
-              <a:rPr lang="en-US" altLang="zh-CN" sz="1800" dirty="0" err="1"/>
-              <a:t>arr</a:t>
-            </a:r>
-            <a:r>
-              <a:rPr lang="en-US" altLang="zh-CN" sz="1800" dirty="0"/>
-              <a:t>[</a:t>
-            </a:r>
-            <a:r>
-              <a:rPr lang="en-US" altLang="zh-CN" sz="1800" dirty="0" err="1"/>
-              <a:t>i</a:t>
-            </a:r>
-            <a:r>
-              <a:rPr lang="en-US" altLang="zh-CN" sz="1800" dirty="0"/>
-              <a:t>][j] = mud[j] + </a:t>
-            </a:r>
-            <a:r>
-              <a:rPr lang="en-US" altLang="zh-CN" sz="1800" dirty="0" err="1"/>
-              <a:t>arr</a:t>
-            </a:r>
-            <a:r>
-              <a:rPr lang="en-US" altLang="zh-CN" sz="1800" dirty="0"/>
-              <a:t>[</a:t>
-            </a:r>
-            <a:r>
-              <a:rPr lang="en-US" altLang="zh-CN" sz="1800" dirty="0" err="1"/>
-              <a:t>i</a:t>
-            </a:r>
-            <a:r>
-              <a:rPr lang="en-US" altLang="zh-CN" sz="1800" dirty="0"/>
-              <a:t>][j-1];</a:t>
-            </a:r>
-          </a:p>
-          <a:p>
-            <a:endParaRPr lang="en-US" altLang="zh-CN" sz="1800" dirty="0"/>
+        <p:spPr/>
+        <p:txBody>
+          <a:bodyPr/>
+          <a:lstStyle/>
+          <a:p>
+            <a:endParaRPr lang="zh-CN" altLang="en-US"/>
           </a:p>
         </p:txBody>
       </p:sp>
     </p:spTree>
     <p:extLst>
       <p:ext uri="{BB962C8B-B14F-4D97-AF65-F5344CB8AC3E}">
-        <p14:creationId xmlns:p14="http://schemas.microsoft.com/office/powerpoint/2010/main" val="1605633850"/>
-      </p:ext>
-    </p:extLst>
-  </p:cSld>
-  <p:clrMapOvr>
-    <a:masterClrMapping/>
-  </p:clrMapOvr>
-</p:sld>
-</file>
-
-<file path=ppt/slides/slide8.xml><?xml version="1.0" encoding="utf-8"?>
-<p:sld xmlns:a="http://schemas.openxmlformats.org/drawingml/2006/main" xmlns:r="http://schemas.openxmlformats.org/officeDocument/2006/relationships" xmlns:p="http://schemas.openxmlformats.org/presentationml/2006/main">
-  <p:cSld>
-    <p:spTree>
-      <p:nvGrpSpPr>
-        <p:cNvPr id="1" name=""/>
-        <p:cNvGrpSpPr/>
-        <p:nvPr/>
-      </p:nvGrpSpPr>
-      <p:grpSpPr>
-        <a:xfrm>
-          <a:off x="0" y="0"/>
-          <a:ext cx="0" cy="0"/>
-          <a:chOff x="0" y="0"/>
-          <a:chExt cx="0" cy="0"/>
-        </a:xfrm>
-      </p:grpSpPr>
-      <p:sp>
-        <p:nvSpPr>
-          <p:cNvPr id="2" name="标题 1">
-            <a:extLst>
-              <a:ext uri="{FF2B5EF4-FFF2-40B4-BE49-F238E27FC236}">
-                <a16:creationId xmlns:a16="http://schemas.microsoft.com/office/drawing/2014/main" id="{1FD0465E-2763-4FDC-91D9-C81C70994684}"/>
-              </a:ext>
-            </a:extLst>
-          </p:cNvPr>
-          <p:cNvSpPr>
-            <a:spLocks noGrp="1"/>
-          </p:cNvSpPr>
-          <p:nvPr>
-            <p:ph type="title"/>
-          </p:nvPr>
-        </p:nvSpPr>
-        <p:spPr>
-          <a:xfrm>
-            <a:off x="838200" y="365125"/>
-            <a:ext cx="10515600" cy="540397"/>
-          </a:xfrm>
-        </p:spPr>
-        <p:txBody>
-          <a:bodyPr>
-            <a:normAutofit fontScale="90000"/>
-          </a:bodyPr>
-          <a:lstStyle/>
-          <a:p>
-            <a:r>
-              <a:rPr lang="zh-CN" altLang="en-US" dirty="0"/>
-              <a:t>效率分析</a:t>
-            </a:r>
-          </a:p>
-        </p:txBody>
-      </p:sp>
-      <p:sp>
-        <p:nvSpPr>
-          <p:cNvPr id="3" name="内容占位符 2">
-            <a:extLst>
-              <a:ext uri="{FF2B5EF4-FFF2-40B4-BE49-F238E27FC236}">
-                <a16:creationId xmlns:a16="http://schemas.microsoft.com/office/drawing/2014/main" id="{41F59752-9E4B-4E07-A14E-9241504BA68C}"/>
-              </a:ext>
-            </a:extLst>
-          </p:cNvPr>
-          <p:cNvSpPr>
-            <a:spLocks noGrp="1"/>
-          </p:cNvSpPr>
-          <p:nvPr>
-            <p:ph idx="1"/>
-          </p:nvPr>
-        </p:nvSpPr>
-        <p:spPr>
-          <a:xfrm>
-            <a:off x="838200" y="1233996"/>
-            <a:ext cx="10515600" cy="4942967"/>
-          </a:xfrm>
-        </p:spPr>
-        <p:txBody>
-          <a:bodyPr>
-            <a:normAutofit/>
-          </a:bodyPr>
-          <a:lstStyle/>
-          <a:p>
-            <a:pPr marL="0" indent="0">
-              <a:buNone/>
-            </a:pPr>
-            <a:r>
-              <a:rPr lang="zh-CN" altLang="en-US" sz="1800" dirty="0"/>
-              <a:t>完全求解子问题时，因为</a:t>
-            </a:r>
-            <a:r>
-              <a:rPr lang="en-US" altLang="zh-CN" sz="1800" dirty="0"/>
-              <a:t>L&lt;=R</a:t>
-            </a:r>
-            <a:r>
-              <a:rPr lang="zh-CN" altLang="en-US" sz="1800" dirty="0"/>
-              <a:t>，所以一共要求解</a:t>
-            </a:r>
-            <a:r>
-              <a:rPr lang="en-US" altLang="zh-CN" sz="1800" dirty="0"/>
-              <a:t>n(n+1)/2</a:t>
-            </a:r>
-            <a:r>
-              <a:rPr lang="zh-CN" altLang="en-US" sz="1800" dirty="0"/>
-              <a:t>个子问题，单个子问题求解时间可以视为常数，因此时间复杂度为</a:t>
-            </a:r>
-            <a:r>
-              <a:rPr lang="en-US" altLang="zh-CN" sz="1800" dirty="0"/>
-              <a:t>O</a:t>
-            </a:r>
-            <a:r>
-              <a:rPr lang="zh-CN" altLang="en-US" sz="1800" dirty="0"/>
-              <a:t>（</a:t>
-            </a:r>
-            <a:r>
-              <a:rPr lang="en-US" altLang="zh-CN" sz="1800" dirty="0"/>
-              <a:t>n^2</a:t>
-            </a:r>
-            <a:r>
-              <a:rPr lang="zh-CN" altLang="en-US" sz="1800" dirty="0"/>
-              <a:t>）</a:t>
-            </a:r>
-            <a:endParaRPr lang="en-US" altLang="zh-CN" sz="1800" dirty="0"/>
-          </a:p>
-          <a:p>
-            <a:pPr marL="0" indent="0">
-              <a:buNone/>
-            </a:pPr>
-            <a:endParaRPr lang="en-US" altLang="zh-CN" sz="1800" dirty="0"/>
-          </a:p>
-          <a:p>
-            <a:pPr marL="0" indent="0">
-              <a:buNone/>
-            </a:pPr>
-            <a:r>
-              <a:rPr lang="zh-CN" altLang="en-US" sz="1800" dirty="0"/>
-              <a:t>每个罐子包含的金币数量不会影响子问题的数量和子问题的求解成本，因此金币数量不会对运行时间产生影响</a:t>
-            </a:r>
-            <a:endParaRPr lang="en-US" altLang="zh-CN" sz="1800" dirty="0"/>
-          </a:p>
-          <a:p>
-            <a:pPr marL="0" indent="0">
-              <a:buNone/>
-            </a:pPr>
-            <a:endParaRPr lang="en-US" altLang="zh-CN" sz="1800" dirty="0"/>
-          </a:p>
-          <a:p>
-            <a:pPr marL="0" indent="0">
-              <a:buNone/>
-            </a:pPr>
-            <a:r>
-              <a:rPr lang="zh-CN" altLang="en-US" sz="1800" dirty="0"/>
-              <a:t>但实验数据来看，随着样例规模的增长，运行时间</a:t>
-            </a:r>
-            <a:endParaRPr lang="en-US" altLang="zh-CN" sz="1800" dirty="0"/>
-          </a:p>
-          <a:p>
-            <a:pPr marL="0" indent="0">
-              <a:buNone/>
-            </a:pPr>
-            <a:r>
-              <a:rPr lang="zh-CN" altLang="en-US" sz="1800" dirty="0"/>
-              <a:t>相较于</a:t>
-            </a:r>
-            <a:r>
-              <a:rPr lang="en-US" altLang="zh-CN" sz="1800" dirty="0"/>
-              <a:t>n^2</a:t>
-            </a:r>
-            <a:r>
-              <a:rPr lang="zh-CN" altLang="en-US" sz="1800" dirty="0"/>
-              <a:t>的拟合曲线偏高</a:t>
-            </a:r>
-          </a:p>
-        </p:txBody>
-      </p:sp>
-      <p:pic>
-        <p:nvPicPr>
-          <p:cNvPr id="7" name="图片 6">
-            <a:extLst>
-              <a:ext uri="{FF2B5EF4-FFF2-40B4-BE49-F238E27FC236}">
-                <a16:creationId xmlns:a16="http://schemas.microsoft.com/office/drawing/2014/main" id="{74F12065-8F70-4C13-AC6C-57F0374670AE}"/>
-              </a:ext>
-            </a:extLst>
-          </p:cNvPr>
-          <p:cNvPicPr>
-            <a:picLocks noChangeAspect="1"/>
-          </p:cNvPicPr>
-          <p:nvPr/>
-        </p:nvPicPr>
-        <p:blipFill>
-          <a:blip r:embed="rId3"/>
-          <a:stretch>
-            <a:fillRect/>
-          </a:stretch>
-        </p:blipFill>
-        <p:spPr>
-          <a:xfrm>
-            <a:off x="7696940" y="3705478"/>
-            <a:ext cx="3733826" cy="2896645"/>
-          </a:xfrm>
-          <a:prstGeom prst="rect">
-            <a:avLst/>
-          </a:prstGeom>
-        </p:spPr>
-      </p:pic>
-      <p:pic>
-        <p:nvPicPr>
-          <p:cNvPr id="9" name="图片 8">
-            <a:extLst>
-              <a:ext uri="{FF2B5EF4-FFF2-40B4-BE49-F238E27FC236}">
-                <a16:creationId xmlns:a16="http://schemas.microsoft.com/office/drawing/2014/main" id="{113C62CB-58D6-4EAB-A2FE-434B58174E98}"/>
-              </a:ext>
-            </a:extLst>
-          </p:cNvPr>
-          <p:cNvPicPr>
-            <a:picLocks noChangeAspect="1"/>
-          </p:cNvPicPr>
-          <p:nvPr/>
-        </p:nvPicPr>
-        <p:blipFill>
-          <a:blip r:embed="rId4"/>
-          <a:stretch>
-            <a:fillRect/>
-          </a:stretch>
-        </p:blipFill>
-        <p:spPr>
-          <a:xfrm>
-            <a:off x="3784263" y="3705478"/>
-            <a:ext cx="3912677" cy="3063173"/>
-          </a:xfrm>
-          <a:prstGeom prst="rect">
-            <a:avLst/>
-          </a:prstGeom>
-        </p:spPr>
-      </p:pic>
-    </p:spTree>
-    <p:extLst>
-      <p:ext uri="{BB962C8B-B14F-4D97-AF65-F5344CB8AC3E}">
-        <p14:creationId xmlns:p14="http://schemas.microsoft.com/office/powerpoint/2010/main" val="1262093669"/>
-      </p:ext>
-    </p:extLst>
-  </p:cSld>
-  <p:clrMapOvr>
-    <a:masterClrMapping/>
-  </p:clrMapOvr>
-</p:sld>
-</file>
-
-<file path=ppt/slides/slide9.xml><?xml version="1.0" encoding="utf-8"?>
-<p:sld xmlns:a="http://schemas.openxmlformats.org/drawingml/2006/main" xmlns:r="http://schemas.openxmlformats.org/officeDocument/2006/relationships" xmlns:p="http://schemas.openxmlformats.org/presentationml/2006/main">
-  <p:cSld>
-    <p:spTree>
-      <p:nvGrpSpPr>
-        <p:cNvPr id="1" name=""/>
-        <p:cNvGrpSpPr/>
-        <p:nvPr/>
-      </p:nvGrpSpPr>
-      <p:grpSpPr>
-        <a:xfrm>
-          <a:off x="0" y="0"/>
-          <a:ext cx="0" cy="0"/>
-          <a:chOff x="0" y="0"/>
-          <a:chExt cx="0" cy="0"/>
-        </a:xfrm>
-      </p:grpSpPr>
-      <p:sp>
-        <p:nvSpPr>
-          <p:cNvPr id="2" name="标题 1">
-            <a:extLst>
-              <a:ext uri="{FF2B5EF4-FFF2-40B4-BE49-F238E27FC236}">
-                <a16:creationId xmlns:a16="http://schemas.microsoft.com/office/drawing/2014/main" id="{0FBE7E2D-D1D4-454F-9091-9BA0286D7D81}"/>
-              </a:ext>
-            </a:extLst>
-          </p:cNvPr>
-          <p:cNvSpPr>
-            <a:spLocks noGrp="1"/>
-          </p:cNvSpPr>
-          <p:nvPr>
-            <p:ph type="title"/>
-          </p:nvPr>
-        </p:nvSpPr>
-        <p:spPr/>
-        <p:txBody>
-          <a:bodyPr>
-            <a:normAutofit/>
-          </a:bodyPr>
-          <a:lstStyle/>
-          <a:p>
-            <a:r>
-              <a:rPr lang="zh-CN" altLang="en-US" sz="2800" b="1" dirty="0"/>
-              <a:t>尝试优化</a:t>
-            </a:r>
-          </a:p>
-        </p:txBody>
-      </p:sp>
-      <p:sp>
-        <p:nvSpPr>
-          <p:cNvPr id="3" name="内容占位符 2">
-            <a:extLst>
-              <a:ext uri="{FF2B5EF4-FFF2-40B4-BE49-F238E27FC236}">
-                <a16:creationId xmlns:a16="http://schemas.microsoft.com/office/drawing/2014/main" id="{9791FAC8-C48E-4DB3-B26E-3811120C9F0B}"/>
-              </a:ext>
-            </a:extLst>
-          </p:cNvPr>
-          <p:cNvSpPr>
-            <a:spLocks noGrp="1"/>
-          </p:cNvSpPr>
-          <p:nvPr>
-            <p:ph idx="1"/>
-          </p:nvPr>
-        </p:nvSpPr>
-        <p:spPr/>
-        <p:txBody>
-          <a:bodyPr>
-            <a:normAutofit/>
-          </a:bodyPr>
-          <a:lstStyle/>
-          <a:p>
-            <a:pPr marL="0" indent="0">
-              <a:buNone/>
-            </a:pPr>
-            <a:r>
-              <a:rPr lang="zh-CN" altLang="en-US" sz="1600" dirty="0"/>
-              <a:t>动态规划的时间复杂度是</a:t>
-            </a:r>
-            <a:r>
-              <a:rPr lang="en-US" altLang="zh-CN" sz="1600" dirty="0"/>
-              <a:t>O</a:t>
-            </a:r>
-            <a:r>
-              <a:rPr lang="zh-CN" altLang="en-US" sz="1600" dirty="0"/>
-              <a:t>（</a:t>
-            </a:r>
-            <a:r>
-              <a:rPr lang="en-US" altLang="zh-CN" sz="1600" dirty="0"/>
-              <a:t>n^2</a:t>
-            </a:r>
-            <a:r>
-              <a:rPr lang="zh-CN" altLang="en-US" sz="1600" dirty="0"/>
-              <a:t>），计算过程几乎没有有效提高方式</a:t>
-            </a:r>
-            <a:endParaRPr lang="en-US" altLang="zh-CN" sz="1600" dirty="0"/>
-          </a:p>
-          <a:p>
-            <a:pPr marL="0" indent="0">
-              <a:buNone/>
-            </a:pPr>
-            <a:endParaRPr lang="en-US" altLang="zh-CN" sz="1600" dirty="0"/>
-          </a:p>
-          <a:p>
-            <a:pPr marL="0" indent="0">
-              <a:buNone/>
-            </a:pPr>
-            <a:r>
-              <a:rPr lang="zh-CN" altLang="en-US" sz="1600" dirty="0"/>
-              <a:t>但是可以在空间方向入手，上面动态规划是通过二维数组储存结果的，</a:t>
-            </a:r>
-            <a:endParaRPr lang="en-US" altLang="zh-CN" sz="1600" dirty="0"/>
-          </a:p>
-          <a:p>
-            <a:pPr marL="0" indent="0">
-              <a:buNone/>
-            </a:pPr>
-            <a:r>
-              <a:rPr lang="zh-CN" altLang="en-US" sz="1600" dirty="0"/>
-              <a:t>但是按状态方程，本轮计算参数只有上一轮的结果</a:t>
-            </a:r>
-            <a:endParaRPr lang="en-US" altLang="zh-CN" sz="1600" dirty="0"/>
-          </a:p>
-          <a:p>
-            <a:pPr marL="0" indent="0">
-              <a:buNone/>
-            </a:pPr>
-            <a:r>
-              <a:rPr lang="zh-CN" altLang="en-US" sz="1600" dirty="0"/>
-              <a:t>所以可以通过一维数组去储存上一轮结果</a:t>
-            </a:r>
-            <a:endParaRPr lang="en-US" altLang="zh-CN" sz="1600" dirty="0"/>
-          </a:p>
-          <a:p>
-            <a:pPr marL="0" indent="0">
-              <a:buNone/>
-            </a:pPr>
-            <a:r>
-              <a:rPr lang="zh-CN" altLang="en-US" sz="1600" dirty="0"/>
-              <a:t>可以将空间效率从</a:t>
-            </a:r>
-            <a:r>
-              <a:rPr lang="en-US" altLang="zh-CN" sz="1600" dirty="0"/>
-              <a:t>O(n^2)</a:t>
-            </a:r>
-            <a:r>
-              <a:rPr lang="zh-CN" altLang="en-US" sz="1600" dirty="0"/>
-              <a:t>降低到</a:t>
-            </a:r>
-            <a:r>
-              <a:rPr lang="en-US" altLang="zh-CN" sz="1600" dirty="0"/>
-              <a:t>O(n)</a:t>
-            </a:r>
-          </a:p>
-          <a:p>
-            <a:pPr marL="0" indent="0">
-              <a:buNone/>
-            </a:pPr>
-            <a:endParaRPr lang="en-US" altLang="zh-CN" sz="1600" dirty="0"/>
-          </a:p>
-          <a:p>
-            <a:pPr marL="0" indent="0">
-              <a:buNone/>
-            </a:pPr>
-            <a:r>
-              <a:rPr lang="zh-CN" altLang="en-US" sz="1600" dirty="0"/>
-              <a:t>实验数据表明一维数组时间效率渐近</a:t>
-            </a:r>
-            <a:r>
-              <a:rPr lang="en-US" altLang="zh-CN" sz="1600" dirty="0"/>
-              <a:t>O</a:t>
-            </a:r>
-            <a:r>
-              <a:rPr lang="zh-CN" altLang="en-US" sz="1600" dirty="0"/>
-              <a:t>（</a:t>
-            </a:r>
-            <a:r>
-              <a:rPr lang="en-US" altLang="zh-CN" sz="1600" dirty="0"/>
-              <a:t>n</a:t>
-            </a:r>
-            <a:r>
-              <a:rPr lang="zh-CN" altLang="en-US" sz="1600" dirty="0"/>
-              <a:t>）</a:t>
-            </a:r>
-            <a:endParaRPr lang="en-US" altLang="zh-CN" sz="1600" dirty="0"/>
-          </a:p>
-          <a:p>
-            <a:pPr marL="0" indent="0">
-              <a:buNone/>
-            </a:pPr>
-            <a:endParaRPr lang="en-US" altLang="zh-CN" sz="1600" dirty="0"/>
-          </a:p>
-          <a:p>
-            <a:pPr marL="0" indent="0">
-              <a:buNone/>
-            </a:pPr>
-            <a:r>
-              <a:rPr lang="zh-CN" altLang="en-US" sz="1600" dirty="0"/>
-              <a:t>原因分析</a:t>
-            </a:r>
-            <a:r>
-              <a:rPr lang="en-US" altLang="zh-CN" sz="1600" dirty="0">
-                <a:sym typeface="Wingdings" panose="05000000000000000000" pitchFamily="2" charset="2"/>
-              </a:rPr>
-              <a:t>:</a:t>
-            </a:r>
-          </a:p>
-          <a:p>
-            <a:pPr marL="0" indent="0">
-              <a:buNone/>
-            </a:pPr>
-            <a:r>
-              <a:rPr lang="en-US" altLang="zh-CN" sz="1600" dirty="0">
-                <a:sym typeface="Wingdings" panose="05000000000000000000" pitchFamily="2" charset="2"/>
-              </a:rPr>
-              <a:t>(1)</a:t>
-            </a:r>
-            <a:r>
-              <a:rPr lang="zh-CN" altLang="en-US" sz="1600" dirty="0">
-                <a:sym typeface="Wingdings" panose="05000000000000000000" pitchFamily="2" charset="2"/>
-              </a:rPr>
-              <a:t>开辟空间的时间 </a:t>
-            </a:r>
-            <a:endParaRPr lang="en-US" altLang="zh-CN" sz="1600" dirty="0">
-              <a:sym typeface="Wingdings" panose="05000000000000000000" pitchFamily="2" charset="2"/>
-            </a:endParaRPr>
-          </a:p>
-          <a:p>
-            <a:pPr marL="0" indent="0">
-              <a:buNone/>
-            </a:pPr>
-            <a:r>
-              <a:rPr lang="en-US" altLang="zh-CN" sz="1600" dirty="0">
-                <a:sym typeface="Wingdings" panose="05000000000000000000" pitchFamily="2" charset="2"/>
-              </a:rPr>
-              <a:t>(2)</a:t>
-            </a:r>
-            <a:r>
-              <a:rPr lang="en-US" altLang="zh-CN" sz="1600" dirty="0"/>
-              <a:t>cache</a:t>
-            </a:r>
-            <a:r>
-              <a:rPr lang="zh-CN" altLang="en-US" sz="1600" dirty="0"/>
-              <a:t>命中</a:t>
-            </a:r>
-            <a:endParaRPr lang="en-US" altLang="zh-CN" sz="1600" dirty="0"/>
-          </a:p>
-          <a:p>
-            <a:pPr marL="0" indent="0">
-              <a:buNone/>
-            </a:pPr>
-            <a:endParaRPr lang="en-US" altLang="zh-CN" sz="1600" dirty="0"/>
-          </a:p>
-          <a:p>
-            <a:pPr marL="0" indent="0">
-              <a:buNone/>
-            </a:pPr>
-            <a:endParaRPr lang="en-US" altLang="zh-CN" sz="2000" dirty="0"/>
-          </a:p>
-          <a:p>
-            <a:pPr marL="0" indent="0">
-              <a:buNone/>
-            </a:pPr>
-            <a:endParaRPr lang="en-US" altLang="zh-CN" sz="2000" dirty="0"/>
-          </a:p>
-          <a:p>
-            <a:pPr marL="0" indent="0">
-              <a:buNone/>
-            </a:pPr>
-            <a:endParaRPr lang="zh-CN" altLang="en-US" sz="2000" dirty="0"/>
-          </a:p>
-        </p:txBody>
-      </p:sp>
-      <p:pic>
-        <p:nvPicPr>
-          <p:cNvPr id="6" name="图片 5">
-            <a:extLst>
-              <a:ext uri="{FF2B5EF4-FFF2-40B4-BE49-F238E27FC236}">
-                <a16:creationId xmlns:a16="http://schemas.microsoft.com/office/drawing/2014/main" id="{7387D97F-2C68-44EA-9E2B-5CBAF6A7D79C}"/>
-              </a:ext>
-            </a:extLst>
-          </p:cNvPr>
-          <p:cNvPicPr>
-            <a:picLocks noChangeAspect="1"/>
-          </p:cNvPicPr>
-          <p:nvPr/>
-        </p:nvPicPr>
-        <p:blipFill>
-          <a:blip r:embed="rId2"/>
-          <a:stretch>
-            <a:fillRect/>
-          </a:stretch>
-        </p:blipFill>
-        <p:spPr>
-          <a:xfrm>
-            <a:off x="7208668" y="3078758"/>
-            <a:ext cx="4145132" cy="3264892"/>
-          </a:xfrm>
-          <a:prstGeom prst="rect">
-            <a:avLst/>
-          </a:prstGeom>
-        </p:spPr>
-      </p:pic>
-    </p:spTree>
-    <p:extLst>
-      <p:ext uri="{BB962C8B-B14F-4D97-AF65-F5344CB8AC3E}">
-        <p14:creationId xmlns:p14="http://schemas.microsoft.com/office/powerpoint/2010/main" val="4103254326"/>
+        <p14:creationId xmlns:p14="http://schemas.microsoft.com/office/powerpoint/2010/main" val="786174086"/>
       </p:ext>
     </p:extLst>
   </p:cSld>
@@ -6263,299 +5136,4 @@
     </a:ext>
   </a:extLst>
 </a:theme>
-</file>
-
-<file path=ppt/theme/theme2.xml><?xml version="1.0" encoding="utf-8"?>
-<a:theme xmlns:a="http://schemas.openxmlformats.org/drawingml/2006/main" name="Office 主题​​">
-  <a:themeElements>
-    <a:clrScheme name="Office">
-      <a:dk1>
-        <a:sysClr val="windowText" lastClr="000000"/>
-      </a:dk1>
-      <a:lt1>
-        <a:sysClr val="window" lastClr="FFFFFF"/>
-      </a:lt1>
-      <a:dk2>
-        <a:srgbClr val="44546A"/>
-      </a:dk2>
-      <a:lt2>
-        <a:srgbClr val="E7E6E6"/>
-      </a:lt2>
-      <a:accent1>
-        <a:srgbClr val="4472C4"/>
-      </a:accent1>
-      <a:accent2>
-        <a:srgbClr val="ED7D31"/>
-      </a:accent2>
-      <a:accent3>
-        <a:srgbClr val="A5A5A5"/>
-      </a:accent3>
-      <a:accent4>
-        <a:srgbClr val="FFC000"/>
-      </a:accent4>
-      <a:accent5>
-        <a:srgbClr val="5B9BD5"/>
-      </a:accent5>
-      <a:accent6>
-        <a:srgbClr val="70AD47"/>
-      </a:accent6>
-      <a:hlink>
-        <a:srgbClr val="0563C1"/>
-      </a:hlink>
-      <a:folHlink>
-        <a:srgbClr val="954F72"/>
-      </a:folHlink>
-    </a:clrScheme>
-    <a:fontScheme name="Office">
-      <a:majorFont>
-        <a:latin typeface="等线 Light" panose="020F0302020204030204"/>
-        <a:ea typeface=""/>
-        <a:cs typeface=""/>
-        <a:font script="Jpan" typeface="游ゴシック Light"/>
-        <a:font script="Hang" typeface="맑은 고딕"/>
-        <a:font script="Hans" typeface="等线 Light"/>
-        <a:font script="Hant" typeface="新細明體"/>
-        <a:font script="Arab" typeface="Times New Roman"/>
-        <a:font script="Hebr" typeface="Times New Roman"/>
-        <a:font script="Thai" typeface="Angsana New"/>
-        <a:font script="Ethi" typeface="Nyala"/>
-        <a:font script="Beng" typeface="Vrinda"/>
-        <a:font script="Gujr" typeface="Shruti"/>
-        <a:font script="Khmr" typeface="MoolBoran"/>
-        <a:font script="Knda" typeface="Tunga"/>
-        <a:font script="Guru" typeface="Raavi"/>
-        <a:font script="Cans" typeface="Euphemia"/>
-        <a:font script="Cher" typeface="Plantagenet Cherokee"/>
-        <a:font script="Yiii" typeface="Microsoft Yi Baiti"/>
-        <a:font script="Tibt" typeface="Microsoft Himalaya"/>
-        <a:font script="Thaa" typeface="MV Boli"/>
-        <a:font script="Deva" typeface="Mangal"/>
-        <a:font script="Telu" typeface="Gautami"/>
-        <a:font script="Taml" typeface="Latha"/>
-        <a:font script="Syrc" typeface="Estrangelo Edessa"/>
-        <a:font script="Orya" typeface="Kalinga"/>
-        <a:font script="Mlym" typeface="Kartika"/>
-        <a:font script="Laoo" typeface="DokChampa"/>
-        <a:font script="Sinh" typeface="Iskoola Pota"/>
-        <a:font script="Mong" typeface="Mongolian Baiti"/>
-        <a:font script="Viet" typeface="Times New Roman"/>
-        <a:font script="Uigh" typeface="Microsoft Uighur"/>
-        <a:font script="Geor" typeface="Sylfaen"/>
-        <a:font script="Armn" typeface="Arial"/>
-        <a:font script="Bugi" typeface="Leelawadee UI"/>
-        <a:font script="Bopo" typeface="Microsoft JhengHei"/>
-        <a:font script="Java" typeface="Javanese Text"/>
-        <a:font script="Lisu" typeface="Segoe UI"/>
-        <a:font script="Mymr" typeface="Myanmar Text"/>
-        <a:font script="Nkoo" typeface="Ebrima"/>
-        <a:font script="Olck" typeface="Nirmala UI"/>
-        <a:font script="Osma" typeface="Ebrima"/>
-        <a:font script="Phag" typeface="Phagspa"/>
-        <a:font script="Syrn" typeface="Estrangelo Edessa"/>
-        <a:font script="Syrj" typeface="Estrangelo Edessa"/>
-        <a:font script="Syre" typeface="Estrangelo Edessa"/>
-        <a:font script="Sora" typeface="Nirmala UI"/>
-        <a:font script="Tale" typeface="Microsoft Tai Le"/>
-        <a:font script="Talu" typeface="Microsoft New Tai Lue"/>
-        <a:font script="Tfng" typeface="Ebrima"/>
-      </a:majorFont>
-      <a:minorFont>
-        <a:latin typeface="等线" panose="020F0502020204030204"/>
-        <a:ea typeface=""/>
-        <a:cs typeface=""/>
-        <a:font script="Jpan" typeface="游ゴシック"/>
-        <a:font script="Hang" typeface="맑은 고딕"/>
-        <a:font script="Hans" typeface="等线"/>
-        <a:font script="Hant" typeface="新細明體"/>
-        <a:font script="Arab" typeface="Arial"/>
-        <a:font script="Hebr" typeface="Arial"/>
-        <a:font script="Thai" typeface="Cordia New"/>
-        <a:font script="Ethi" typeface="Nyala"/>
-        <a:font script="Beng" typeface="Vrinda"/>
-        <a:font script="Gujr" typeface="Shruti"/>
-        <a:font script="Khmr" typeface="DaunPenh"/>
-        <a:font script="Knda" typeface="Tunga"/>
-        <a:font script="Guru" typeface="Raavi"/>
-        <a:font script="Cans" typeface="Euphemia"/>
-        <a:font script="Cher" typeface="Plantagenet Cherokee"/>
-        <a:font script="Yiii" typeface="Microsoft Yi Baiti"/>
-        <a:font script="Tibt" typeface="Microsoft Himalaya"/>
-        <a:font script="Thaa" typeface="MV Boli"/>
-        <a:font script="Deva" typeface="Mangal"/>
-        <a:font script="Telu" typeface="Gautami"/>
-        <a:font script="Taml" typeface="Latha"/>
-        <a:font script="Syrc" typeface="Estrangelo Edessa"/>
-        <a:font script="Orya" typeface="Kalinga"/>
-        <a:font script="Mlym" typeface="Kartika"/>
-        <a:font script="Laoo" typeface="DokChampa"/>
-        <a:font script="Sinh" typeface="Iskoola Pota"/>
-        <a:font script="Mong" typeface="Mongolian Baiti"/>
-        <a:font script="Viet" typeface="Arial"/>
-        <a:font script="Uigh" typeface="Microsoft Uighur"/>
-        <a:font script="Geor" typeface="Sylfaen"/>
-        <a:font script="Armn" typeface="Arial"/>
-        <a:font script="Bugi" typeface="Leelawadee UI"/>
-        <a:font script="Bopo" typeface="Microsoft JhengHei"/>
-        <a:font script="Java" typeface="Javanese Text"/>
-        <a:font script="Lisu" typeface="Segoe UI"/>
-        <a:font script="Mymr" typeface="Myanmar Text"/>
-        <a:font script="Nkoo" typeface="Ebrima"/>
-        <a:font script="Olck" typeface="Nirmala UI"/>
-        <a:font script="Osma" typeface="Ebrima"/>
-        <a:font script="Phag" typeface="Phagspa"/>
-        <a:font script="Syrn" typeface="Estrangelo Edessa"/>
-        <a:font script="Syrj" typeface="Estrangelo Edessa"/>
-        <a:font script="Syre" typeface="Estrangelo Edessa"/>
-        <a:font script="Sora" typeface="Nirmala UI"/>
-        <a:font script="Tale" typeface="Microsoft Tai Le"/>
-        <a:font script="Talu" typeface="Microsoft New Tai Lue"/>
-        <a:font script="Tfng" typeface="Ebrima"/>
-      </a:minorFont>
-    </a:fontScheme>
-    <a:fmtScheme name="Office">
-      <a:fillStyleLst>
-        <a:solidFill>
-          <a:schemeClr val="phClr"/>
-        </a:solidFill>
-        <a:gradFill rotWithShape="1">
-          <a:gsLst>
-            <a:gs pos="0">
-              <a:schemeClr val="phClr">
-                <a:lumMod val="110000"/>
-                <a:satMod val="105000"/>
-                <a:tint val="67000"/>
-              </a:schemeClr>
-            </a:gs>
-            <a:gs pos="50000">
-              <a:schemeClr val="phClr">
-                <a:lumMod val="105000"/>
-                <a:satMod val="103000"/>
-                <a:tint val="73000"/>
-              </a:schemeClr>
-            </a:gs>
-            <a:gs pos="100000">
-              <a:schemeClr val="phClr">
-                <a:lumMod val="105000"/>
-                <a:satMod val="109000"/>
-                <a:tint val="81000"/>
-              </a:schemeClr>
-            </a:gs>
-          </a:gsLst>
-          <a:lin ang="5400000" scaled="0"/>
-        </a:gradFill>
-        <a:gradFill rotWithShape="1">
-          <a:gsLst>
-            <a:gs pos="0">
-              <a:schemeClr val="phClr">
-                <a:satMod val="103000"/>
-                <a:lumMod val="102000"/>
-                <a:tint val="94000"/>
-              </a:schemeClr>
-            </a:gs>
-            <a:gs pos="50000">
-              <a:schemeClr val="phClr">
-                <a:satMod val="110000"/>
-                <a:lumMod val="100000"/>
-                <a:shade val="100000"/>
-              </a:schemeClr>
-            </a:gs>
-            <a:gs pos="100000">
-              <a:schemeClr val="phClr">
-                <a:lumMod val="99000"/>
-                <a:satMod val="120000"/>
-                <a:shade val="78000"/>
-              </a:schemeClr>
-            </a:gs>
-          </a:gsLst>
-          <a:lin ang="5400000" scaled="0"/>
-        </a:gradFill>
-      </a:fillStyleLst>
-      <a:lnStyleLst>
-        <a:ln w="6350" cap="flat" cmpd="sng" algn="ctr">
-          <a:solidFill>
-            <a:schemeClr val="phClr"/>
-          </a:solidFill>
-          <a:prstDash val="solid"/>
-          <a:miter lim="800000"/>
-        </a:ln>
-        <a:ln w="12700" cap="flat" cmpd="sng" algn="ctr">
-          <a:solidFill>
-            <a:schemeClr val="phClr"/>
-          </a:solidFill>
-          <a:prstDash val="solid"/>
-          <a:miter lim="800000"/>
-        </a:ln>
-        <a:ln w="19050" cap="flat" cmpd="sng" algn="ctr">
-          <a:solidFill>
-            <a:schemeClr val="phClr"/>
-          </a:solidFill>
-          <a:prstDash val="solid"/>
-          <a:miter lim="800000"/>
-        </a:ln>
-      </a:lnStyleLst>
-      <a:effectStyleLst>
-        <a:effectStyle>
-          <a:effectLst/>
-        </a:effectStyle>
-        <a:effectStyle>
-          <a:effectLst/>
-        </a:effectStyle>
-        <a:effectStyle>
-          <a:effectLst>
-            <a:outerShdw blurRad="57150" dist="19050" dir="5400000" algn="ctr" rotWithShape="0">
-              <a:srgbClr val="000000">
-                <a:alpha val="63000"/>
-              </a:srgbClr>
-            </a:outerShdw>
-          </a:effectLst>
-        </a:effectStyle>
-      </a:effectStyleLst>
-      <a:bgFillStyleLst>
-        <a:solidFill>
-          <a:schemeClr val="phClr"/>
-        </a:solidFill>
-        <a:solidFill>
-          <a:schemeClr val="phClr">
-            <a:tint val="95000"/>
-            <a:satMod val="170000"/>
-          </a:schemeClr>
-        </a:solidFill>
-        <a:gradFill rotWithShape="1">
-          <a:gsLst>
-            <a:gs pos="0">
-              <a:schemeClr val="phClr">
-                <a:tint val="93000"/>
-                <a:satMod val="150000"/>
-                <a:shade val="98000"/>
-                <a:lumMod val="102000"/>
-              </a:schemeClr>
-            </a:gs>
-            <a:gs pos="50000">
-              <a:schemeClr val="phClr">
-                <a:tint val="98000"/>
-                <a:satMod val="130000"/>
-                <a:shade val="90000"/>
-                <a:lumMod val="103000"/>
-              </a:schemeClr>
-            </a:gs>
-            <a:gs pos="100000">
-              <a:schemeClr val="phClr">
-                <a:shade val="63000"/>
-                <a:satMod val="120000"/>
-              </a:schemeClr>
-            </a:gs>
-          </a:gsLst>
-          <a:lin ang="5400000" scaled="0"/>
-        </a:gradFill>
-      </a:bgFillStyleLst>
-    </a:fmtScheme>
-  </a:themeElements>
-  <a:objectDefaults/>
-  <a:extraClrSchemeLst/>
-  <a:extLst>
-    <a:ext uri="{05A4C25C-085E-4340-85A3-A5531E510DB2}">
-      <thm15:themeFamily xmlns:thm15="http://schemas.microsoft.com/office/thememl/2012/main" name="Office Theme" id="{62F939B6-93AF-4DB8-9C6B-D6C7DFDC589F}" vid="{4A3C46E8-61CC-4603-A589-7422A47A8E4A}"/>
-    </a:ext>
-  </a:extLst>
-</a:theme>
 </file>